--- a/doc/mzQC_schema_graphic.pptx
+++ b/doc/mzQC_schema_graphic.pptx
@@ -117,11 +117,1987 @@
 <file path=ppt/revisionInfo.xml><?xml version="1.0" encoding="utf-8"?>
 <p1510:revInfo xmlns:a="http://schemas.openxmlformats.org/drawingml/2006/main" xmlns:r="http://schemas.openxmlformats.org/officeDocument/2006/relationships" xmlns:p1510="http://schemas.microsoft.com/office/powerpoint/2015/10/main">
   <p1510:revLst>
+    <p1510:client id="{06770844-F108-C419-0D9A-6622591E2853}" v="725" dt="2020-11-19T11:12:55.612"/>
     <p1510:client id="{0D75E577-26EB-7FB3-21B1-E54EA2AFBDD7}" v="48" dt="2020-07-27T10:30:49.208"/>
     <p1510:client id="{BC049B62-8E60-4081-B28C-C23E2273B253}" v="1855" dt="2019-11-14T17:55:54.059"/>
     <p1510:client id="{D7EFFCA3-87E5-A8B2-ADD3-4A1FDDFD6AF4}" v="105" dt="2019-11-18T15:43:35.852"/>
   </p1510:revLst>
 </p1510:revInfo>
+</file>
+
+<file path=ppt/changesInfos/changesInfo1.xml><?xml version="1.0" encoding="utf-8"?>
+<pc:chgInfo xmlns:a="http://schemas.openxmlformats.org/drawingml/2006/main" xmlns:r="http://schemas.openxmlformats.org/officeDocument/2006/relationships" xmlns:ac="http://schemas.microsoft.com/office/drawing/2013/main/command" xmlns:pc="http://schemas.microsoft.com/office/powerpoint/2013/main/command">
+  <pc:docChgLst>
+    <pc:chgData name="Mathias Walzer" userId="S::walzer@ebi.ac.uk::271a734e-0aa6-4201-95cf-9636889fab29" providerId="AD" clId="Web-{D7EFFCA3-87E5-A8B2-ADD3-4A1FDDFD6AF4}"/>
+    <pc:docChg chg="addSld modSld">
+      <pc:chgData name="Mathias Walzer" userId="S::walzer@ebi.ac.uk::271a734e-0aa6-4201-95cf-9636889fab29" providerId="AD" clId="Web-{D7EFFCA3-87E5-A8B2-ADD3-4A1FDDFD6AF4}" dt="2019-11-18T15:43:35.852" v="103" actId="14100"/>
+      <pc:docMkLst>
+        <pc:docMk/>
+      </pc:docMkLst>
+      <pc:sldChg chg="addSp delSp modSp">
+        <pc:chgData name="Mathias Walzer" userId="S::walzer@ebi.ac.uk::271a734e-0aa6-4201-95cf-9636889fab29" providerId="AD" clId="Web-{D7EFFCA3-87E5-A8B2-ADD3-4A1FDDFD6AF4}" dt="2019-11-18T15:35:48.446" v="34"/>
+        <pc:sldMkLst>
+          <pc:docMk/>
+          <pc:sldMk cId="367087163" sldId="257"/>
+        </pc:sldMkLst>
+        <pc:spChg chg="add mod ord">
+          <ac:chgData name="Mathias Walzer" userId="S::walzer@ebi.ac.uk::271a734e-0aa6-4201-95cf-9636889fab29" providerId="AD" clId="Web-{D7EFFCA3-87E5-A8B2-ADD3-4A1FDDFD6AF4}" dt="2019-11-18T15:35:48.446" v="34"/>
+          <ac:spMkLst>
+            <pc:docMk/>
+            <pc:sldMk cId="367087163" sldId="257"/>
+            <ac:spMk id="5" creationId="{0C564261-85A4-4861-80F3-4E5B03473A89}"/>
+          </ac:spMkLst>
+        </pc:spChg>
+        <pc:spChg chg="add del">
+          <ac:chgData name="Mathias Walzer" userId="S::walzer@ebi.ac.uk::271a734e-0aa6-4201-95cf-9636889fab29" providerId="AD" clId="Web-{D7EFFCA3-87E5-A8B2-ADD3-4A1FDDFD6AF4}" dt="2019-11-18T15:33:40.431" v="2"/>
+          <ac:spMkLst>
+            <pc:docMk/>
+            <pc:sldMk cId="367087163" sldId="257"/>
+            <ac:spMk id="11" creationId="{28B98E3D-7AD8-4F32-8667-12148BF07821}"/>
+          </ac:spMkLst>
+        </pc:spChg>
+      </pc:sldChg>
+      <pc:sldChg chg="addSp delSp modSp add replId">
+        <pc:chgData name="Mathias Walzer" userId="S::walzer@ebi.ac.uk::271a734e-0aa6-4201-95cf-9636889fab29" providerId="AD" clId="Web-{D7EFFCA3-87E5-A8B2-ADD3-4A1FDDFD6AF4}" dt="2019-11-18T15:43:35.852" v="103" actId="14100"/>
+        <pc:sldMkLst>
+          <pc:docMk/>
+          <pc:sldMk cId="809616689" sldId="258"/>
+        </pc:sldMkLst>
+        <pc:spChg chg="add del mod">
+          <ac:chgData name="Mathias Walzer" userId="S::walzer@ebi.ac.uk::271a734e-0aa6-4201-95cf-9636889fab29" providerId="AD" clId="Web-{D7EFFCA3-87E5-A8B2-ADD3-4A1FDDFD6AF4}" dt="2019-11-18T15:40:26.320" v="59"/>
+          <ac:spMkLst>
+            <pc:docMk/>
+            <pc:sldMk cId="809616689" sldId="258"/>
+            <ac:spMk id="15" creationId="{935670A6-7B62-4A69-BA17-EB0C1554BBFA}"/>
+          </ac:spMkLst>
+        </pc:spChg>
+        <pc:spChg chg="mod">
+          <ac:chgData name="Mathias Walzer" userId="S::walzer@ebi.ac.uk::271a734e-0aa6-4201-95cf-9636889fab29" providerId="AD" clId="Web-{D7EFFCA3-87E5-A8B2-ADD3-4A1FDDFD6AF4}" dt="2019-11-18T15:41:15.976" v="67" actId="1076"/>
+          <ac:spMkLst>
+            <pc:docMk/>
+            <pc:sldMk cId="809616689" sldId="258"/>
+            <ac:spMk id="27" creationId="{7D1232E8-7500-40C4-A4E4-841210422D72}"/>
+          </ac:spMkLst>
+        </pc:spChg>
+        <pc:spChg chg="mod">
+          <ac:chgData name="Mathias Walzer" userId="S::walzer@ebi.ac.uk::271a734e-0aa6-4201-95cf-9636889fab29" providerId="AD" clId="Web-{D7EFFCA3-87E5-A8B2-ADD3-4A1FDDFD6AF4}" dt="2019-11-18T15:42:34.944" v="87" actId="1076"/>
+          <ac:spMkLst>
+            <pc:docMk/>
+            <pc:sldMk cId="809616689" sldId="258"/>
+            <ac:spMk id="37" creationId="{07BEEC32-7E38-4DE0-9E8E-7FBE434FB102}"/>
+          </ac:spMkLst>
+        </pc:spChg>
+        <pc:spChg chg="mod">
+          <ac:chgData name="Mathias Walzer" userId="S::walzer@ebi.ac.uk::271a734e-0aa6-4201-95cf-9636889fab29" providerId="AD" clId="Web-{D7EFFCA3-87E5-A8B2-ADD3-4A1FDDFD6AF4}" dt="2019-11-18T15:42:34.991" v="88" actId="1076"/>
+          <ac:spMkLst>
+            <pc:docMk/>
+            <pc:sldMk cId="809616689" sldId="258"/>
+            <ac:spMk id="38" creationId="{22A5093A-78E5-4A23-8993-7037F4B04533}"/>
+          </ac:spMkLst>
+        </pc:spChg>
+        <pc:spChg chg="mod">
+          <ac:chgData name="Mathias Walzer" userId="S::walzer@ebi.ac.uk::271a734e-0aa6-4201-95cf-9636889fab29" providerId="AD" clId="Web-{D7EFFCA3-87E5-A8B2-ADD3-4A1FDDFD6AF4}" dt="2019-11-18T15:42:35.038" v="89" actId="1076"/>
+          <ac:spMkLst>
+            <pc:docMk/>
+            <pc:sldMk cId="809616689" sldId="258"/>
+            <ac:spMk id="39" creationId="{E947EDBD-9FE5-4660-9BCD-71FBEBC46F0B}"/>
+          </ac:spMkLst>
+        </pc:spChg>
+        <pc:spChg chg="mod">
+          <ac:chgData name="Mathias Walzer" userId="S::walzer@ebi.ac.uk::271a734e-0aa6-4201-95cf-9636889fab29" providerId="AD" clId="Web-{D7EFFCA3-87E5-A8B2-ADD3-4A1FDDFD6AF4}" dt="2019-11-18T15:42:35.085" v="90" actId="1076"/>
+          <ac:spMkLst>
+            <pc:docMk/>
+            <pc:sldMk cId="809616689" sldId="258"/>
+            <ac:spMk id="40" creationId="{740DA697-9B12-4333-8261-0D9005AE310E}"/>
+          </ac:spMkLst>
+        </pc:spChg>
+        <pc:spChg chg="mod">
+          <ac:chgData name="Mathias Walzer" userId="S::walzer@ebi.ac.uk::271a734e-0aa6-4201-95cf-9636889fab29" providerId="AD" clId="Web-{D7EFFCA3-87E5-A8B2-ADD3-4A1FDDFD6AF4}" dt="2019-11-18T15:42:35.132" v="91" actId="1076"/>
+          <ac:spMkLst>
+            <pc:docMk/>
+            <pc:sldMk cId="809616689" sldId="258"/>
+            <ac:spMk id="41" creationId="{0C18B2D2-7428-4B83-A665-2EFA1F56B3A3}"/>
+          </ac:spMkLst>
+        </pc:spChg>
+        <pc:spChg chg="mod">
+          <ac:chgData name="Mathias Walzer" userId="S::walzer@ebi.ac.uk::271a734e-0aa6-4201-95cf-9636889fab29" providerId="AD" clId="Web-{D7EFFCA3-87E5-A8B2-ADD3-4A1FDDFD6AF4}" dt="2019-11-18T15:42:35.179" v="92" actId="1076"/>
+          <ac:spMkLst>
+            <pc:docMk/>
+            <pc:sldMk cId="809616689" sldId="258"/>
+            <ac:spMk id="42" creationId="{B9439AF8-042B-47DE-8012-17D9605ED568}"/>
+          </ac:spMkLst>
+        </pc:spChg>
+        <pc:spChg chg="mod">
+          <ac:chgData name="Mathias Walzer" userId="S::walzer@ebi.ac.uk::271a734e-0aa6-4201-95cf-9636889fab29" providerId="AD" clId="Web-{D7EFFCA3-87E5-A8B2-ADD3-4A1FDDFD6AF4}" dt="2019-11-18T15:42:35.226" v="93" actId="1076"/>
+          <ac:spMkLst>
+            <pc:docMk/>
+            <pc:sldMk cId="809616689" sldId="258"/>
+            <ac:spMk id="43" creationId="{A05B9470-DD69-49C1-B95C-D34B8F134A87}"/>
+          </ac:spMkLst>
+        </pc:spChg>
+        <pc:spChg chg="mod">
+          <ac:chgData name="Mathias Walzer" userId="S::walzer@ebi.ac.uk::271a734e-0aa6-4201-95cf-9636889fab29" providerId="AD" clId="Web-{D7EFFCA3-87E5-A8B2-ADD3-4A1FDDFD6AF4}" dt="2019-11-18T15:39:28.820" v="52" actId="20577"/>
+          <ac:spMkLst>
+            <pc:docMk/>
+            <pc:sldMk cId="809616689" sldId="258"/>
+            <ac:spMk id="59" creationId="{793A545E-C416-456A-BB05-CBFBCF166821}"/>
+          </ac:spMkLst>
+        </pc:spChg>
+        <pc:spChg chg="mod">
+          <ac:chgData name="Mathias Walzer" userId="S::walzer@ebi.ac.uk::271a734e-0aa6-4201-95cf-9636889fab29" providerId="AD" clId="Web-{D7EFFCA3-87E5-A8B2-ADD3-4A1FDDFD6AF4}" dt="2019-11-18T15:42:35.273" v="94" actId="1076"/>
+          <ac:spMkLst>
+            <pc:docMk/>
+            <pc:sldMk cId="809616689" sldId="258"/>
+            <ac:spMk id="73" creationId="{0DD4A654-C5EB-4A31-BDDB-E441165FBC54}"/>
+          </ac:spMkLst>
+        </pc:spChg>
+        <pc:cxnChg chg="add del mod">
+          <ac:chgData name="Mathias Walzer" userId="S::walzer@ebi.ac.uk::271a734e-0aa6-4201-95cf-9636889fab29" providerId="AD" clId="Web-{D7EFFCA3-87E5-A8B2-ADD3-4A1FDDFD6AF4}" dt="2019-11-18T15:39:41.117" v="56"/>
+          <ac:cxnSpMkLst>
+            <pc:docMk/>
+            <pc:sldMk cId="809616689" sldId="258"/>
+            <ac:cxnSpMk id="11" creationId="{27866A34-CC19-4644-A1DB-AD49F0D25110}"/>
+          </ac:cxnSpMkLst>
+        </pc:cxnChg>
+        <pc:cxnChg chg="add mod">
+          <ac:chgData name="Mathias Walzer" userId="S::walzer@ebi.ac.uk::271a734e-0aa6-4201-95cf-9636889fab29" providerId="AD" clId="Web-{D7EFFCA3-87E5-A8B2-ADD3-4A1FDDFD6AF4}" dt="2019-11-18T15:41:07.898" v="64" actId="14100"/>
+          <ac:cxnSpMkLst>
+            <pc:docMk/>
+            <pc:sldMk cId="809616689" sldId="258"/>
+            <ac:cxnSpMk id="16" creationId="{5EC4A287-DCA3-4DD1-9AA4-00A8CD68E295}"/>
+          </ac:cxnSpMkLst>
+        </pc:cxnChg>
+        <pc:cxnChg chg="add del mod">
+          <ac:chgData name="Mathias Walzer" userId="S::walzer@ebi.ac.uk::271a734e-0aa6-4201-95cf-9636889fab29" providerId="AD" clId="Web-{D7EFFCA3-87E5-A8B2-ADD3-4A1FDDFD6AF4}" dt="2019-11-18T15:41:18.055" v="68"/>
+          <ac:cxnSpMkLst>
+            <pc:docMk/>
+            <pc:sldMk cId="809616689" sldId="258"/>
+            <ac:cxnSpMk id="62" creationId="{ACC5D5B0-380C-4FA4-AE83-BE11D1A1619E}"/>
+          </ac:cxnSpMkLst>
+        </pc:cxnChg>
+        <pc:cxnChg chg="add mod">
+          <ac:chgData name="Mathias Walzer" userId="S::walzer@ebi.ac.uk::271a734e-0aa6-4201-95cf-9636889fab29" providerId="AD" clId="Web-{D7EFFCA3-87E5-A8B2-ADD3-4A1FDDFD6AF4}" dt="2019-11-18T15:41:51.288" v="72" actId="14100"/>
+          <ac:cxnSpMkLst>
+            <pc:docMk/>
+            <pc:sldMk cId="809616689" sldId="258"/>
+            <ac:cxnSpMk id="65" creationId="{77587161-3ABD-4D10-A143-32E5B4B99BF7}"/>
+          </ac:cxnSpMkLst>
+        </pc:cxnChg>
+        <pc:cxnChg chg="add mod">
+          <ac:chgData name="Mathias Walzer" userId="S::walzer@ebi.ac.uk::271a734e-0aa6-4201-95cf-9636889fab29" providerId="AD" clId="Web-{D7EFFCA3-87E5-A8B2-ADD3-4A1FDDFD6AF4}" dt="2019-11-18T15:43:35.852" v="103" actId="14100"/>
+          <ac:cxnSpMkLst>
+            <pc:docMk/>
+            <pc:sldMk cId="809616689" sldId="258"/>
+            <ac:cxnSpMk id="76" creationId="{0FC2325E-EB21-4C9F-B7FB-5F8E3EFCA7A1}"/>
+          </ac:cxnSpMkLst>
+        </pc:cxnChg>
+      </pc:sldChg>
+    </pc:docChg>
+  </pc:docChgLst>
+  <pc:docChgLst>
+    <pc:chgData name="Mathias Walzer" userId="S::walzer@ebi.ac.uk::271a734e-0aa6-4201-95cf-9636889fab29" providerId="AD" clId="Web-{06770844-F108-C419-0D9A-6622591E2853}"/>
+    <pc:docChg chg="modSld">
+      <pc:chgData name="Mathias Walzer" userId="S::walzer@ebi.ac.uk::271a734e-0aa6-4201-95cf-9636889fab29" providerId="AD" clId="Web-{06770844-F108-C419-0D9A-6622591E2853}" dt="2020-11-19T11:12:55.612" v="724" actId="1076"/>
+      <pc:docMkLst>
+        <pc:docMk/>
+      </pc:docMkLst>
+      <pc:sldChg chg="addSp delSp modSp">
+        <pc:chgData name="Mathias Walzer" userId="S::walzer@ebi.ac.uk::271a734e-0aa6-4201-95cf-9636889fab29" providerId="AD" clId="Web-{06770844-F108-C419-0D9A-6622591E2853}" dt="2020-11-19T11:12:55.612" v="724" actId="1076"/>
+        <pc:sldMkLst>
+          <pc:docMk/>
+          <pc:sldMk cId="809616689" sldId="258"/>
+        </pc:sldMkLst>
+        <pc:spChg chg="mod">
+          <ac:chgData name="Mathias Walzer" userId="S::walzer@ebi.ac.uk::271a734e-0aa6-4201-95cf-9636889fab29" providerId="AD" clId="Web-{06770844-F108-C419-0D9A-6622591E2853}" dt="2020-11-19T11:06:37.029" v="687" actId="1076"/>
+          <ac:spMkLst>
+            <pc:docMk/>
+            <pc:sldMk cId="809616689" sldId="258"/>
+            <ac:spMk id="4" creationId="{E248BA11-2551-4FAD-BBF6-F73C6CC93EC4}"/>
+          </ac:spMkLst>
+        </pc:spChg>
+        <pc:spChg chg="mod">
+          <ac:chgData name="Mathias Walzer" userId="S::walzer@ebi.ac.uk::271a734e-0aa6-4201-95cf-9636889fab29" providerId="AD" clId="Web-{06770844-F108-C419-0D9A-6622591E2853}" dt="2020-11-19T11:04:59.555" v="640" actId="1076"/>
+          <ac:spMkLst>
+            <pc:docMk/>
+            <pc:sldMk cId="809616689" sldId="258"/>
+            <ac:spMk id="6" creationId="{3698CF63-DBE6-429C-8F7C-2B81EC02B530}"/>
+          </ac:spMkLst>
+        </pc:spChg>
+        <pc:spChg chg="mod">
+          <ac:chgData name="Mathias Walzer" userId="S::walzer@ebi.ac.uk::271a734e-0aa6-4201-95cf-9636889fab29" providerId="AD" clId="Web-{06770844-F108-C419-0D9A-6622591E2853}" dt="2020-11-19T11:06:45.623" v="688" actId="1076"/>
+          <ac:spMkLst>
+            <pc:docMk/>
+            <pc:sldMk cId="809616689" sldId="258"/>
+            <ac:spMk id="7" creationId="{C6A84815-9CC2-4B81-9AF0-50FC523EDD7B}"/>
+          </ac:spMkLst>
+        </pc:spChg>
+        <pc:spChg chg="mod">
+          <ac:chgData name="Mathias Walzer" userId="S::walzer@ebi.ac.uk::271a734e-0aa6-4201-95cf-9636889fab29" providerId="AD" clId="Web-{06770844-F108-C419-0D9A-6622591E2853}" dt="2020-11-19T11:04:59.617" v="641" actId="1076"/>
+          <ac:spMkLst>
+            <pc:docMk/>
+            <pc:sldMk cId="809616689" sldId="258"/>
+            <ac:spMk id="8" creationId="{9447CE4C-74A7-4655-8EBB-884A00087673}"/>
+          </ac:spMkLst>
+        </pc:spChg>
+        <pc:spChg chg="mod">
+          <ac:chgData name="Mathias Walzer" userId="S::walzer@ebi.ac.uk::271a734e-0aa6-4201-95cf-9636889fab29" providerId="AD" clId="Web-{06770844-F108-C419-0D9A-6622591E2853}" dt="2020-11-19T11:04:17.521" v="477" actId="1076"/>
+          <ac:spMkLst>
+            <pc:docMk/>
+            <pc:sldMk cId="809616689" sldId="258"/>
+            <ac:spMk id="10" creationId="{18BA082D-AE68-421C-845F-AC9B4FA90AC9}"/>
+          </ac:spMkLst>
+        </pc:spChg>
+        <pc:spChg chg="mod">
+          <ac:chgData name="Mathias Walzer" userId="S::walzer@ebi.ac.uk::271a734e-0aa6-4201-95cf-9636889fab29" providerId="AD" clId="Web-{06770844-F108-C419-0D9A-6622591E2853}" dt="2020-11-19T11:04:17.568" v="478" actId="1076"/>
+          <ac:spMkLst>
+            <pc:docMk/>
+            <pc:sldMk cId="809616689" sldId="258"/>
+            <ac:spMk id="12" creationId="{F2C65B9F-31C5-4748-83A3-A6CED9F61F0A}"/>
+          </ac:spMkLst>
+        </pc:spChg>
+        <pc:spChg chg="mod">
+          <ac:chgData name="Mathias Walzer" userId="S::walzer@ebi.ac.uk::271a734e-0aa6-4201-95cf-9636889fab29" providerId="AD" clId="Web-{06770844-F108-C419-0D9A-6622591E2853}" dt="2020-11-19T11:06:23.653" v="685" actId="1076"/>
+          <ac:spMkLst>
+            <pc:docMk/>
+            <pc:sldMk cId="809616689" sldId="258"/>
+            <ac:spMk id="13" creationId="{AE4A74BB-EF4B-49F5-A0D0-BEE30FDAE2CA}"/>
+          </ac:spMkLst>
+        </pc:spChg>
+        <pc:spChg chg="mod">
+          <ac:chgData name="Mathias Walzer" userId="S::walzer@ebi.ac.uk::271a734e-0aa6-4201-95cf-9636889fab29" providerId="AD" clId="Web-{06770844-F108-C419-0D9A-6622591E2853}" dt="2020-11-19T11:04:59.648" v="642" actId="1076"/>
+          <ac:spMkLst>
+            <pc:docMk/>
+            <pc:sldMk cId="809616689" sldId="258"/>
+            <ac:spMk id="14" creationId="{266BED32-A185-4714-966D-40C9061225A0}"/>
+          </ac:spMkLst>
+        </pc:spChg>
+        <pc:spChg chg="mod">
+          <ac:chgData name="Mathias Walzer" userId="S::walzer@ebi.ac.uk::271a734e-0aa6-4201-95cf-9636889fab29" providerId="AD" clId="Web-{06770844-F108-C419-0D9A-6622591E2853}" dt="2020-11-19T11:04:59.695" v="643" actId="1076"/>
+          <ac:spMkLst>
+            <pc:docMk/>
+            <pc:sldMk cId="809616689" sldId="258"/>
+            <ac:spMk id="17" creationId="{8C8CF1FE-7D22-4430-B8F2-628FB51F3763}"/>
+          </ac:spMkLst>
+        </pc:spChg>
+        <pc:spChg chg="mod">
+          <ac:chgData name="Mathias Walzer" userId="S::walzer@ebi.ac.uk::271a734e-0aa6-4201-95cf-9636889fab29" providerId="AD" clId="Web-{06770844-F108-C419-0D9A-6622591E2853}" dt="2020-11-19T11:04:59.742" v="644" actId="1076"/>
+          <ac:spMkLst>
+            <pc:docMk/>
+            <pc:sldMk cId="809616689" sldId="258"/>
+            <ac:spMk id="18" creationId="{A50DFE5A-BC5C-46BC-8723-CEFC296FD8F1}"/>
+          </ac:spMkLst>
+        </pc:spChg>
+        <pc:spChg chg="mod">
+          <ac:chgData name="Mathias Walzer" userId="S::walzer@ebi.ac.uk::271a734e-0aa6-4201-95cf-9636889fab29" providerId="AD" clId="Web-{06770844-F108-C419-0D9A-6622591E2853}" dt="2020-11-19T11:04:59.789" v="645" actId="1076"/>
+          <ac:spMkLst>
+            <pc:docMk/>
+            <pc:sldMk cId="809616689" sldId="258"/>
+            <ac:spMk id="20" creationId="{6BC3BA9A-61C3-4A1B-8562-1DCB916FACA5}"/>
+          </ac:spMkLst>
+        </pc:spChg>
+        <pc:spChg chg="mod">
+          <ac:chgData name="Mathias Walzer" userId="S::walzer@ebi.ac.uk::271a734e-0aa6-4201-95cf-9636889fab29" providerId="AD" clId="Web-{06770844-F108-C419-0D9A-6622591E2853}" dt="2020-11-19T11:04:59.836" v="646" actId="1076"/>
+          <ac:spMkLst>
+            <pc:docMk/>
+            <pc:sldMk cId="809616689" sldId="258"/>
+            <ac:spMk id="21" creationId="{72D437A5-064E-43E3-B4E6-A9ABE143BDDB}"/>
+          </ac:spMkLst>
+        </pc:spChg>
+        <pc:spChg chg="mod">
+          <ac:chgData name="Mathias Walzer" userId="S::walzer@ebi.ac.uk::271a734e-0aa6-4201-95cf-9636889fab29" providerId="AD" clId="Web-{06770844-F108-C419-0D9A-6622591E2853}" dt="2020-11-19T10:57:52.250" v="322" actId="1076"/>
+          <ac:spMkLst>
+            <pc:docMk/>
+            <pc:sldMk cId="809616689" sldId="258"/>
+            <ac:spMk id="27" creationId="{7D1232E8-7500-40C4-A4E4-841210422D72}"/>
+          </ac:spMkLst>
+        </pc:spChg>
+        <pc:spChg chg="mod">
+          <ac:chgData name="Mathias Walzer" userId="S::walzer@ebi.ac.uk::271a734e-0aa6-4201-95cf-9636889fab29" providerId="AD" clId="Web-{06770844-F108-C419-0D9A-6622591E2853}" dt="2020-11-19T10:57:52.281" v="323" actId="1076"/>
+          <ac:spMkLst>
+            <pc:docMk/>
+            <pc:sldMk cId="809616689" sldId="258"/>
+            <ac:spMk id="28" creationId="{11B2A10D-1D35-4BE4-9CF3-377055E955AC}"/>
+          </ac:spMkLst>
+        </pc:spChg>
+        <pc:spChg chg="mod">
+          <ac:chgData name="Mathias Walzer" userId="S::walzer@ebi.ac.uk::271a734e-0aa6-4201-95cf-9636889fab29" providerId="AD" clId="Web-{06770844-F108-C419-0D9A-6622591E2853}" dt="2020-11-19T10:57:52.313" v="324" actId="1076"/>
+          <ac:spMkLst>
+            <pc:docMk/>
+            <pc:sldMk cId="809616689" sldId="258"/>
+            <ac:spMk id="29" creationId="{5533A428-6C5C-45E4-B7F3-648CF85C1D52}"/>
+          </ac:spMkLst>
+        </pc:spChg>
+        <pc:spChg chg="mod">
+          <ac:chgData name="Mathias Walzer" userId="S::walzer@ebi.ac.uk::271a734e-0aa6-4201-95cf-9636889fab29" providerId="AD" clId="Web-{06770844-F108-C419-0D9A-6622591E2853}" dt="2020-11-19T11:04:59.867" v="647" actId="1076"/>
+          <ac:spMkLst>
+            <pc:docMk/>
+            <pc:sldMk cId="809616689" sldId="258"/>
+            <ac:spMk id="30" creationId="{67BD2ECE-A648-4B24-B9AA-FC8D2F74ACF5}"/>
+          </ac:spMkLst>
+        </pc:spChg>
+        <pc:spChg chg="mod">
+          <ac:chgData name="Mathias Walzer" userId="S::walzer@ebi.ac.uk::271a734e-0aa6-4201-95cf-9636889fab29" providerId="AD" clId="Web-{06770844-F108-C419-0D9A-6622591E2853}" dt="2020-11-19T10:57:52.359" v="325" actId="1076"/>
+          <ac:spMkLst>
+            <pc:docMk/>
+            <pc:sldMk cId="809616689" sldId="258"/>
+            <ac:spMk id="31" creationId="{05F1DAF0-5710-49BE-A441-D891822D4720}"/>
+          </ac:spMkLst>
+        </pc:spChg>
+        <pc:spChg chg="mod">
+          <ac:chgData name="Mathias Walzer" userId="S::walzer@ebi.ac.uk::271a734e-0aa6-4201-95cf-9636889fab29" providerId="AD" clId="Web-{06770844-F108-C419-0D9A-6622591E2853}" dt="2020-11-19T11:04:59.930" v="648" actId="1076"/>
+          <ac:spMkLst>
+            <pc:docMk/>
+            <pc:sldMk cId="809616689" sldId="258"/>
+            <ac:spMk id="32" creationId="{452C6161-FFE6-42EE-BEAC-8CC9C6882259}"/>
+          </ac:spMkLst>
+        </pc:spChg>
+        <pc:spChg chg="mod">
+          <ac:chgData name="Mathias Walzer" userId="S::walzer@ebi.ac.uk::271a734e-0aa6-4201-95cf-9636889fab29" providerId="AD" clId="Web-{06770844-F108-C419-0D9A-6622591E2853}" dt="2020-11-19T11:04:59.992" v="649" actId="1076"/>
+          <ac:spMkLst>
+            <pc:docMk/>
+            <pc:sldMk cId="809616689" sldId="258"/>
+            <ac:spMk id="33" creationId="{C69B1361-0EF8-4E16-B701-DDD08EFC32CD}"/>
+          </ac:spMkLst>
+        </pc:spChg>
+        <pc:spChg chg="mod">
+          <ac:chgData name="Mathias Walzer" userId="S::walzer@ebi.ac.uk::271a734e-0aa6-4201-95cf-9636889fab29" providerId="AD" clId="Web-{06770844-F108-C419-0D9A-6622591E2853}" dt="2020-11-19T10:58:34.237" v="340" actId="20577"/>
+          <ac:spMkLst>
+            <pc:docMk/>
+            <pc:sldMk cId="809616689" sldId="258"/>
+            <ac:spMk id="34" creationId="{013EC78B-725C-4C11-BCCE-5D64BFF34BF7}"/>
+          </ac:spMkLst>
+        </pc:spChg>
+        <pc:spChg chg="mod">
+          <ac:chgData name="Mathias Walzer" userId="S::walzer@ebi.ac.uk::271a734e-0aa6-4201-95cf-9636889fab29" providerId="AD" clId="Web-{06770844-F108-C419-0D9A-6622591E2853}" dt="2020-11-19T11:05:00.914" v="671" actId="1076"/>
+          <ac:spMkLst>
+            <pc:docMk/>
+            <pc:sldMk cId="809616689" sldId="258"/>
+            <ac:spMk id="35" creationId="{B1F5DBC6-F6BD-4CD4-A0D3-76D98F6F655E}"/>
+          </ac:spMkLst>
+        </pc:spChg>
+        <pc:spChg chg="add del mod">
+          <ac:chgData name="Mathias Walzer" userId="S::walzer@ebi.ac.uk::271a734e-0aa6-4201-95cf-9636889fab29" providerId="AD" clId="Web-{06770844-F108-C419-0D9A-6622591E2853}" dt="2020-11-19T10:51:58.028" v="257"/>
+          <ac:spMkLst>
+            <pc:docMk/>
+            <pc:sldMk cId="809616689" sldId="258"/>
+            <ac:spMk id="36" creationId="{1535CEEF-C7B7-4460-9C0B-807FF968DDD2}"/>
+          </ac:spMkLst>
+        </pc:spChg>
+        <pc:spChg chg="mod">
+          <ac:chgData name="Mathias Walzer" userId="S::walzer@ebi.ac.uk::271a734e-0aa6-4201-95cf-9636889fab29" providerId="AD" clId="Web-{06770844-F108-C419-0D9A-6622591E2853}" dt="2020-11-19T11:08:57.349" v="702" actId="1076"/>
+          <ac:spMkLst>
+            <pc:docMk/>
+            <pc:sldMk cId="809616689" sldId="258"/>
+            <ac:spMk id="37" creationId="{07BEEC32-7E38-4DE0-9E8E-7FBE434FB102}"/>
+          </ac:spMkLst>
+        </pc:spChg>
+        <pc:spChg chg="mod">
+          <ac:chgData name="Mathias Walzer" userId="S::walzer@ebi.ac.uk::271a734e-0aa6-4201-95cf-9636889fab29" providerId="AD" clId="Web-{06770844-F108-C419-0D9A-6622591E2853}" dt="2020-11-19T10:48:56.971" v="225" actId="1076"/>
+          <ac:spMkLst>
+            <pc:docMk/>
+            <pc:sldMk cId="809616689" sldId="258"/>
+            <ac:spMk id="38" creationId="{22A5093A-78E5-4A23-8993-7037F4B04533}"/>
+          </ac:spMkLst>
+        </pc:spChg>
+        <pc:spChg chg="mod">
+          <ac:chgData name="Mathias Walzer" userId="S::walzer@ebi.ac.uk::271a734e-0aa6-4201-95cf-9636889fab29" providerId="AD" clId="Web-{06770844-F108-C419-0D9A-6622591E2853}" dt="2020-11-19T10:48:57.018" v="226" actId="1076"/>
+          <ac:spMkLst>
+            <pc:docMk/>
+            <pc:sldMk cId="809616689" sldId="258"/>
+            <ac:spMk id="39" creationId="{E947EDBD-9FE5-4660-9BCD-71FBEBC46F0B}"/>
+          </ac:spMkLst>
+        </pc:spChg>
+        <pc:spChg chg="del">
+          <ac:chgData name="Mathias Walzer" userId="S::walzer@ebi.ac.uk::271a734e-0aa6-4201-95cf-9636889fab29" providerId="AD" clId="Web-{06770844-F108-C419-0D9A-6622591E2853}" dt="2020-11-19T10:33:05.028" v="0"/>
+          <ac:spMkLst>
+            <pc:docMk/>
+            <pc:sldMk cId="809616689" sldId="258"/>
+            <ac:spMk id="40" creationId="{740DA697-9B12-4333-8261-0D9005AE310E}"/>
+          </ac:spMkLst>
+        </pc:spChg>
+        <pc:spChg chg="mod">
+          <ac:chgData name="Mathias Walzer" userId="S::walzer@ebi.ac.uk::271a734e-0aa6-4201-95cf-9636889fab29" providerId="AD" clId="Web-{06770844-F108-C419-0D9A-6622591E2853}" dt="2020-11-19T10:48:57.080" v="227" actId="1076"/>
+          <ac:spMkLst>
+            <pc:docMk/>
+            <pc:sldMk cId="809616689" sldId="258"/>
+            <ac:spMk id="41" creationId="{0C18B2D2-7428-4B83-A665-2EFA1F56B3A3}"/>
+          </ac:spMkLst>
+        </pc:spChg>
+        <pc:spChg chg="mod">
+          <ac:chgData name="Mathias Walzer" userId="S::walzer@ebi.ac.uk::271a734e-0aa6-4201-95cf-9636889fab29" providerId="AD" clId="Web-{06770844-F108-C419-0D9A-6622591E2853}" dt="2020-11-19T10:48:57.127" v="228" actId="1076"/>
+          <ac:spMkLst>
+            <pc:docMk/>
+            <pc:sldMk cId="809616689" sldId="258"/>
+            <ac:spMk id="42" creationId="{B9439AF8-042B-47DE-8012-17D9605ED568}"/>
+          </ac:spMkLst>
+        </pc:spChg>
+        <pc:spChg chg="mod">
+          <ac:chgData name="Mathias Walzer" userId="S::walzer@ebi.ac.uk::271a734e-0aa6-4201-95cf-9636889fab29" providerId="AD" clId="Web-{06770844-F108-C419-0D9A-6622591E2853}" dt="2020-11-19T11:05:00.055" v="650" actId="1076"/>
+          <ac:spMkLst>
+            <pc:docMk/>
+            <pc:sldMk cId="809616689" sldId="258"/>
+            <ac:spMk id="43" creationId="{A05B9470-DD69-49C1-B95C-D34B8F134A87}"/>
+          </ac:spMkLst>
+        </pc:spChg>
+        <pc:spChg chg="mod">
+          <ac:chgData name="Mathias Walzer" userId="S::walzer@ebi.ac.uk::271a734e-0aa6-4201-95cf-9636889fab29" providerId="AD" clId="Web-{06770844-F108-C419-0D9A-6622591E2853}" dt="2020-11-19T10:56:56.466" v="304" actId="20577"/>
+          <ac:spMkLst>
+            <pc:docMk/>
+            <pc:sldMk cId="809616689" sldId="258"/>
+            <ac:spMk id="48" creationId="{0F4D2716-335D-4D18-A294-B04D1CFA0407}"/>
+          </ac:spMkLst>
+        </pc:spChg>
+        <pc:spChg chg="mod">
+          <ac:chgData name="Mathias Walzer" userId="S::walzer@ebi.ac.uk::271a734e-0aa6-4201-95cf-9636889fab29" providerId="AD" clId="Web-{06770844-F108-C419-0D9A-6622591E2853}" dt="2020-11-19T10:59:52.991" v="351" actId="1076"/>
+          <ac:spMkLst>
+            <pc:docMk/>
+            <pc:sldMk cId="809616689" sldId="258"/>
+            <ac:spMk id="49" creationId="{79250592-0155-4C42-A0F4-80C37663C1CD}"/>
+          </ac:spMkLst>
+        </pc:spChg>
+        <pc:spChg chg="add del mod">
+          <ac:chgData name="Mathias Walzer" userId="S::walzer@ebi.ac.uk::271a734e-0aa6-4201-95cf-9636889fab29" providerId="AD" clId="Web-{06770844-F108-C419-0D9A-6622591E2853}" dt="2020-11-19T10:56:24.730" v="286"/>
+          <ac:spMkLst>
+            <pc:docMk/>
+            <pc:sldMk cId="809616689" sldId="258"/>
+            <ac:spMk id="50" creationId="{F991ADBC-67BA-48B4-8DFD-8E89895B9F3C}"/>
+          </ac:spMkLst>
+        </pc:spChg>
+        <pc:spChg chg="mod">
+          <ac:chgData name="Mathias Walzer" userId="S::walzer@ebi.ac.uk::271a734e-0aa6-4201-95cf-9636889fab29" providerId="AD" clId="Web-{06770844-F108-C419-0D9A-6622591E2853}" dt="2020-11-19T10:59:53.100" v="353" actId="1076"/>
+          <ac:spMkLst>
+            <pc:docMk/>
+            <pc:sldMk cId="809616689" sldId="258"/>
+            <ac:spMk id="51" creationId="{D517A9F1-7799-4EAC-AC33-82B6C5DBDA99}"/>
+          </ac:spMkLst>
+        </pc:spChg>
+        <pc:spChg chg="mod">
+          <ac:chgData name="Mathias Walzer" userId="S::walzer@ebi.ac.uk::271a734e-0aa6-4201-95cf-9636889fab29" providerId="AD" clId="Web-{06770844-F108-C419-0D9A-6622591E2853}" dt="2020-11-19T10:59:53.039" v="352" actId="1076"/>
+          <ac:spMkLst>
+            <pc:docMk/>
+            <pc:sldMk cId="809616689" sldId="258"/>
+            <ac:spMk id="52" creationId="{FD8F7BEC-B580-4F11-BE01-1F8E639B8716}"/>
+          </ac:spMkLst>
+        </pc:spChg>
+        <pc:spChg chg="add mod">
+          <ac:chgData name="Mathias Walzer" userId="S::walzer@ebi.ac.uk::271a734e-0aa6-4201-95cf-9636889fab29" providerId="AD" clId="Web-{06770844-F108-C419-0D9A-6622591E2853}" dt="2020-11-19T11:06:09.918" v="681" actId="20577"/>
+          <ac:spMkLst>
+            <pc:docMk/>
+            <pc:sldMk cId="809616689" sldId="258"/>
+            <ac:spMk id="62" creationId="{0F359D48-3E54-4C66-9902-EA36E28C4BFA}"/>
+          </ac:spMkLst>
+        </pc:spChg>
+        <pc:spChg chg="mod">
+          <ac:chgData name="Mathias Walzer" userId="S::walzer@ebi.ac.uk::271a734e-0aa6-4201-95cf-9636889fab29" providerId="AD" clId="Web-{06770844-F108-C419-0D9A-6622591E2853}" dt="2020-11-19T11:06:23.606" v="684" actId="1076"/>
+          <ac:spMkLst>
+            <pc:docMk/>
+            <pc:sldMk cId="809616689" sldId="258"/>
+            <ac:spMk id="66" creationId="{D8055237-CEFB-4DDE-8D2A-6A97DFD80CC5}"/>
+          </ac:spMkLst>
+        </pc:spChg>
+        <pc:spChg chg="mod">
+          <ac:chgData name="Mathias Walzer" userId="S::walzer@ebi.ac.uk::271a734e-0aa6-4201-95cf-9636889fab29" providerId="AD" clId="Web-{06770844-F108-C419-0D9A-6622591E2853}" dt="2020-11-19T11:06:45.670" v="689" actId="1076"/>
+          <ac:spMkLst>
+            <pc:docMk/>
+            <pc:sldMk cId="809616689" sldId="258"/>
+            <ac:spMk id="67" creationId="{2A636AE6-946E-4CF3-A4E7-EA4047232A4C}"/>
+          </ac:spMkLst>
+        </pc:spChg>
+        <pc:spChg chg="mod">
+          <ac:chgData name="Mathias Walzer" userId="S::walzer@ebi.ac.uk::271a734e-0aa6-4201-95cf-9636889fab29" providerId="AD" clId="Web-{06770844-F108-C419-0D9A-6622591E2853}" dt="2020-11-19T11:03:24.753" v="456" actId="1076"/>
+          <ac:spMkLst>
+            <pc:docMk/>
+            <pc:sldMk cId="809616689" sldId="258"/>
+            <ac:spMk id="68" creationId="{CFCE9F98-EE2C-46BA-B7B9-D5F285CA0423}"/>
+          </ac:spMkLst>
+        </pc:spChg>
+        <pc:spChg chg="mod">
+          <ac:chgData name="Mathias Walzer" userId="S::walzer@ebi.ac.uk::271a734e-0aa6-4201-95cf-9636889fab29" providerId="AD" clId="Web-{06770844-F108-C419-0D9A-6622591E2853}" dt="2020-11-19T10:48:56.830" v="223" actId="1076"/>
+          <ac:spMkLst>
+            <pc:docMk/>
+            <pc:sldMk cId="809616689" sldId="258"/>
+            <ac:spMk id="69" creationId="{738C2E7B-1FA4-4BE6-9445-CFAB296E437D}"/>
+          </ac:spMkLst>
+        </pc:spChg>
+        <pc:spChg chg="mod">
+          <ac:chgData name="Mathias Walzer" userId="S::walzer@ebi.ac.uk::271a734e-0aa6-4201-95cf-9636889fab29" providerId="AD" clId="Web-{06770844-F108-C419-0D9A-6622591E2853}" dt="2020-11-19T11:05:18.212" v="674" actId="1076"/>
+          <ac:spMkLst>
+            <pc:docMk/>
+            <pc:sldMk cId="809616689" sldId="258"/>
+            <ac:spMk id="70" creationId="{8C8B03D8-454D-435B-9E00-8559BC68FE25}"/>
+          </ac:spMkLst>
+        </pc:spChg>
+        <pc:spChg chg="mod">
+          <ac:chgData name="Mathias Walzer" userId="S::walzer@ebi.ac.uk::271a734e-0aa6-4201-95cf-9636889fab29" providerId="AD" clId="Web-{06770844-F108-C419-0D9A-6622591E2853}" dt="2020-11-19T11:05:29.759" v="676" actId="1076"/>
+          <ac:spMkLst>
+            <pc:docMk/>
+            <pc:sldMk cId="809616689" sldId="258"/>
+            <ac:spMk id="71" creationId="{B38EE7FE-456A-43D3-9B05-708576FEAC3B}"/>
+          </ac:spMkLst>
+        </pc:spChg>
+        <pc:spChg chg="mod">
+          <ac:chgData name="Mathias Walzer" userId="S::walzer@ebi.ac.uk::271a734e-0aa6-4201-95cf-9636889fab29" providerId="AD" clId="Web-{06770844-F108-C419-0D9A-6622591E2853}" dt="2020-11-19T10:48:22.594" v="187" actId="1076"/>
+          <ac:spMkLst>
+            <pc:docMk/>
+            <pc:sldMk cId="809616689" sldId="258"/>
+            <ac:spMk id="72" creationId="{4DE47EE1-50D8-4EB3-8EE3-78670A26E41C}"/>
+          </ac:spMkLst>
+        </pc:spChg>
+        <pc:spChg chg="mod">
+          <ac:chgData name="Mathias Walzer" userId="S::walzer@ebi.ac.uk::271a734e-0aa6-4201-95cf-9636889fab29" providerId="AD" clId="Web-{06770844-F108-C419-0D9A-6622591E2853}" dt="2020-11-19T10:48:57.174" v="229" actId="1076"/>
+          <ac:spMkLst>
+            <pc:docMk/>
+            <pc:sldMk cId="809616689" sldId="258"/>
+            <ac:spMk id="73" creationId="{0DD4A654-C5EB-4A31-BDDB-E441165FBC54}"/>
+          </ac:spMkLst>
+        </pc:spChg>
+        <pc:spChg chg="mod">
+          <ac:chgData name="Mathias Walzer" userId="S::walzer@ebi.ac.uk::271a734e-0aa6-4201-95cf-9636889fab29" providerId="AD" clId="Web-{06770844-F108-C419-0D9A-6622591E2853}" dt="2020-11-19T11:04:17.599" v="479" actId="1076"/>
+          <ac:spMkLst>
+            <pc:docMk/>
+            <pc:sldMk cId="809616689" sldId="258"/>
+            <ac:spMk id="74" creationId="{2F43ECB7-D1D6-461A-B782-0B320C4EAB0A}"/>
+          </ac:spMkLst>
+        </pc:spChg>
+        <pc:spChg chg="mod">
+          <ac:chgData name="Mathias Walzer" userId="S::walzer@ebi.ac.uk::271a734e-0aa6-4201-95cf-9636889fab29" providerId="AD" clId="Web-{06770844-F108-C419-0D9A-6622591E2853}" dt="2020-11-19T11:05:00.102" v="651" actId="1076"/>
+          <ac:spMkLst>
+            <pc:docMk/>
+            <pc:sldMk cId="809616689" sldId="258"/>
+            <ac:spMk id="75" creationId="{2E87A2BE-3F18-4961-B9E4-167BFAB70D12}"/>
+          </ac:spMkLst>
+        </pc:spChg>
+        <pc:spChg chg="mod">
+          <ac:chgData name="Mathias Walzer" userId="S::walzer@ebi.ac.uk::271a734e-0aa6-4201-95cf-9636889fab29" providerId="AD" clId="Web-{06770844-F108-C419-0D9A-6622591E2853}" dt="2020-11-19T11:05:00.148" v="652" actId="1076"/>
+          <ac:spMkLst>
+            <pc:docMk/>
+            <pc:sldMk cId="809616689" sldId="258"/>
+            <ac:spMk id="77" creationId="{4ECC9CCF-0EE7-42F8-ABAC-F9B0BEB13CDB}"/>
+          </ac:spMkLst>
+        </pc:spChg>
+        <pc:spChg chg="mod">
+          <ac:chgData name="Mathias Walzer" userId="S::walzer@ebi.ac.uk::271a734e-0aa6-4201-95cf-9636889fab29" providerId="AD" clId="Web-{06770844-F108-C419-0D9A-6622591E2853}" dt="2020-11-19T11:05:00.195" v="653" actId="1076"/>
+          <ac:spMkLst>
+            <pc:docMk/>
+            <pc:sldMk cId="809616689" sldId="258"/>
+            <ac:spMk id="78" creationId="{65BF20B2-8125-4C70-80DC-EAFBC0B86702}"/>
+          </ac:spMkLst>
+        </pc:spChg>
+        <pc:spChg chg="mod">
+          <ac:chgData name="Mathias Walzer" userId="S::walzer@ebi.ac.uk::271a734e-0aa6-4201-95cf-9636889fab29" providerId="AD" clId="Web-{06770844-F108-C419-0D9A-6622591E2853}" dt="2020-11-19T11:05:00.227" v="654" actId="1076"/>
+          <ac:spMkLst>
+            <pc:docMk/>
+            <pc:sldMk cId="809616689" sldId="258"/>
+            <ac:spMk id="79" creationId="{A2498FB7-FC62-4175-BD57-8B91B6353844}"/>
+          </ac:spMkLst>
+        </pc:spChg>
+        <pc:spChg chg="mod">
+          <ac:chgData name="Mathias Walzer" userId="S::walzer@ebi.ac.uk::271a734e-0aa6-4201-95cf-9636889fab29" providerId="AD" clId="Web-{06770844-F108-C419-0D9A-6622591E2853}" dt="2020-11-19T11:05:00.258" v="655" actId="1076"/>
+          <ac:spMkLst>
+            <pc:docMk/>
+            <pc:sldMk cId="809616689" sldId="258"/>
+            <ac:spMk id="80" creationId="{81F98041-BF6F-4FD0-896E-6A19A9B76831}"/>
+          </ac:spMkLst>
+        </pc:spChg>
+        <pc:spChg chg="add mod">
+          <ac:chgData name="Mathias Walzer" userId="S::walzer@ebi.ac.uk::271a734e-0aa6-4201-95cf-9636889fab29" providerId="AD" clId="Web-{06770844-F108-C419-0D9A-6622591E2853}" dt="2020-11-19T11:05:00.352" v="657" actId="1076"/>
+          <ac:spMkLst>
+            <pc:docMk/>
+            <pc:sldMk cId="809616689" sldId="258"/>
+            <ac:spMk id="81" creationId="{8659C1E4-E3DA-406E-A0B0-92AEC543E70A}"/>
+          </ac:spMkLst>
+        </pc:spChg>
+        <pc:spChg chg="add mod">
+          <ac:chgData name="Mathias Walzer" userId="S::walzer@ebi.ac.uk::271a734e-0aa6-4201-95cf-9636889fab29" providerId="AD" clId="Web-{06770844-F108-C419-0D9A-6622591E2853}" dt="2020-11-19T11:05:00.383" v="658" actId="1076"/>
+          <ac:spMkLst>
+            <pc:docMk/>
+            <pc:sldMk cId="809616689" sldId="258"/>
+            <ac:spMk id="82" creationId="{527FA320-D9D8-4A1B-9A62-139497CBBF05}"/>
+          </ac:spMkLst>
+        </pc:spChg>
+        <pc:spChg chg="add mod">
+          <ac:chgData name="Mathias Walzer" userId="S::walzer@ebi.ac.uk::271a734e-0aa6-4201-95cf-9636889fab29" providerId="AD" clId="Web-{06770844-F108-C419-0D9A-6622591E2853}" dt="2020-11-19T11:05:00.430" v="659" actId="1076"/>
+          <ac:spMkLst>
+            <pc:docMk/>
+            <pc:sldMk cId="809616689" sldId="258"/>
+            <ac:spMk id="83" creationId="{61FF7965-C95D-4F1F-8054-F8D1DBD5C995}"/>
+          </ac:spMkLst>
+        </pc:spChg>
+        <pc:spChg chg="add mod">
+          <ac:chgData name="Mathias Walzer" userId="S::walzer@ebi.ac.uk::271a734e-0aa6-4201-95cf-9636889fab29" providerId="AD" clId="Web-{06770844-F108-C419-0D9A-6622591E2853}" dt="2020-11-19T11:05:00.477" v="660" actId="1076"/>
+          <ac:spMkLst>
+            <pc:docMk/>
+            <pc:sldMk cId="809616689" sldId="258"/>
+            <ac:spMk id="84" creationId="{85BAD851-F2ED-4B45-8CC9-4AF60FE8444F}"/>
+          </ac:spMkLst>
+        </pc:spChg>
+        <pc:spChg chg="add mod">
+          <ac:chgData name="Mathias Walzer" userId="S::walzer@ebi.ac.uk::271a734e-0aa6-4201-95cf-9636889fab29" providerId="AD" clId="Web-{06770844-F108-C419-0D9A-6622591E2853}" dt="2020-11-19T11:05:00.508" v="661" actId="1076"/>
+          <ac:spMkLst>
+            <pc:docMk/>
+            <pc:sldMk cId="809616689" sldId="258"/>
+            <ac:spMk id="85" creationId="{BD29245E-1F0A-44D4-8F85-E59FAF12C12A}"/>
+          </ac:spMkLst>
+        </pc:spChg>
+        <pc:spChg chg="add mod">
+          <ac:chgData name="Mathias Walzer" userId="S::walzer@ebi.ac.uk::271a734e-0aa6-4201-95cf-9636889fab29" providerId="AD" clId="Web-{06770844-F108-C419-0D9A-6622591E2853}" dt="2020-11-19T11:05:00.555" v="662" actId="1076"/>
+          <ac:spMkLst>
+            <pc:docMk/>
+            <pc:sldMk cId="809616689" sldId="258"/>
+            <ac:spMk id="86" creationId="{50ABF8EB-4C07-4204-9535-9FBBA9B3F6AD}"/>
+          </ac:spMkLst>
+        </pc:spChg>
+        <pc:spChg chg="add mod">
+          <ac:chgData name="Mathias Walzer" userId="S::walzer@ebi.ac.uk::271a734e-0aa6-4201-95cf-9636889fab29" providerId="AD" clId="Web-{06770844-F108-C419-0D9A-6622591E2853}" dt="2020-11-19T11:05:00.586" v="663" actId="1076"/>
+          <ac:spMkLst>
+            <pc:docMk/>
+            <pc:sldMk cId="809616689" sldId="258"/>
+            <ac:spMk id="87" creationId="{AC65B803-364A-458D-A0A3-317B32DB339D}"/>
+          </ac:spMkLst>
+        </pc:spChg>
+        <pc:spChg chg="add mod">
+          <ac:chgData name="Mathias Walzer" userId="S::walzer@ebi.ac.uk::271a734e-0aa6-4201-95cf-9636889fab29" providerId="AD" clId="Web-{06770844-F108-C419-0D9A-6622591E2853}" dt="2020-11-19T11:05:00.633" v="664" actId="1076"/>
+          <ac:spMkLst>
+            <pc:docMk/>
+            <pc:sldMk cId="809616689" sldId="258"/>
+            <ac:spMk id="88" creationId="{839B7316-F4B1-45E9-8108-E17A9BF8E3BA}"/>
+          </ac:spMkLst>
+        </pc:spChg>
+        <pc:spChg chg="add mod">
+          <ac:chgData name="Mathias Walzer" userId="S::walzer@ebi.ac.uk::271a734e-0aa6-4201-95cf-9636889fab29" providerId="AD" clId="Web-{06770844-F108-C419-0D9A-6622591E2853}" dt="2020-11-19T11:05:00.680" v="665" actId="1076"/>
+          <ac:spMkLst>
+            <pc:docMk/>
+            <pc:sldMk cId="809616689" sldId="258"/>
+            <ac:spMk id="89" creationId="{175EF780-D38A-45EB-B7FF-C32C04426822}"/>
+          </ac:spMkLst>
+        </pc:spChg>
+        <pc:spChg chg="add mod">
+          <ac:chgData name="Mathias Walzer" userId="S::walzer@ebi.ac.uk::271a734e-0aa6-4201-95cf-9636889fab29" providerId="AD" clId="Web-{06770844-F108-C419-0D9A-6622591E2853}" dt="2020-11-19T11:05:00.727" v="666" actId="1076"/>
+          <ac:spMkLst>
+            <pc:docMk/>
+            <pc:sldMk cId="809616689" sldId="258"/>
+            <ac:spMk id="90" creationId="{3FF7F186-99C0-41F2-8CB2-7F90371796D9}"/>
+          </ac:spMkLst>
+        </pc:spChg>
+        <pc:spChg chg="add mod">
+          <ac:chgData name="Mathias Walzer" userId="S::walzer@ebi.ac.uk::271a734e-0aa6-4201-95cf-9636889fab29" providerId="AD" clId="Web-{06770844-F108-C419-0D9A-6622591E2853}" dt="2020-11-19T11:05:00.758" v="667" actId="1076"/>
+          <ac:spMkLst>
+            <pc:docMk/>
+            <pc:sldMk cId="809616689" sldId="258"/>
+            <ac:spMk id="91" creationId="{C371CFEC-A54C-4E10-BED2-7A7D86E0E0F8}"/>
+          </ac:spMkLst>
+        </pc:spChg>
+        <pc:spChg chg="add mod">
+          <ac:chgData name="Mathias Walzer" userId="S::walzer@ebi.ac.uk::271a734e-0aa6-4201-95cf-9636889fab29" providerId="AD" clId="Web-{06770844-F108-C419-0D9A-6622591E2853}" dt="2020-11-19T11:05:00.789" v="668" actId="1076"/>
+          <ac:spMkLst>
+            <pc:docMk/>
+            <pc:sldMk cId="809616689" sldId="258"/>
+            <ac:spMk id="92" creationId="{C853033E-66A7-438F-9E30-14341689353E}"/>
+          </ac:spMkLst>
+        </pc:spChg>
+        <pc:spChg chg="add mod">
+          <ac:chgData name="Mathias Walzer" userId="S::walzer@ebi.ac.uk::271a734e-0aa6-4201-95cf-9636889fab29" providerId="AD" clId="Web-{06770844-F108-C419-0D9A-6622591E2853}" dt="2020-11-19T11:05:00.836" v="669" actId="1076"/>
+          <ac:spMkLst>
+            <pc:docMk/>
+            <pc:sldMk cId="809616689" sldId="258"/>
+            <ac:spMk id="93" creationId="{086B3BB8-3F8F-491A-91C7-B09D4C9F6257}"/>
+          </ac:spMkLst>
+        </pc:spChg>
+        <pc:spChg chg="add mod">
+          <ac:chgData name="Mathias Walzer" userId="S::walzer@ebi.ac.uk::271a734e-0aa6-4201-95cf-9636889fab29" providerId="AD" clId="Web-{06770844-F108-C419-0D9A-6622591E2853}" dt="2020-11-19T11:05:00.867" v="670" actId="1076"/>
+          <ac:spMkLst>
+            <pc:docMk/>
+            <pc:sldMk cId="809616689" sldId="258"/>
+            <ac:spMk id="94" creationId="{035A33A7-A46E-4D49-8436-287275C6D29C}"/>
+          </ac:spMkLst>
+        </pc:spChg>
+        <pc:cxnChg chg="mod">
+          <ac:chgData name="Mathias Walzer" userId="S::walzer@ebi.ac.uk::271a734e-0aa6-4201-95cf-9636889fab29" providerId="AD" clId="Web-{06770844-F108-C419-0D9A-6622591E2853}" dt="2020-11-19T11:10:55.855" v="716" actId="14100"/>
+          <ac:cxnSpMkLst>
+            <pc:docMk/>
+            <pc:sldMk cId="809616689" sldId="258"/>
+            <ac:cxnSpMk id="16" creationId="{5EC4A287-DCA3-4DD1-9AA4-00A8CD68E295}"/>
+          </ac:cxnSpMkLst>
+        </pc:cxnChg>
+        <pc:cxnChg chg="mod">
+          <ac:chgData name="Mathias Walzer" userId="S::walzer@ebi.ac.uk::271a734e-0aa6-4201-95cf-9636889fab29" providerId="AD" clId="Web-{06770844-F108-C419-0D9A-6622591E2853}" dt="2020-11-19T11:08:09.831" v="694" actId="14100"/>
+          <ac:cxnSpMkLst>
+            <pc:docMk/>
+            <pc:sldMk cId="809616689" sldId="258"/>
+            <ac:cxnSpMk id="65" creationId="{77587161-3ABD-4D10-A143-32E5B4B99BF7}"/>
+          </ac:cxnSpMkLst>
+        </pc:cxnChg>
+        <pc:cxnChg chg="add del mod">
+          <ac:chgData name="Mathias Walzer" userId="S::walzer@ebi.ac.uk::271a734e-0aa6-4201-95cf-9636889fab29" providerId="AD" clId="Web-{06770844-F108-C419-0D9A-6622591E2853}" dt="2020-11-19T11:09:17.319" v="706"/>
+          <ac:cxnSpMkLst>
+            <pc:docMk/>
+            <pc:sldMk cId="809616689" sldId="258"/>
+            <ac:cxnSpMk id="95" creationId="{69CD32F3-DAD5-4857-A06D-2A9F665F1C66}"/>
+          </ac:cxnSpMkLst>
+        </pc:cxnChg>
+        <pc:cxnChg chg="add mod">
+          <ac:chgData name="Mathias Walzer" userId="S::walzer@ebi.ac.uk::271a734e-0aa6-4201-95cf-9636889fab29" providerId="AD" clId="Web-{06770844-F108-C419-0D9A-6622591E2853}" dt="2020-11-19T11:10:21.916" v="715" actId="14100"/>
+          <ac:cxnSpMkLst>
+            <pc:docMk/>
+            <pc:sldMk cId="809616689" sldId="258"/>
+            <ac:cxnSpMk id="96" creationId="{08BE976A-2D9E-4E6F-8E70-3E024B827DF7}"/>
+          </ac:cxnSpMkLst>
+        </pc:cxnChg>
+        <pc:cxnChg chg="add mod">
+          <ac:chgData name="Mathias Walzer" userId="S::walzer@ebi.ac.uk::271a734e-0aa6-4201-95cf-9636889fab29" providerId="AD" clId="Web-{06770844-F108-C419-0D9A-6622591E2853}" dt="2020-11-19T11:12:55.612" v="724" actId="1076"/>
+          <ac:cxnSpMkLst>
+            <pc:docMk/>
+            <pc:sldMk cId="809616689" sldId="258"/>
+            <ac:cxnSpMk id="97" creationId="{B222D69D-9707-49BB-B8AD-B511826CEE0B}"/>
+          </ac:cxnSpMkLst>
+        </pc:cxnChg>
+      </pc:sldChg>
+    </pc:docChg>
+  </pc:docChgLst>
+  <pc:docChgLst>
+    <pc:chgData name="Mathias Walzer" userId="S::walzer@ebi.ac.uk::271a734e-0aa6-4201-95cf-9636889fab29" providerId="AD" clId="Web-{0D75E577-26EB-7FB3-21B1-E54EA2AFBDD7}"/>
+    <pc:docChg chg="modSld">
+      <pc:chgData name="Mathias Walzer" userId="S::walzer@ebi.ac.uk::271a734e-0aa6-4201-95cf-9636889fab29" providerId="AD" clId="Web-{0D75E577-26EB-7FB3-21B1-E54EA2AFBDD7}" dt="2020-07-27T10:30:49.208" v="40" actId="20577"/>
+      <pc:docMkLst>
+        <pc:docMk/>
+      </pc:docMkLst>
+      <pc:sldChg chg="modSp">
+        <pc:chgData name="Mathias Walzer" userId="S::walzer@ebi.ac.uk::271a734e-0aa6-4201-95cf-9636889fab29" providerId="AD" clId="Web-{0D75E577-26EB-7FB3-21B1-E54EA2AFBDD7}" dt="2020-07-27T10:21:24.001" v="4" actId="20577"/>
+        <pc:sldMkLst>
+          <pc:docMk/>
+          <pc:sldMk cId="109857222" sldId="256"/>
+        </pc:sldMkLst>
+        <pc:spChg chg="mod">
+          <ac:chgData name="Mathias Walzer" userId="S::walzer@ebi.ac.uk::271a734e-0aa6-4201-95cf-9636889fab29" providerId="AD" clId="Web-{0D75E577-26EB-7FB3-21B1-E54EA2AFBDD7}" dt="2020-07-27T10:21:24.001" v="4" actId="20577"/>
+          <ac:spMkLst>
+            <pc:docMk/>
+            <pc:sldMk cId="109857222" sldId="256"/>
+            <ac:spMk id="8" creationId="{9447CE4C-74A7-4655-8EBB-884A00087673}"/>
+          </ac:spMkLst>
+        </pc:spChg>
+      </pc:sldChg>
+      <pc:sldChg chg="modSp">
+        <pc:chgData name="Mathias Walzer" userId="S::walzer@ebi.ac.uk::271a734e-0aa6-4201-95cf-9636889fab29" providerId="AD" clId="Web-{0D75E577-26EB-7FB3-21B1-E54EA2AFBDD7}" dt="2020-07-27T10:21:42.424" v="8" actId="20577"/>
+        <pc:sldMkLst>
+          <pc:docMk/>
+          <pc:sldMk cId="367087163" sldId="257"/>
+        </pc:sldMkLst>
+        <pc:spChg chg="mod">
+          <ac:chgData name="Mathias Walzer" userId="S::walzer@ebi.ac.uk::271a734e-0aa6-4201-95cf-9636889fab29" providerId="AD" clId="Web-{0D75E577-26EB-7FB3-21B1-E54EA2AFBDD7}" dt="2020-07-27T10:21:42.424" v="8" actId="20577"/>
+          <ac:spMkLst>
+            <pc:docMk/>
+            <pc:sldMk cId="367087163" sldId="257"/>
+            <ac:spMk id="8" creationId="{9447CE4C-74A7-4655-8EBB-884A00087673}"/>
+          </ac:spMkLst>
+        </pc:spChg>
+      </pc:sldChg>
+      <pc:sldChg chg="modSp">
+        <pc:chgData name="Mathias Walzer" userId="S::walzer@ebi.ac.uk::271a734e-0aa6-4201-95cf-9636889fab29" providerId="AD" clId="Web-{0D75E577-26EB-7FB3-21B1-E54EA2AFBDD7}" dt="2020-07-27T10:30:49.208" v="39" actId="20577"/>
+        <pc:sldMkLst>
+          <pc:docMk/>
+          <pc:sldMk cId="809616689" sldId="258"/>
+        </pc:sldMkLst>
+        <pc:spChg chg="mod">
+          <ac:chgData name="Mathias Walzer" userId="S::walzer@ebi.ac.uk::271a734e-0aa6-4201-95cf-9636889fab29" providerId="AD" clId="Web-{0D75E577-26EB-7FB3-21B1-E54EA2AFBDD7}" dt="2020-07-27T10:22:15.520" v="15" actId="20577"/>
+          <ac:spMkLst>
+            <pc:docMk/>
+            <pc:sldMk cId="809616689" sldId="258"/>
+            <ac:spMk id="8" creationId="{9447CE4C-74A7-4655-8EBB-884A00087673}"/>
+          </ac:spMkLst>
+        </pc:spChg>
+        <pc:spChg chg="mod">
+          <ac:chgData name="Mathias Walzer" userId="S::walzer@ebi.ac.uk::271a734e-0aa6-4201-95cf-9636889fab29" providerId="AD" clId="Web-{0D75E577-26EB-7FB3-21B1-E54EA2AFBDD7}" dt="2020-07-27T10:26:50.443" v="34" actId="20577"/>
+          <ac:spMkLst>
+            <pc:docMk/>
+            <pc:sldMk cId="809616689" sldId="258"/>
+            <ac:spMk id="12" creationId="{F2C65B9F-31C5-4748-83A3-A6CED9F61F0A}"/>
+          </ac:spMkLst>
+        </pc:spChg>
+        <pc:spChg chg="mod">
+          <ac:chgData name="Mathias Walzer" userId="S::walzer@ebi.ac.uk::271a734e-0aa6-4201-95cf-9636889fab29" providerId="AD" clId="Web-{0D75E577-26EB-7FB3-21B1-E54EA2AFBDD7}" dt="2020-07-27T10:26:01.549" v="28" actId="20577"/>
+          <ac:spMkLst>
+            <pc:docMk/>
+            <pc:sldMk cId="809616689" sldId="258"/>
+            <ac:spMk id="17" creationId="{8C8CF1FE-7D22-4430-B8F2-628FB51F3763}"/>
+          </ac:spMkLst>
+        </pc:spChg>
+        <pc:spChg chg="mod">
+          <ac:chgData name="Mathias Walzer" userId="S::walzer@ebi.ac.uk::271a734e-0aa6-4201-95cf-9636889fab29" providerId="AD" clId="Web-{0D75E577-26EB-7FB3-21B1-E54EA2AFBDD7}" dt="2020-07-27T10:26:07.206" v="31" actId="20577"/>
+          <ac:spMkLst>
+            <pc:docMk/>
+            <pc:sldMk cId="809616689" sldId="258"/>
+            <ac:spMk id="21" creationId="{72D437A5-064E-43E3-B4E6-A9ABE143BDDB}"/>
+          </ac:spMkLst>
+        </pc:spChg>
+        <pc:spChg chg="mod">
+          <ac:chgData name="Mathias Walzer" userId="S::walzer@ebi.ac.uk::271a734e-0aa6-4201-95cf-9636889fab29" providerId="AD" clId="Web-{0D75E577-26EB-7FB3-21B1-E54EA2AFBDD7}" dt="2020-07-27T10:25:59.190" v="26" actId="20577"/>
+          <ac:spMkLst>
+            <pc:docMk/>
+            <pc:sldMk cId="809616689" sldId="258"/>
+            <ac:spMk id="33" creationId="{C69B1361-0EF8-4E16-B701-DDD08EFC32CD}"/>
+          </ac:spMkLst>
+        </pc:spChg>
+        <pc:spChg chg="mod">
+          <ac:chgData name="Mathias Walzer" userId="S::walzer@ebi.ac.uk::271a734e-0aa6-4201-95cf-9636889fab29" providerId="AD" clId="Web-{0D75E577-26EB-7FB3-21B1-E54EA2AFBDD7}" dt="2020-07-27T10:25:51.267" v="23" actId="20577"/>
+          <ac:spMkLst>
+            <pc:docMk/>
+            <pc:sldMk cId="809616689" sldId="258"/>
+            <ac:spMk id="34" creationId="{013EC78B-725C-4C11-BCCE-5D64BFF34BF7}"/>
+          </ac:spMkLst>
+        </pc:spChg>
+        <pc:spChg chg="mod">
+          <ac:chgData name="Mathias Walzer" userId="S::walzer@ebi.ac.uk::271a734e-0aa6-4201-95cf-9636889fab29" providerId="AD" clId="Web-{0D75E577-26EB-7FB3-21B1-E54EA2AFBDD7}" dt="2020-07-27T10:22:25.755" v="21" actId="20577"/>
+          <ac:spMkLst>
+            <pc:docMk/>
+            <pc:sldMk cId="809616689" sldId="258"/>
+            <ac:spMk id="36" creationId="{1535CEEF-C7B7-4460-9C0B-807FF968DDD2}"/>
+          </ac:spMkLst>
+        </pc:spChg>
+        <pc:spChg chg="mod">
+          <ac:chgData name="Mathias Walzer" userId="S::walzer@ebi.ac.uk::271a734e-0aa6-4201-95cf-9636889fab29" providerId="AD" clId="Web-{0D75E577-26EB-7FB3-21B1-E54EA2AFBDD7}" dt="2020-07-27T10:30:49.208" v="39" actId="20577"/>
+          <ac:spMkLst>
+            <pc:docMk/>
+            <pc:sldMk cId="809616689" sldId="258"/>
+            <ac:spMk id="48" creationId="{0F4D2716-335D-4D18-A294-B04D1CFA0407}"/>
+          </ac:spMkLst>
+        </pc:spChg>
+      </pc:sldChg>
+    </pc:docChg>
+  </pc:docChgLst>
+  <pc:docChgLst>
+    <pc:chgData name="Mathias Walzer" userId="S::walzer@ebi.ac.uk::271a734e-0aa6-4201-95cf-9636889fab29" providerId="AD" clId="Web-{BC049B62-8E60-4081-B28C-C23E2273B253}"/>
+    <pc:docChg chg="addSld delSld modSld">
+      <pc:chgData name="Mathias Walzer" userId="S::walzer@ebi.ac.uk::271a734e-0aa6-4201-95cf-9636889fab29" providerId="AD" clId="Web-{BC049B62-8E60-4081-B28C-C23E2273B253}" dt="2019-11-14T17:55:54.059" v="1824" actId="20577"/>
+      <pc:docMkLst>
+        <pc:docMk/>
+      </pc:docMkLst>
+      <pc:sldChg chg="addSp delSp modSp">
+        <pc:chgData name="Mathias Walzer" userId="S::walzer@ebi.ac.uk::271a734e-0aa6-4201-95cf-9636889fab29" providerId="AD" clId="Web-{BC049B62-8E60-4081-B28C-C23E2273B253}" dt="2019-11-14T17:37:26.836" v="1304" actId="1076"/>
+        <pc:sldMkLst>
+          <pc:docMk/>
+          <pc:sldMk cId="109857222" sldId="256"/>
+        </pc:sldMkLst>
+        <pc:spChg chg="del">
+          <ac:chgData name="Mathias Walzer" userId="S::walzer@ebi.ac.uk::271a734e-0aa6-4201-95cf-9636889fab29" providerId="AD" clId="Web-{BC049B62-8E60-4081-B28C-C23E2273B253}" dt="2019-11-14T14:50:13.426" v="0"/>
+          <ac:spMkLst>
+            <pc:docMk/>
+            <pc:sldMk cId="109857222" sldId="256"/>
+            <ac:spMk id="2" creationId="{00000000-0000-0000-0000-000000000000}"/>
+          </ac:spMkLst>
+        </pc:spChg>
+        <pc:spChg chg="add mod">
+          <ac:chgData name="Mathias Walzer" userId="S::walzer@ebi.ac.uk::271a734e-0aa6-4201-95cf-9636889fab29" providerId="AD" clId="Web-{BC049B62-8E60-4081-B28C-C23E2273B253}" dt="2019-11-14T17:27:42.740" v="1181" actId="20577"/>
+          <ac:spMkLst>
+            <pc:docMk/>
+            <pc:sldMk cId="109857222" sldId="256"/>
+            <ac:spMk id="2" creationId="{F7F1BAD5-1851-445D-A5C5-C9A83ED3F521}"/>
+          </ac:spMkLst>
+        </pc:spChg>
+        <pc:spChg chg="del">
+          <ac:chgData name="Mathias Walzer" userId="S::walzer@ebi.ac.uk::271a734e-0aa6-4201-95cf-9636889fab29" providerId="AD" clId="Web-{BC049B62-8E60-4081-B28C-C23E2273B253}" dt="2019-11-14T14:50:15.113" v="1"/>
+          <ac:spMkLst>
+            <pc:docMk/>
+            <pc:sldMk cId="109857222" sldId="256"/>
+            <ac:spMk id="3" creationId="{00000000-0000-0000-0000-000000000000}"/>
+          </ac:spMkLst>
+        </pc:spChg>
+        <pc:spChg chg="add del mod">
+          <ac:chgData name="Mathias Walzer" userId="S::walzer@ebi.ac.uk::271a734e-0aa6-4201-95cf-9636889fab29" providerId="AD" clId="Web-{BC049B62-8E60-4081-B28C-C23E2273B253}" dt="2019-11-14T17:21:31.549" v="1161" actId="20577"/>
+          <ac:spMkLst>
+            <pc:docMk/>
+            <pc:sldMk cId="109857222" sldId="256"/>
+            <ac:spMk id="4" creationId="{E248BA11-2551-4FAD-BBF6-F73C6CC93EC4}"/>
+          </ac:spMkLst>
+        </pc:spChg>
+        <pc:spChg chg="add del mod">
+          <ac:chgData name="Mathias Walzer" userId="S::walzer@ebi.ac.uk::271a734e-0aa6-4201-95cf-9636889fab29" providerId="AD" clId="Web-{BC049B62-8E60-4081-B28C-C23E2273B253}" dt="2019-11-14T14:54:03.380" v="65"/>
+          <ac:spMkLst>
+            <pc:docMk/>
+            <pc:sldMk cId="109857222" sldId="256"/>
+            <ac:spMk id="5" creationId="{D711AC84-341F-4A99-BF5E-37C705B2E8C9}"/>
+          </ac:spMkLst>
+        </pc:spChg>
+        <pc:spChg chg="add mod">
+          <ac:chgData name="Mathias Walzer" userId="S::walzer@ebi.ac.uk::271a734e-0aa6-4201-95cf-9636889fab29" providerId="AD" clId="Web-{BC049B62-8E60-4081-B28C-C23E2273B253}" dt="2019-11-14T17:18:11.049" v="1149"/>
+          <ac:spMkLst>
+            <pc:docMk/>
+            <pc:sldMk cId="109857222" sldId="256"/>
+            <ac:spMk id="6" creationId="{3698CF63-DBE6-429C-8F7C-2B81EC02B530}"/>
+          </ac:spMkLst>
+        </pc:spChg>
+        <pc:spChg chg="add mod">
+          <ac:chgData name="Mathias Walzer" userId="S::walzer@ebi.ac.uk::271a734e-0aa6-4201-95cf-9636889fab29" providerId="AD" clId="Web-{BC049B62-8E60-4081-B28C-C23E2273B253}" dt="2019-11-14T17:17:08.876" v="1147"/>
+          <ac:spMkLst>
+            <pc:docMk/>
+            <pc:sldMk cId="109857222" sldId="256"/>
+            <ac:spMk id="7" creationId="{C6A84815-9CC2-4B81-9AF0-50FC523EDD7B}"/>
+          </ac:spMkLst>
+        </pc:spChg>
+        <pc:spChg chg="add mod">
+          <ac:chgData name="Mathias Walzer" userId="S::walzer@ebi.ac.uk::271a734e-0aa6-4201-95cf-9636889fab29" providerId="AD" clId="Web-{BC049B62-8E60-4081-B28C-C23E2273B253}" dt="2019-11-14T16:00:55.348" v="871" actId="1076"/>
+          <ac:spMkLst>
+            <pc:docMk/>
+            <pc:sldMk cId="109857222" sldId="256"/>
+            <ac:spMk id="8" creationId="{9447CE4C-74A7-4655-8EBB-884A00087673}"/>
+          </ac:spMkLst>
+        </pc:spChg>
+        <pc:spChg chg="add del mod">
+          <ac:chgData name="Mathias Walzer" userId="S::walzer@ebi.ac.uk::271a734e-0aa6-4201-95cf-9636889fab29" providerId="AD" clId="Web-{BC049B62-8E60-4081-B28C-C23E2273B253}" dt="2019-11-14T15:04:52.085" v="187"/>
+          <ac:spMkLst>
+            <pc:docMk/>
+            <pc:sldMk cId="109857222" sldId="256"/>
+            <ac:spMk id="9" creationId="{A1F3937A-9B10-4E5D-BF9B-4652179E53C2}"/>
+          </ac:spMkLst>
+        </pc:spChg>
+        <pc:spChg chg="add mod">
+          <ac:chgData name="Mathias Walzer" userId="S::walzer@ebi.ac.uk::271a734e-0aa6-4201-95cf-9636889fab29" providerId="AD" clId="Web-{BC049B62-8E60-4081-B28C-C23E2273B253}" dt="2019-11-14T17:19:47.424" v="1153" actId="20577"/>
+          <ac:spMkLst>
+            <pc:docMk/>
+            <pc:sldMk cId="109857222" sldId="256"/>
+            <ac:spMk id="10" creationId="{18BA082D-AE68-421C-845F-AC9B4FA90AC9}"/>
+          </ac:spMkLst>
+        </pc:spChg>
+        <pc:spChg chg="add del mod">
+          <ac:chgData name="Mathias Walzer" userId="S::walzer@ebi.ac.uk::271a734e-0aa6-4201-95cf-9636889fab29" providerId="AD" clId="Web-{BC049B62-8E60-4081-B28C-C23E2273B253}" dt="2019-11-14T15:04:52.069" v="186"/>
+          <ac:spMkLst>
+            <pc:docMk/>
+            <pc:sldMk cId="109857222" sldId="256"/>
+            <ac:spMk id="11" creationId="{852FDF0C-55DE-4B3F-B66B-600728784A56}"/>
+          </ac:spMkLst>
+        </pc:spChg>
+        <pc:spChg chg="add mod">
+          <ac:chgData name="Mathias Walzer" userId="S::walzer@ebi.ac.uk::271a734e-0aa6-4201-95cf-9636889fab29" providerId="AD" clId="Web-{BC049B62-8E60-4081-B28C-C23E2273B253}" dt="2019-11-14T17:19:59.893" v="1157" actId="1076"/>
+          <ac:spMkLst>
+            <pc:docMk/>
+            <pc:sldMk cId="109857222" sldId="256"/>
+            <ac:spMk id="12" creationId="{F2C65B9F-31C5-4748-83A3-A6CED9F61F0A}"/>
+          </ac:spMkLst>
+        </pc:spChg>
+        <pc:spChg chg="add mod">
+          <ac:chgData name="Mathias Walzer" userId="S::walzer@ebi.ac.uk::271a734e-0aa6-4201-95cf-9636889fab29" providerId="AD" clId="Web-{BC049B62-8E60-4081-B28C-C23E2273B253}" dt="2019-11-14T17:18:11.142" v="1151"/>
+          <ac:spMkLst>
+            <pc:docMk/>
+            <pc:sldMk cId="109857222" sldId="256"/>
+            <ac:spMk id="13" creationId="{AE4A74BB-EF4B-49F5-A0D0-BEE30FDAE2CA}"/>
+          </ac:spMkLst>
+        </pc:spChg>
+        <pc:spChg chg="add mod">
+          <ac:chgData name="Mathias Walzer" userId="S::walzer@ebi.ac.uk::271a734e-0aa6-4201-95cf-9636889fab29" providerId="AD" clId="Web-{BC049B62-8E60-4081-B28C-C23E2273B253}" dt="2019-11-14T16:00:55.426" v="873" actId="1076"/>
+          <ac:spMkLst>
+            <pc:docMk/>
+            <pc:sldMk cId="109857222" sldId="256"/>
+            <ac:spMk id="14" creationId="{266BED32-A185-4714-966D-40C9061225A0}"/>
+          </ac:spMkLst>
+        </pc:spChg>
+        <pc:spChg chg="add del mod">
+          <ac:chgData name="Mathias Walzer" userId="S::walzer@ebi.ac.uk::271a734e-0aa6-4201-95cf-9636889fab29" providerId="AD" clId="Web-{BC049B62-8E60-4081-B28C-C23E2273B253}" dt="2019-11-14T15:17:27.603" v="366"/>
+          <ac:spMkLst>
+            <pc:docMk/>
+            <pc:sldMk cId="109857222" sldId="256"/>
+            <ac:spMk id="15" creationId="{991E5BC3-7CA0-4839-A2ED-9F5909641DAF}"/>
+          </ac:spMkLst>
+        </pc:spChg>
+        <pc:spChg chg="add del mod">
+          <ac:chgData name="Mathias Walzer" userId="S::walzer@ebi.ac.uk::271a734e-0aa6-4201-95cf-9636889fab29" providerId="AD" clId="Web-{BC049B62-8E60-4081-B28C-C23E2273B253}" dt="2019-11-14T15:10:32.805" v="271"/>
+          <ac:spMkLst>
+            <pc:docMk/>
+            <pc:sldMk cId="109857222" sldId="256"/>
+            <ac:spMk id="16" creationId="{AE64F6D6-61E1-42F5-8763-665807046987}"/>
+          </ac:spMkLst>
+        </pc:spChg>
+        <pc:spChg chg="add mod">
+          <ac:chgData name="Mathias Walzer" userId="S::walzer@ebi.ac.uk::271a734e-0aa6-4201-95cf-9636889fab29" providerId="AD" clId="Web-{BC049B62-8E60-4081-B28C-C23E2273B253}" dt="2019-11-14T16:00:55.457" v="874" actId="1076"/>
+          <ac:spMkLst>
+            <pc:docMk/>
+            <pc:sldMk cId="109857222" sldId="256"/>
+            <ac:spMk id="17" creationId="{8C8CF1FE-7D22-4430-B8F2-628FB51F3763}"/>
+          </ac:spMkLst>
+        </pc:spChg>
+        <pc:spChg chg="add mod">
+          <ac:chgData name="Mathias Walzer" userId="S::walzer@ebi.ac.uk::271a734e-0aa6-4201-95cf-9636889fab29" providerId="AD" clId="Web-{BC049B62-8E60-4081-B28C-C23E2273B253}" dt="2019-11-14T17:36:51.914" v="1299" actId="14100"/>
+          <ac:spMkLst>
+            <pc:docMk/>
+            <pc:sldMk cId="109857222" sldId="256"/>
+            <ac:spMk id="18" creationId="{A50DFE5A-BC5C-46BC-8723-CEFC296FD8F1}"/>
+          </ac:spMkLst>
+        </pc:spChg>
+        <pc:spChg chg="add del mod">
+          <ac:chgData name="Mathias Walzer" userId="S::walzer@ebi.ac.uk::271a734e-0aa6-4201-95cf-9636889fab29" providerId="AD" clId="Web-{BC049B62-8E60-4081-B28C-C23E2273B253}" dt="2019-11-14T15:18:29.151" v="383"/>
+          <ac:spMkLst>
+            <pc:docMk/>
+            <pc:sldMk cId="109857222" sldId="256"/>
+            <ac:spMk id="19" creationId="{3B63DD7B-C8CD-4C7F-A14E-15B6D6D971A7}"/>
+          </ac:spMkLst>
+        </pc:spChg>
+        <pc:spChg chg="add mod">
+          <ac:chgData name="Mathias Walzer" userId="S::walzer@ebi.ac.uk::271a734e-0aa6-4201-95cf-9636889fab29" providerId="AD" clId="Web-{BC049B62-8E60-4081-B28C-C23E2273B253}" dt="2019-11-14T16:00:55.504" v="876" actId="1076"/>
+          <ac:spMkLst>
+            <pc:docMk/>
+            <pc:sldMk cId="109857222" sldId="256"/>
+            <ac:spMk id="20" creationId="{6BC3BA9A-61C3-4A1B-8562-1DCB916FACA5}"/>
+          </ac:spMkLst>
+        </pc:spChg>
+        <pc:spChg chg="add mod">
+          <ac:chgData name="Mathias Walzer" userId="S::walzer@ebi.ac.uk::271a734e-0aa6-4201-95cf-9636889fab29" providerId="AD" clId="Web-{BC049B62-8E60-4081-B28C-C23E2273B253}" dt="2019-11-14T16:00:55.535" v="877" actId="1076"/>
+          <ac:spMkLst>
+            <pc:docMk/>
+            <pc:sldMk cId="109857222" sldId="256"/>
+            <ac:spMk id="21" creationId="{72D437A5-064E-43E3-B4E6-A9ABE143BDDB}"/>
+          </ac:spMkLst>
+        </pc:spChg>
+        <pc:spChg chg="add del mod">
+          <ac:chgData name="Mathias Walzer" userId="S::walzer@ebi.ac.uk::271a734e-0aa6-4201-95cf-9636889fab29" providerId="AD" clId="Web-{BC049B62-8E60-4081-B28C-C23E2273B253}" dt="2019-11-14T15:24:04.933" v="404"/>
+          <ac:spMkLst>
+            <pc:docMk/>
+            <pc:sldMk cId="109857222" sldId="256"/>
+            <ac:spMk id="22" creationId="{B85BF35E-6800-498D-AA16-27F128515214}"/>
+          </ac:spMkLst>
+        </pc:spChg>
+        <pc:spChg chg="add del">
+          <ac:chgData name="Mathias Walzer" userId="S::walzer@ebi.ac.uk::271a734e-0aa6-4201-95cf-9636889fab29" providerId="AD" clId="Web-{BC049B62-8E60-4081-B28C-C23E2273B253}" dt="2019-11-14T15:30:15.919" v="470"/>
+          <ac:spMkLst>
+            <pc:docMk/>
+            <pc:sldMk cId="109857222" sldId="256"/>
+            <ac:spMk id="23" creationId="{8FA53B6D-7D00-4F21-AB07-C401F349207C}"/>
+          </ac:spMkLst>
+        </pc:spChg>
+        <pc:spChg chg="add del">
+          <ac:chgData name="Mathias Walzer" userId="S::walzer@ebi.ac.uk::271a734e-0aa6-4201-95cf-9636889fab29" providerId="AD" clId="Web-{BC049B62-8E60-4081-B28C-C23E2273B253}" dt="2019-11-14T15:30:15.919" v="469"/>
+          <ac:spMkLst>
+            <pc:docMk/>
+            <pc:sldMk cId="109857222" sldId="256"/>
+            <ac:spMk id="24" creationId="{C13BAE66-75CB-4F44-B43C-09D9CA60AF60}"/>
+          </ac:spMkLst>
+        </pc:spChg>
+        <pc:spChg chg="add del">
+          <ac:chgData name="Mathias Walzer" userId="S::walzer@ebi.ac.uk::271a734e-0aa6-4201-95cf-9636889fab29" providerId="AD" clId="Web-{BC049B62-8E60-4081-B28C-C23E2273B253}" dt="2019-11-14T15:30:15.919" v="468"/>
+          <ac:spMkLst>
+            <pc:docMk/>
+            <pc:sldMk cId="109857222" sldId="256"/>
+            <ac:spMk id="25" creationId="{3042333D-F87C-4F61-876E-319BEA5D00DE}"/>
+          </ac:spMkLst>
+        </pc:spChg>
+        <pc:spChg chg="add del">
+          <ac:chgData name="Mathias Walzer" userId="S::walzer@ebi.ac.uk::271a734e-0aa6-4201-95cf-9636889fab29" providerId="AD" clId="Web-{BC049B62-8E60-4081-B28C-C23E2273B253}" dt="2019-11-14T15:30:15.919" v="467"/>
+          <ac:spMkLst>
+            <pc:docMk/>
+            <pc:sldMk cId="109857222" sldId="256"/>
+            <ac:spMk id="26" creationId="{ECDE3B44-32F7-48B1-8290-5836BC5FD0A7}"/>
+          </ac:spMkLst>
+        </pc:spChg>
+        <pc:spChg chg="add mod">
+          <ac:chgData name="Mathias Walzer" userId="S::walzer@ebi.ac.uk::271a734e-0aa6-4201-95cf-9636889fab29" providerId="AD" clId="Web-{BC049B62-8E60-4081-B28C-C23E2273B253}" dt="2019-11-14T16:01:24.441" v="887" actId="1076"/>
+          <ac:spMkLst>
+            <pc:docMk/>
+            <pc:sldMk cId="109857222" sldId="256"/>
+            <ac:spMk id="27" creationId="{7D1232E8-7500-40C4-A4E4-841210422D72}"/>
+          </ac:spMkLst>
+        </pc:spChg>
+        <pc:spChg chg="add mod">
+          <ac:chgData name="Mathias Walzer" userId="S::walzer@ebi.ac.uk::271a734e-0aa6-4201-95cf-9636889fab29" providerId="AD" clId="Web-{BC049B62-8E60-4081-B28C-C23E2273B253}" dt="2019-11-14T16:01:24.473" v="888" actId="1076"/>
+          <ac:spMkLst>
+            <pc:docMk/>
+            <pc:sldMk cId="109857222" sldId="256"/>
+            <ac:spMk id="28" creationId="{11B2A10D-1D35-4BE4-9CF3-377055E955AC}"/>
+          </ac:spMkLst>
+        </pc:spChg>
+        <pc:spChg chg="add mod">
+          <ac:chgData name="Mathias Walzer" userId="S::walzer@ebi.ac.uk::271a734e-0aa6-4201-95cf-9636889fab29" providerId="AD" clId="Web-{BC049B62-8E60-4081-B28C-C23E2273B253}" dt="2019-11-14T16:01:24.504" v="889" actId="1076"/>
+          <ac:spMkLst>
+            <pc:docMk/>
+            <pc:sldMk cId="109857222" sldId="256"/>
+            <ac:spMk id="29" creationId="{5533A428-6C5C-45E4-B7F3-648CF85C1D52}"/>
+          </ac:spMkLst>
+        </pc:spChg>
+        <pc:spChg chg="add mod">
+          <ac:chgData name="Mathias Walzer" userId="S::walzer@ebi.ac.uk::271a734e-0aa6-4201-95cf-9636889fab29" providerId="AD" clId="Web-{BC049B62-8E60-4081-B28C-C23E2273B253}" dt="2019-11-14T17:37:05.867" v="1301" actId="1076"/>
+          <ac:spMkLst>
+            <pc:docMk/>
+            <pc:sldMk cId="109857222" sldId="256"/>
+            <ac:spMk id="30" creationId="{67BD2ECE-A648-4B24-B9AA-FC8D2F74ACF5}"/>
+          </ac:spMkLst>
+        </pc:spChg>
+        <pc:spChg chg="add mod">
+          <ac:chgData name="Mathias Walzer" userId="S::walzer@ebi.ac.uk::271a734e-0aa6-4201-95cf-9636889fab29" providerId="AD" clId="Web-{BC049B62-8E60-4081-B28C-C23E2273B253}" dt="2019-11-14T17:24:39.567" v="1166"/>
+          <ac:spMkLst>
+            <pc:docMk/>
+            <pc:sldMk cId="109857222" sldId="256"/>
+            <ac:spMk id="31" creationId="{05F1DAF0-5710-49BE-A441-D891822D4720}"/>
+          </ac:spMkLst>
+        </pc:spChg>
+        <pc:spChg chg="add mod">
+          <ac:chgData name="Mathias Walzer" userId="S::walzer@ebi.ac.uk::271a734e-0aa6-4201-95cf-9636889fab29" providerId="AD" clId="Web-{BC049B62-8E60-4081-B28C-C23E2273B253}" dt="2019-11-14T16:03:01.551" v="922" actId="20577"/>
+          <ac:spMkLst>
+            <pc:docMk/>
+            <pc:sldMk cId="109857222" sldId="256"/>
+            <ac:spMk id="32" creationId="{452C6161-FFE6-42EE-BEAC-8CC9C6882259}"/>
+          </ac:spMkLst>
+        </pc:spChg>
+        <pc:spChg chg="add mod">
+          <ac:chgData name="Mathias Walzer" userId="S::walzer@ebi.ac.uk::271a734e-0aa6-4201-95cf-9636889fab29" providerId="AD" clId="Web-{BC049B62-8E60-4081-B28C-C23E2273B253}" dt="2019-11-14T16:00:55.629" v="880" actId="1076"/>
+          <ac:spMkLst>
+            <pc:docMk/>
+            <pc:sldMk cId="109857222" sldId="256"/>
+            <ac:spMk id="33" creationId="{C69B1361-0EF8-4E16-B701-DDD08EFC32CD}"/>
+          </ac:spMkLst>
+        </pc:spChg>
+        <pc:spChg chg="add mod ord">
+          <ac:chgData name="Mathias Walzer" userId="S::walzer@ebi.ac.uk::271a734e-0aa6-4201-95cf-9636889fab29" providerId="AD" clId="Web-{BC049B62-8E60-4081-B28C-C23E2273B253}" dt="2019-11-14T16:01:24.394" v="886" actId="1076"/>
+          <ac:spMkLst>
+            <pc:docMk/>
+            <pc:sldMk cId="109857222" sldId="256"/>
+            <ac:spMk id="34" creationId="{013EC78B-725C-4C11-BCCE-5D64BFF34BF7}"/>
+          </ac:spMkLst>
+        </pc:spChg>
+        <pc:spChg chg="add mod">
+          <ac:chgData name="Mathias Walzer" userId="S::walzer@ebi.ac.uk::271a734e-0aa6-4201-95cf-9636889fab29" providerId="AD" clId="Web-{BC049B62-8E60-4081-B28C-C23E2273B253}" dt="2019-11-14T17:18:11.095" v="1150"/>
+          <ac:spMkLst>
+            <pc:docMk/>
+            <pc:sldMk cId="109857222" sldId="256"/>
+            <ac:spMk id="35" creationId="{B1F5DBC6-F6BD-4CD4-A0D3-76D98F6F655E}"/>
+          </ac:spMkLst>
+        </pc:spChg>
+        <pc:spChg chg="add mod">
+          <ac:chgData name="Mathias Walzer" userId="S::walzer@ebi.ac.uk::271a734e-0aa6-4201-95cf-9636889fab29" providerId="AD" clId="Web-{BC049B62-8E60-4081-B28C-C23E2273B253}" dt="2019-11-14T17:16:02.845" v="1144" actId="1076"/>
+          <ac:spMkLst>
+            <pc:docMk/>
+            <pc:sldMk cId="109857222" sldId="256"/>
+            <ac:spMk id="36" creationId="{1535CEEF-C7B7-4460-9C0B-807FF968DDD2}"/>
+          </ac:spMkLst>
+        </pc:spChg>
+        <pc:spChg chg="add mod">
+          <ac:chgData name="Mathias Walzer" userId="S::walzer@ebi.ac.uk::271a734e-0aa6-4201-95cf-9636889fab29" providerId="AD" clId="Web-{BC049B62-8E60-4081-B28C-C23E2273B253}" dt="2019-11-14T16:07:09.255" v="991" actId="20577"/>
+          <ac:spMkLst>
+            <pc:docMk/>
+            <pc:sldMk cId="109857222" sldId="256"/>
+            <ac:spMk id="37" creationId="{07BEEC32-7E38-4DE0-9E8E-7FBE434FB102}"/>
+          </ac:spMkLst>
+        </pc:spChg>
+        <pc:spChg chg="add mod">
+          <ac:chgData name="Mathias Walzer" userId="S::walzer@ebi.ac.uk::271a734e-0aa6-4201-95cf-9636889fab29" providerId="AD" clId="Web-{BC049B62-8E60-4081-B28C-C23E2273B253}" dt="2019-11-14T16:08:44.271" v="1021" actId="1076"/>
+          <ac:spMkLst>
+            <pc:docMk/>
+            <pc:sldMk cId="109857222" sldId="256"/>
+            <ac:spMk id="38" creationId="{22A5093A-78E5-4A23-8993-7037F4B04533}"/>
+          </ac:spMkLst>
+        </pc:spChg>
+        <pc:spChg chg="add mod">
+          <ac:chgData name="Mathias Walzer" userId="S::walzer@ebi.ac.uk::271a734e-0aa6-4201-95cf-9636889fab29" providerId="AD" clId="Web-{BC049B62-8E60-4081-B28C-C23E2273B253}" dt="2019-11-14T16:09:03.568" v="1029" actId="1076"/>
+          <ac:spMkLst>
+            <pc:docMk/>
+            <pc:sldMk cId="109857222" sldId="256"/>
+            <ac:spMk id="39" creationId="{E947EDBD-9FE5-4660-9BCD-71FBEBC46F0B}"/>
+          </ac:spMkLst>
+        </pc:spChg>
+        <pc:spChg chg="add mod">
+          <ac:chgData name="Mathias Walzer" userId="S::walzer@ebi.ac.uk::271a734e-0aa6-4201-95cf-9636889fab29" providerId="AD" clId="Web-{BC049B62-8E60-4081-B28C-C23E2273B253}" dt="2019-11-14T16:09:01.240" v="1028" actId="1076"/>
+          <ac:spMkLst>
+            <pc:docMk/>
+            <pc:sldMk cId="109857222" sldId="256"/>
+            <ac:spMk id="40" creationId="{740DA697-9B12-4333-8261-0D9005AE310E}"/>
+          </ac:spMkLst>
+        </pc:spChg>
+        <pc:spChg chg="add mod">
+          <ac:chgData name="Mathias Walzer" userId="S::walzer@ebi.ac.uk::271a734e-0aa6-4201-95cf-9636889fab29" providerId="AD" clId="Web-{BC049B62-8E60-4081-B28C-C23E2273B253}" dt="2019-11-14T17:24:02.394" v="1163"/>
+          <ac:spMkLst>
+            <pc:docMk/>
+            <pc:sldMk cId="109857222" sldId="256"/>
+            <ac:spMk id="41" creationId="{0C18B2D2-7428-4B83-A665-2EFA1F56B3A3}"/>
+          </ac:spMkLst>
+        </pc:spChg>
+        <pc:spChg chg="add mod">
+          <ac:chgData name="Mathias Walzer" userId="S::walzer@ebi.ac.uk::271a734e-0aa6-4201-95cf-9636889fab29" providerId="AD" clId="Web-{BC049B62-8E60-4081-B28C-C23E2273B253}" dt="2019-11-14T17:24:02.425" v="1164"/>
+          <ac:spMkLst>
+            <pc:docMk/>
+            <pc:sldMk cId="109857222" sldId="256"/>
+            <ac:spMk id="42" creationId="{B9439AF8-042B-47DE-8012-17D9605ED568}"/>
+          </ac:spMkLst>
+        </pc:spChg>
+        <pc:spChg chg="add mod">
+          <ac:chgData name="Mathias Walzer" userId="S::walzer@ebi.ac.uk::271a734e-0aa6-4201-95cf-9636889fab29" providerId="AD" clId="Web-{BC049B62-8E60-4081-B28C-C23E2273B253}" dt="2019-11-14T17:24:02.456" v="1165"/>
+          <ac:spMkLst>
+            <pc:docMk/>
+            <pc:sldMk cId="109857222" sldId="256"/>
+            <ac:spMk id="43" creationId="{A05B9470-DD69-49C1-B95C-D34B8F134A87}"/>
+          </ac:spMkLst>
+        </pc:spChg>
+        <pc:spChg chg="add del mod">
+          <ac:chgData name="Mathias Walzer" userId="S::walzer@ebi.ac.uk::271a734e-0aa6-4201-95cf-9636889fab29" providerId="AD" clId="Web-{BC049B62-8E60-4081-B28C-C23E2273B253}" dt="2019-11-14T17:12:57.813" v="1066"/>
+          <ac:spMkLst>
+            <pc:docMk/>
+            <pc:sldMk cId="109857222" sldId="256"/>
+            <ac:spMk id="44" creationId="{34834CC4-0320-4FC7-B7ED-240C2AEC6667}"/>
+          </ac:spMkLst>
+        </pc:spChg>
+        <pc:spChg chg="add del mod">
+          <ac:chgData name="Mathias Walzer" userId="S::walzer@ebi.ac.uk::271a734e-0aa6-4201-95cf-9636889fab29" providerId="AD" clId="Web-{BC049B62-8E60-4081-B28C-C23E2273B253}" dt="2019-11-14T17:13:03.625" v="1069"/>
+          <ac:spMkLst>
+            <pc:docMk/>
+            <pc:sldMk cId="109857222" sldId="256"/>
+            <ac:spMk id="45" creationId="{E285571F-484A-419B-B8D8-DBF270E80801}"/>
+          </ac:spMkLst>
+        </pc:spChg>
+        <pc:spChg chg="add del mod">
+          <ac:chgData name="Mathias Walzer" userId="S::walzer@ebi.ac.uk::271a734e-0aa6-4201-95cf-9636889fab29" providerId="AD" clId="Web-{BC049B62-8E60-4081-B28C-C23E2273B253}" dt="2019-11-14T17:13:03.625" v="1068"/>
+          <ac:spMkLst>
+            <pc:docMk/>
+            <pc:sldMk cId="109857222" sldId="256"/>
+            <ac:spMk id="46" creationId="{D10F715D-41B2-4227-9B5E-F49EAC707D1B}"/>
+          </ac:spMkLst>
+        </pc:spChg>
+        <pc:spChg chg="add del mod">
+          <ac:chgData name="Mathias Walzer" userId="S::walzer@ebi.ac.uk::271a734e-0aa6-4201-95cf-9636889fab29" providerId="AD" clId="Web-{BC049B62-8E60-4081-B28C-C23E2273B253}" dt="2019-11-14T17:13:03.625" v="1067"/>
+          <ac:spMkLst>
+            <pc:docMk/>
+            <pc:sldMk cId="109857222" sldId="256"/>
+            <ac:spMk id="47" creationId="{9E1E86AA-2D74-40E5-9F6E-768E3DA460F0}"/>
+          </ac:spMkLst>
+        </pc:spChg>
+        <pc:spChg chg="add del mod">
+          <ac:chgData name="Mathias Walzer" userId="S::walzer@ebi.ac.uk::271a734e-0aa6-4201-95cf-9636889fab29" providerId="AD" clId="Web-{BC049B62-8E60-4081-B28C-C23E2273B253}" dt="2019-11-14T17:34:07.101" v="1276" actId="14100"/>
+          <ac:spMkLst>
+            <pc:docMk/>
+            <pc:sldMk cId="109857222" sldId="256"/>
+            <ac:spMk id="48" creationId="{0F4D2716-335D-4D18-A294-B04D1CFA0407}"/>
+          </ac:spMkLst>
+        </pc:spChg>
+        <pc:spChg chg="add mod">
+          <ac:chgData name="Mathias Walzer" userId="S::walzer@ebi.ac.uk::271a734e-0aa6-4201-95cf-9636889fab29" providerId="AD" clId="Web-{BC049B62-8E60-4081-B28C-C23E2273B253}" dt="2019-11-14T17:34:01.835" v="1270" actId="1076"/>
+          <ac:spMkLst>
+            <pc:docMk/>
+            <pc:sldMk cId="109857222" sldId="256"/>
+            <ac:spMk id="49" creationId="{79250592-0155-4C42-A0F4-80C37663C1CD}"/>
+          </ac:spMkLst>
+        </pc:spChg>
+        <pc:spChg chg="add mod">
+          <ac:chgData name="Mathias Walzer" userId="S::walzer@ebi.ac.uk::271a734e-0aa6-4201-95cf-9636889fab29" providerId="AD" clId="Web-{BC049B62-8E60-4081-B28C-C23E2273B253}" dt="2019-11-14T17:34:01.882" v="1271" actId="1076"/>
+          <ac:spMkLst>
+            <pc:docMk/>
+            <pc:sldMk cId="109857222" sldId="256"/>
+            <ac:spMk id="50" creationId="{F991ADBC-67BA-48B4-8DFD-8E89895B9F3C}"/>
+          </ac:spMkLst>
+        </pc:spChg>
+        <pc:spChg chg="add mod">
+          <ac:chgData name="Mathias Walzer" userId="S::walzer@ebi.ac.uk::271a734e-0aa6-4201-95cf-9636889fab29" providerId="AD" clId="Web-{BC049B62-8E60-4081-B28C-C23E2273B253}" dt="2019-11-14T17:34:01.929" v="1272" actId="1076"/>
+          <ac:spMkLst>
+            <pc:docMk/>
+            <pc:sldMk cId="109857222" sldId="256"/>
+            <ac:spMk id="51" creationId="{D517A9F1-7799-4EAC-AC33-82B6C5DBDA99}"/>
+          </ac:spMkLst>
+        </pc:spChg>
+        <pc:spChg chg="add mod">
+          <ac:chgData name="Mathias Walzer" userId="S::walzer@ebi.ac.uk::271a734e-0aa6-4201-95cf-9636889fab29" providerId="AD" clId="Web-{BC049B62-8E60-4081-B28C-C23E2273B253}" dt="2019-11-14T17:34:01.975" v="1273" actId="1076"/>
+          <ac:spMkLst>
+            <pc:docMk/>
+            <pc:sldMk cId="109857222" sldId="256"/>
+            <ac:spMk id="52" creationId="{FD8F7BEC-B580-4F11-BE01-1F8E639B8716}"/>
+          </ac:spMkLst>
+        </pc:spChg>
+        <pc:spChg chg="add del">
+          <ac:chgData name="Mathias Walzer" userId="S::walzer@ebi.ac.uk::271a734e-0aa6-4201-95cf-9636889fab29" providerId="AD" clId="Web-{BC049B62-8E60-4081-B28C-C23E2273B253}" dt="2019-11-14T17:27:49.755" v="1193"/>
+          <ac:spMkLst>
+            <pc:docMk/>
+            <pc:sldMk cId="109857222" sldId="256"/>
+            <ac:spMk id="53" creationId="{8D85ECEA-FAA2-45A1-9825-2F5585D93743}"/>
+          </ac:spMkLst>
+        </pc:spChg>
+        <pc:spChg chg="add del">
+          <ac:chgData name="Mathias Walzer" userId="S::walzer@ebi.ac.uk::271a734e-0aa6-4201-95cf-9636889fab29" providerId="AD" clId="Web-{BC049B62-8E60-4081-B28C-C23E2273B253}" dt="2019-11-14T17:27:49.755" v="1192"/>
+          <ac:spMkLst>
+            <pc:docMk/>
+            <pc:sldMk cId="109857222" sldId="256"/>
+            <ac:spMk id="54" creationId="{EEFEB22B-F415-459E-8C0E-46FF8734FB7B}"/>
+          </ac:spMkLst>
+        </pc:spChg>
+        <pc:spChg chg="add del">
+          <ac:chgData name="Mathias Walzer" userId="S::walzer@ebi.ac.uk::271a734e-0aa6-4201-95cf-9636889fab29" providerId="AD" clId="Web-{BC049B62-8E60-4081-B28C-C23E2273B253}" dt="2019-11-14T17:27:49.755" v="1191"/>
+          <ac:spMkLst>
+            <pc:docMk/>
+            <pc:sldMk cId="109857222" sldId="256"/>
+            <ac:spMk id="55" creationId="{5C013C52-9C23-4EE2-99A4-38000408FFA6}"/>
+          </ac:spMkLst>
+        </pc:spChg>
+        <pc:spChg chg="add del">
+          <ac:chgData name="Mathias Walzer" userId="S::walzer@ebi.ac.uk::271a734e-0aa6-4201-95cf-9636889fab29" providerId="AD" clId="Web-{BC049B62-8E60-4081-B28C-C23E2273B253}" dt="2019-11-14T17:27:49.755" v="1190"/>
+          <ac:spMkLst>
+            <pc:docMk/>
+            <pc:sldMk cId="109857222" sldId="256"/>
+            <ac:spMk id="56" creationId="{89423010-13AB-4206-AAF8-F5D4A7676699}"/>
+          </ac:spMkLst>
+        </pc:spChg>
+        <pc:spChg chg="add del">
+          <ac:chgData name="Mathias Walzer" userId="S::walzer@ebi.ac.uk::271a734e-0aa6-4201-95cf-9636889fab29" providerId="AD" clId="Web-{BC049B62-8E60-4081-B28C-C23E2273B253}" dt="2019-11-14T17:27:49.755" v="1189"/>
+          <ac:spMkLst>
+            <pc:docMk/>
+            <pc:sldMk cId="109857222" sldId="256"/>
+            <ac:spMk id="57" creationId="{6AE11895-E5C2-4701-A9D1-EFAA837C10D3}"/>
+          </ac:spMkLst>
+        </pc:spChg>
+        <pc:spChg chg="add del">
+          <ac:chgData name="Mathias Walzer" userId="S::walzer@ebi.ac.uk::271a734e-0aa6-4201-95cf-9636889fab29" providerId="AD" clId="Web-{BC049B62-8E60-4081-B28C-C23E2273B253}" dt="2019-11-14T17:28:02.880" v="1203"/>
+          <ac:spMkLst>
+            <pc:docMk/>
+            <pc:sldMk cId="109857222" sldId="256"/>
+            <ac:spMk id="58" creationId="{A8835EE9-9DBE-4846-AC48-CBF528962819}"/>
+          </ac:spMkLst>
+        </pc:spChg>
+        <pc:spChg chg="add del">
+          <ac:chgData name="Mathias Walzer" userId="S::walzer@ebi.ac.uk::271a734e-0aa6-4201-95cf-9636889fab29" providerId="AD" clId="Web-{BC049B62-8E60-4081-B28C-C23E2273B253}" dt="2019-11-14T17:28:02.880" v="1202"/>
+          <ac:spMkLst>
+            <pc:docMk/>
+            <pc:sldMk cId="109857222" sldId="256"/>
+            <ac:spMk id="59" creationId="{AA0D2911-FC69-48E2-9FA5-E604D41132F4}"/>
+          </ac:spMkLst>
+        </pc:spChg>
+        <pc:spChg chg="add del">
+          <ac:chgData name="Mathias Walzer" userId="S::walzer@ebi.ac.uk::271a734e-0aa6-4201-95cf-9636889fab29" providerId="AD" clId="Web-{BC049B62-8E60-4081-B28C-C23E2273B253}" dt="2019-11-14T17:28:02.880" v="1201"/>
+          <ac:spMkLst>
+            <pc:docMk/>
+            <pc:sldMk cId="109857222" sldId="256"/>
+            <ac:spMk id="60" creationId="{6CB6B93A-9A13-4A1B-B199-E5D43D420B8D}"/>
+          </ac:spMkLst>
+        </pc:spChg>
+        <pc:spChg chg="add del">
+          <ac:chgData name="Mathias Walzer" userId="S::walzer@ebi.ac.uk::271a734e-0aa6-4201-95cf-9636889fab29" providerId="AD" clId="Web-{BC049B62-8E60-4081-B28C-C23E2273B253}" dt="2019-11-14T17:28:02.880" v="1200"/>
+          <ac:spMkLst>
+            <pc:docMk/>
+            <pc:sldMk cId="109857222" sldId="256"/>
+            <ac:spMk id="61" creationId="{FFF45A27-8BA2-4A69-B9F2-E42F9940DB36}"/>
+          </ac:spMkLst>
+        </pc:spChg>
+        <pc:spChg chg="add del">
+          <ac:chgData name="Mathias Walzer" userId="S::walzer@ebi.ac.uk::271a734e-0aa6-4201-95cf-9636889fab29" providerId="AD" clId="Web-{BC049B62-8E60-4081-B28C-C23E2273B253}" dt="2019-11-14T17:28:02.880" v="1199"/>
+          <ac:spMkLst>
+            <pc:docMk/>
+            <pc:sldMk cId="109857222" sldId="256"/>
+            <ac:spMk id="62" creationId="{4934E55D-7803-40C0-98A4-8F2D160F0852}"/>
+          </ac:spMkLst>
+        </pc:spChg>
+        <pc:spChg chg="add mod">
+          <ac:chgData name="Mathias Walzer" userId="S::walzer@ebi.ac.uk::271a734e-0aa6-4201-95cf-9636889fab29" providerId="AD" clId="Web-{BC049B62-8E60-4081-B28C-C23E2273B253}" dt="2019-11-14T17:28:14.552" v="1208" actId="20577"/>
+          <ac:spMkLst>
+            <pc:docMk/>
+            <pc:sldMk cId="109857222" sldId="256"/>
+            <ac:spMk id="63" creationId="{AD963DD5-22ED-4176-A326-484B9C6ABEC5}"/>
+          </ac:spMkLst>
+        </pc:spChg>
+        <pc:spChg chg="add mod">
+          <ac:chgData name="Mathias Walzer" userId="S::walzer@ebi.ac.uk::271a734e-0aa6-4201-95cf-9636889fab29" providerId="AD" clId="Web-{BC049B62-8E60-4081-B28C-C23E2273B253}" dt="2019-11-14T17:28:47.521" v="1233" actId="20577"/>
+          <ac:spMkLst>
+            <pc:docMk/>
+            <pc:sldMk cId="109857222" sldId="256"/>
+            <ac:spMk id="64" creationId="{94C8FC9B-79C1-419E-A90F-E4F97AE1515F}"/>
+          </ac:spMkLst>
+        </pc:spChg>
+        <pc:spChg chg="add del">
+          <ac:chgData name="Mathias Walzer" userId="S::walzer@ebi.ac.uk::271a734e-0aa6-4201-95cf-9636889fab29" providerId="AD" clId="Web-{BC049B62-8E60-4081-B28C-C23E2273B253}" dt="2019-11-14T17:29:04.568" v="1237"/>
+          <ac:spMkLst>
+            <pc:docMk/>
+            <pc:sldMk cId="109857222" sldId="256"/>
+            <ac:spMk id="65" creationId="{8711B7D6-A9D4-4663-840C-6EB2F18A6EB5}"/>
+          </ac:spMkLst>
+        </pc:spChg>
+        <pc:spChg chg="add mod">
+          <ac:chgData name="Mathias Walzer" userId="S::walzer@ebi.ac.uk::271a734e-0aa6-4201-95cf-9636889fab29" providerId="AD" clId="Web-{BC049B62-8E60-4081-B28C-C23E2273B253}" dt="2019-11-14T17:29:16.474" v="1239" actId="1076"/>
+          <ac:spMkLst>
+            <pc:docMk/>
+            <pc:sldMk cId="109857222" sldId="256"/>
+            <ac:spMk id="66" creationId="{D8055237-CEFB-4DDE-8D2A-6A97DFD80CC5}"/>
+          </ac:spMkLst>
+        </pc:spChg>
+        <pc:spChg chg="add mod">
+          <ac:chgData name="Mathias Walzer" userId="S::walzer@ebi.ac.uk::271a734e-0aa6-4201-95cf-9636889fab29" providerId="AD" clId="Web-{BC049B62-8E60-4081-B28C-C23E2273B253}" dt="2019-11-14T17:29:34.834" v="1241" actId="1076"/>
+          <ac:spMkLst>
+            <pc:docMk/>
+            <pc:sldMk cId="109857222" sldId="256"/>
+            <ac:spMk id="67" creationId="{2A636AE6-946E-4CF3-A4E7-EA4047232A4C}"/>
+          </ac:spMkLst>
+        </pc:spChg>
+        <pc:spChg chg="add mod">
+          <ac:chgData name="Mathias Walzer" userId="S::walzer@ebi.ac.uk::271a734e-0aa6-4201-95cf-9636889fab29" providerId="AD" clId="Web-{BC049B62-8E60-4081-B28C-C23E2273B253}" dt="2019-11-14T17:30:13.474" v="1245" actId="1076"/>
+          <ac:spMkLst>
+            <pc:docMk/>
+            <pc:sldMk cId="109857222" sldId="256"/>
+            <ac:spMk id="68" creationId="{CFCE9F98-EE2C-46BA-B7B9-D5F285CA0423}"/>
+          </ac:spMkLst>
+        </pc:spChg>
+        <pc:spChg chg="add mod">
+          <ac:chgData name="Mathias Walzer" userId="S::walzer@ebi.ac.uk::271a734e-0aa6-4201-95cf-9636889fab29" providerId="AD" clId="Web-{BC049B62-8E60-4081-B28C-C23E2273B253}" dt="2019-11-14T17:32:43.163" v="1263" actId="1076"/>
+          <ac:spMkLst>
+            <pc:docMk/>
+            <pc:sldMk cId="109857222" sldId="256"/>
+            <ac:spMk id="69" creationId="{738C2E7B-1FA4-4BE6-9445-CFAB296E437D}"/>
+          </ac:spMkLst>
+        </pc:spChg>
+        <pc:spChg chg="add mod">
+          <ac:chgData name="Mathias Walzer" userId="S::walzer@ebi.ac.uk::271a734e-0aa6-4201-95cf-9636889fab29" providerId="AD" clId="Web-{BC049B62-8E60-4081-B28C-C23E2273B253}" dt="2019-11-14T17:30:53.240" v="1249" actId="1076"/>
+          <ac:spMkLst>
+            <pc:docMk/>
+            <pc:sldMk cId="109857222" sldId="256"/>
+            <ac:spMk id="70" creationId="{8C8B03D8-454D-435B-9E00-8559BC68FE25}"/>
+          </ac:spMkLst>
+        </pc:spChg>
+        <pc:spChg chg="add mod">
+          <ac:chgData name="Mathias Walzer" userId="S::walzer@ebi.ac.uk::271a734e-0aa6-4201-95cf-9636889fab29" providerId="AD" clId="Web-{BC049B62-8E60-4081-B28C-C23E2273B253}" dt="2019-11-14T17:31:15.334" v="1252" actId="1076"/>
+          <ac:spMkLst>
+            <pc:docMk/>
+            <pc:sldMk cId="109857222" sldId="256"/>
+            <ac:spMk id="71" creationId="{B38EE7FE-456A-43D3-9B05-708576FEAC3B}"/>
+          </ac:spMkLst>
+        </pc:spChg>
+        <pc:spChg chg="add mod">
+          <ac:chgData name="Mathias Walzer" userId="S::walzer@ebi.ac.uk::271a734e-0aa6-4201-95cf-9636889fab29" providerId="AD" clId="Web-{BC049B62-8E60-4081-B28C-C23E2273B253}" dt="2019-11-14T17:34:18.413" v="1277" actId="1076"/>
+          <ac:spMkLst>
+            <pc:docMk/>
+            <pc:sldMk cId="109857222" sldId="256"/>
+            <ac:spMk id="72" creationId="{4DE47EE1-50D8-4EB3-8EE3-78670A26E41C}"/>
+          </ac:spMkLst>
+        </pc:spChg>
+        <pc:spChg chg="add mod">
+          <ac:chgData name="Mathias Walzer" userId="S::walzer@ebi.ac.uk::271a734e-0aa6-4201-95cf-9636889fab29" providerId="AD" clId="Web-{BC049B62-8E60-4081-B28C-C23E2273B253}" dt="2019-11-14T17:32:30.194" v="1259" actId="1076"/>
+          <ac:spMkLst>
+            <pc:docMk/>
+            <pc:sldMk cId="109857222" sldId="256"/>
+            <ac:spMk id="73" creationId="{0DD4A654-C5EB-4A31-BDDB-E441165FBC54}"/>
+          </ac:spMkLst>
+        </pc:spChg>
+        <pc:spChg chg="add mod">
+          <ac:chgData name="Mathias Walzer" userId="S::walzer@ebi.ac.uk::271a734e-0aa6-4201-95cf-9636889fab29" providerId="AD" clId="Web-{BC049B62-8E60-4081-B28C-C23E2273B253}" dt="2019-11-14T17:33:29.553" v="1268" actId="1076"/>
+          <ac:spMkLst>
+            <pc:docMk/>
+            <pc:sldMk cId="109857222" sldId="256"/>
+            <ac:spMk id="74" creationId="{2F43ECB7-D1D6-461A-B782-0B320C4EAB0A}"/>
+          </ac:spMkLst>
+        </pc:spChg>
+        <pc:spChg chg="add mod">
+          <ac:chgData name="Mathias Walzer" userId="S::walzer@ebi.ac.uk::271a734e-0aa6-4201-95cf-9636889fab29" providerId="AD" clId="Web-{BC049B62-8E60-4081-B28C-C23E2273B253}" dt="2019-11-14T17:37:26.836" v="1304" actId="1076"/>
+          <ac:spMkLst>
+            <pc:docMk/>
+            <pc:sldMk cId="109857222" sldId="256"/>
+            <ac:spMk id="75" creationId="{2E87A2BE-3F18-4961-B9E4-167BFAB70D12}"/>
+          </ac:spMkLst>
+        </pc:spChg>
+        <pc:spChg chg="add del mod">
+          <ac:chgData name="Mathias Walzer" userId="S::walzer@ebi.ac.uk::271a734e-0aa6-4201-95cf-9636889fab29" providerId="AD" clId="Web-{BC049B62-8E60-4081-B28C-C23E2273B253}" dt="2019-11-14T17:35:21.929" v="1286"/>
+          <ac:spMkLst>
+            <pc:docMk/>
+            <pc:sldMk cId="109857222" sldId="256"/>
+            <ac:spMk id="76" creationId="{2100D06C-6287-4350-B1C2-DF56BABC1133}"/>
+          </ac:spMkLst>
+        </pc:spChg>
+        <pc:spChg chg="add mod">
+          <ac:chgData name="Mathias Walzer" userId="S::walzer@ebi.ac.uk::271a734e-0aa6-4201-95cf-9636889fab29" providerId="AD" clId="Web-{BC049B62-8E60-4081-B28C-C23E2273B253}" dt="2019-11-14T17:35:44.320" v="1290" actId="1076"/>
+          <ac:spMkLst>
+            <pc:docMk/>
+            <pc:sldMk cId="109857222" sldId="256"/>
+            <ac:spMk id="77" creationId="{4ECC9CCF-0EE7-42F8-ABAC-F9B0BEB13CDB}"/>
+          </ac:spMkLst>
+        </pc:spChg>
+        <pc:spChg chg="add mod">
+          <ac:chgData name="Mathias Walzer" userId="S::walzer@ebi.ac.uk::271a734e-0aa6-4201-95cf-9636889fab29" providerId="AD" clId="Web-{BC049B62-8E60-4081-B28C-C23E2273B253}" dt="2019-11-14T17:36:00.210" v="1292" actId="1076"/>
+          <ac:spMkLst>
+            <pc:docMk/>
+            <pc:sldMk cId="109857222" sldId="256"/>
+            <ac:spMk id="78" creationId="{65BF20B2-8125-4C70-80DC-EAFBC0B86702}"/>
+          </ac:spMkLst>
+        </pc:spChg>
+        <pc:spChg chg="add mod">
+          <ac:chgData name="Mathias Walzer" userId="S::walzer@ebi.ac.uk::271a734e-0aa6-4201-95cf-9636889fab29" providerId="AD" clId="Web-{BC049B62-8E60-4081-B28C-C23E2273B253}" dt="2019-11-14T17:37:20.398" v="1302" actId="1076"/>
+          <ac:spMkLst>
+            <pc:docMk/>
+            <pc:sldMk cId="109857222" sldId="256"/>
+            <ac:spMk id="79" creationId="{A2498FB7-FC62-4175-BD57-8B91B6353844}"/>
+          </ac:spMkLst>
+        </pc:spChg>
+        <pc:spChg chg="add mod">
+          <ac:chgData name="Mathias Walzer" userId="S::walzer@ebi.ac.uk::271a734e-0aa6-4201-95cf-9636889fab29" providerId="AD" clId="Web-{BC049B62-8E60-4081-B28C-C23E2273B253}" dt="2019-11-14T17:36:41.164" v="1298" actId="1076"/>
+          <ac:spMkLst>
+            <pc:docMk/>
+            <pc:sldMk cId="109857222" sldId="256"/>
+            <ac:spMk id="80" creationId="{81F98041-BF6F-4FD0-896E-6A19A9B76831}"/>
+          </ac:spMkLst>
+        </pc:spChg>
+      </pc:sldChg>
+      <pc:sldChg chg="addSp delSp modSp add replId">
+        <pc:chgData name="Mathias Walzer" userId="S::walzer@ebi.ac.uk::271a734e-0aa6-4201-95cf-9636889fab29" providerId="AD" clId="Web-{BC049B62-8E60-4081-B28C-C23E2273B253}" dt="2019-11-14T17:55:53.153" v="1823" actId="20577"/>
+        <pc:sldMkLst>
+          <pc:docMk/>
+          <pc:sldMk cId="367087163" sldId="257"/>
+        </pc:sldMkLst>
+        <pc:spChg chg="mod">
+          <ac:chgData name="Mathias Walzer" userId="S::walzer@ebi.ac.uk::271a734e-0aa6-4201-95cf-9636889fab29" providerId="AD" clId="Web-{BC049B62-8E60-4081-B28C-C23E2273B253}" dt="2019-11-14T17:53:50.996" v="1756" actId="1076"/>
+          <ac:spMkLst>
+            <pc:docMk/>
+            <pc:sldMk cId="367087163" sldId="257"/>
+            <ac:spMk id="2" creationId="{F7F1BAD5-1851-445D-A5C5-C9A83ED3F521}"/>
+          </ac:spMkLst>
+        </pc:spChg>
+        <pc:spChg chg="add mod">
+          <ac:chgData name="Mathias Walzer" userId="S::walzer@ebi.ac.uk::271a734e-0aa6-4201-95cf-9636889fab29" providerId="AD" clId="Web-{BC049B62-8E60-4081-B28C-C23E2273B253}" dt="2019-11-14T17:53:51.043" v="1757" actId="1076"/>
+          <ac:spMkLst>
+            <pc:docMk/>
+            <pc:sldMk cId="367087163" sldId="257"/>
+            <ac:spMk id="3" creationId="{80C702E9-3D26-4EA2-8239-49B939228368}"/>
+          </ac:spMkLst>
+        </pc:spChg>
+        <pc:spChg chg="mod">
+          <ac:chgData name="Mathias Walzer" userId="S::walzer@ebi.ac.uk::271a734e-0aa6-4201-95cf-9636889fab29" providerId="AD" clId="Web-{BC049B62-8E60-4081-B28C-C23E2273B253}" dt="2019-11-14T17:45:10.369" v="1522" actId="1076"/>
+          <ac:spMkLst>
+            <pc:docMk/>
+            <pc:sldMk cId="367087163" sldId="257"/>
+            <ac:spMk id="4" creationId="{E248BA11-2551-4FAD-BBF6-F73C6CC93EC4}"/>
+          </ac:spMkLst>
+        </pc:spChg>
+        <pc:spChg chg="add del">
+          <ac:chgData name="Mathias Walzer" userId="S::walzer@ebi.ac.uk::271a734e-0aa6-4201-95cf-9636889fab29" providerId="AD" clId="Web-{BC049B62-8E60-4081-B28C-C23E2273B253}" dt="2019-11-14T17:53:53.184" v="1763"/>
+          <ac:spMkLst>
+            <pc:docMk/>
+            <pc:sldMk cId="367087163" sldId="257"/>
+            <ac:spMk id="5" creationId="{9827DBE0-05B8-446E-890E-BB08C2D246B4}"/>
+          </ac:spMkLst>
+        </pc:spChg>
+        <pc:spChg chg="mod">
+          <ac:chgData name="Mathias Walzer" userId="S::walzer@ebi.ac.uk::271a734e-0aa6-4201-95cf-9636889fab29" providerId="AD" clId="Web-{BC049B62-8E60-4081-B28C-C23E2273B253}" dt="2019-11-14T17:45:10.416" v="1523" actId="1076"/>
+          <ac:spMkLst>
+            <pc:docMk/>
+            <pc:sldMk cId="367087163" sldId="257"/>
+            <ac:spMk id="6" creationId="{3698CF63-DBE6-429C-8F7C-2B81EC02B530}"/>
+          </ac:spMkLst>
+        </pc:spChg>
+        <pc:spChg chg="mod">
+          <ac:chgData name="Mathias Walzer" userId="S::walzer@ebi.ac.uk::271a734e-0aa6-4201-95cf-9636889fab29" providerId="AD" clId="Web-{BC049B62-8E60-4081-B28C-C23E2273B253}" dt="2019-11-14T17:45:10.463" v="1524" actId="1076"/>
+          <ac:spMkLst>
+            <pc:docMk/>
+            <pc:sldMk cId="367087163" sldId="257"/>
+            <ac:spMk id="7" creationId="{C6A84815-9CC2-4B81-9AF0-50FC523EDD7B}"/>
+          </ac:spMkLst>
+        </pc:spChg>
+        <pc:spChg chg="mod">
+          <ac:chgData name="Mathias Walzer" userId="S::walzer@ebi.ac.uk::271a734e-0aa6-4201-95cf-9636889fab29" providerId="AD" clId="Web-{BC049B62-8E60-4081-B28C-C23E2273B253}" dt="2019-11-14T17:45:10.494" v="1525" actId="1076"/>
+          <ac:spMkLst>
+            <pc:docMk/>
+            <pc:sldMk cId="367087163" sldId="257"/>
+            <ac:spMk id="8" creationId="{9447CE4C-74A7-4655-8EBB-884A00087673}"/>
+          </ac:spMkLst>
+        </pc:spChg>
+        <pc:spChg chg="add mod">
+          <ac:chgData name="Mathias Walzer" userId="S::walzer@ebi.ac.uk::271a734e-0aa6-4201-95cf-9636889fab29" providerId="AD" clId="Web-{BC049B62-8E60-4081-B28C-C23E2273B253}" dt="2019-11-14T17:53:51.074" v="1758" actId="1076"/>
+          <ac:spMkLst>
+            <pc:docMk/>
+            <pc:sldMk cId="367087163" sldId="257"/>
+            <ac:spMk id="9" creationId="{E2577FC8-A9AA-4015-9195-804B17F1080D}"/>
+          </ac:spMkLst>
+        </pc:spChg>
+        <pc:spChg chg="mod">
+          <ac:chgData name="Mathias Walzer" userId="S::walzer@ebi.ac.uk::271a734e-0aa6-4201-95cf-9636889fab29" providerId="AD" clId="Web-{BC049B62-8E60-4081-B28C-C23E2273B253}" dt="2019-11-14T17:45:10.541" v="1526" actId="1076"/>
+          <ac:spMkLst>
+            <pc:docMk/>
+            <pc:sldMk cId="367087163" sldId="257"/>
+            <ac:spMk id="10" creationId="{18BA082D-AE68-421C-845F-AC9B4FA90AC9}"/>
+          </ac:spMkLst>
+        </pc:spChg>
+        <pc:spChg chg="mod">
+          <ac:chgData name="Mathias Walzer" userId="S::walzer@ebi.ac.uk::271a734e-0aa6-4201-95cf-9636889fab29" providerId="AD" clId="Web-{BC049B62-8E60-4081-B28C-C23E2273B253}" dt="2019-11-14T17:45:10.572" v="1527" actId="1076"/>
+          <ac:spMkLst>
+            <pc:docMk/>
+            <pc:sldMk cId="367087163" sldId="257"/>
+            <ac:spMk id="12" creationId="{F2C65B9F-31C5-4748-83A3-A6CED9F61F0A}"/>
+          </ac:spMkLst>
+        </pc:spChg>
+        <pc:spChg chg="mod">
+          <ac:chgData name="Mathias Walzer" userId="S::walzer@ebi.ac.uk::271a734e-0aa6-4201-95cf-9636889fab29" providerId="AD" clId="Web-{BC049B62-8E60-4081-B28C-C23E2273B253}" dt="2019-11-14T17:45:10.619" v="1528" actId="1076"/>
+          <ac:spMkLst>
+            <pc:docMk/>
+            <pc:sldMk cId="367087163" sldId="257"/>
+            <ac:spMk id="13" creationId="{AE4A74BB-EF4B-49F5-A0D0-BEE30FDAE2CA}"/>
+          </ac:spMkLst>
+        </pc:spChg>
+        <pc:spChg chg="mod">
+          <ac:chgData name="Mathias Walzer" userId="S::walzer@ebi.ac.uk::271a734e-0aa6-4201-95cf-9636889fab29" providerId="AD" clId="Web-{BC049B62-8E60-4081-B28C-C23E2273B253}" dt="2019-11-14T17:45:10.650" v="1529" actId="1076"/>
+          <ac:spMkLst>
+            <pc:docMk/>
+            <pc:sldMk cId="367087163" sldId="257"/>
+            <ac:spMk id="14" creationId="{266BED32-A185-4714-966D-40C9061225A0}"/>
+          </ac:spMkLst>
+        </pc:spChg>
+        <pc:spChg chg="mod">
+          <ac:chgData name="Mathias Walzer" userId="S::walzer@ebi.ac.uk::271a734e-0aa6-4201-95cf-9636889fab29" providerId="AD" clId="Web-{BC049B62-8E60-4081-B28C-C23E2273B253}" dt="2019-11-14T17:45:10.697" v="1530" actId="1076"/>
+          <ac:spMkLst>
+            <pc:docMk/>
+            <pc:sldMk cId="367087163" sldId="257"/>
+            <ac:spMk id="17" creationId="{8C8CF1FE-7D22-4430-B8F2-628FB51F3763}"/>
+          </ac:spMkLst>
+        </pc:spChg>
+        <pc:spChg chg="mod">
+          <ac:chgData name="Mathias Walzer" userId="S::walzer@ebi.ac.uk::271a734e-0aa6-4201-95cf-9636889fab29" providerId="AD" clId="Web-{BC049B62-8E60-4081-B28C-C23E2273B253}" dt="2019-11-14T17:45:10.744" v="1531" actId="1076"/>
+          <ac:spMkLst>
+            <pc:docMk/>
+            <pc:sldMk cId="367087163" sldId="257"/>
+            <ac:spMk id="18" creationId="{A50DFE5A-BC5C-46BC-8723-CEFC296FD8F1}"/>
+          </ac:spMkLst>
+        </pc:spChg>
+        <pc:spChg chg="mod">
+          <ac:chgData name="Mathias Walzer" userId="S::walzer@ebi.ac.uk::271a734e-0aa6-4201-95cf-9636889fab29" providerId="AD" clId="Web-{BC049B62-8E60-4081-B28C-C23E2273B253}" dt="2019-11-14T17:45:10.791" v="1532" actId="1076"/>
+          <ac:spMkLst>
+            <pc:docMk/>
+            <pc:sldMk cId="367087163" sldId="257"/>
+            <ac:spMk id="20" creationId="{6BC3BA9A-61C3-4A1B-8562-1DCB916FACA5}"/>
+          </ac:spMkLst>
+        </pc:spChg>
+        <pc:spChg chg="mod">
+          <ac:chgData name="Mathias Walzer" userId="S::walzer@ebi.ac.uk::271a734e-0aa6-4201-95cf-9636889fab29" providerId="AD" clId="Web-{BC049B62-8E60-4081-B28C-C23E2273B253}" dt="2019-11-14T17:45:10.822" v="1533" actId="1076"/>
+          <ac:spMkLst>
+            <pc:docMk/>
+            <pc:sldMk cId="367087163" sldId="257"/>
+            <ac:spMk id="21" creationId="{72D437A5-064E-43E3-B4E6-A9ABE143BDDB}"/>
+          </ac:spMkLst>
+        </pc:spChg>
+        <pc:spChg chg="mod">
+          <ac:chgData name="Mathias Walzer" userId="S::walzer@ebi.ac.uk::271a734e-0aa6-4201-95cf-9636889fab29" providerId="AD" clId="Web-{BC049B62-8E60-4081-B28C-C23E2273B253}" dt="2019-11-14T17:45:38.463" v="1577" actId="1076"/>
+          <ac:spMkLst>
+            <pc:docMk/>
+            <pc:sldMk cId="367087163" sldId="257"/>
+            <ac:spMk id="27" creationId="{7D1232E8-7500-40C4-A4E4-841210422D72}"/>
+          </ac:spMkLst>
+        </pc:spChg>
+        <pc:spChg chg="mod">
+          <ac:chgData name="Mathias Walzer" userId="S::walzer@ebi.ac.uk::271a734e-0aa6-4201-95cf-9636889fab29" providerId="AD" clId="Web-{BC049B62-8E60-4081-B28C-C23E2273B253}" dt="2019-11-14T17:45:38.494" v="1578" actId="1076"/>
+          <ac:spMkLst>
+            <pc:docMk/>
+            <pc:sldMk cId="367087163" sldId="257"/>
+            <ac:spMk id="28" creationId="{11B2A10D-1D35-4BE4-9CF3-377055E955AC}"/>
+          </ac:spMkLst>
+        </pc:spChg>
+        <pc:spChg chg="mod">
+          <ac:chgData name="Mathias Walzer" userId="S::walzer@ebi.ac.uk::271a734e-0aa6-4201-95cf-9636889fab29" providerId="AD" clId="Web-{BC049B62-8E60-4081-B28C-C23E2273B253}" dt="2019-11-14T17:45:38.525" v="1579" actId="1076"/>
+          <ac:spMkLst>
+            <pc:docMk/>
+            <pc:sldMk cId="367087163" sldId="257"/>
+            <ac:spMk id="29" creationId="{5533A428-6C5C-45E4-B7F3-648CF85C1D52}"/>
+          </ac:spMkLst>
+        </pc:spChg>
+        <pc:spChg chg="mod">
+          <ac:chgData name="Mathias Walzer" userId="S::walzer@ebi.ac.uk::271a734e-0aa6-4201-95cf-9636889fab29" providerId="AD" clId="Web-{BC049B62-8E60-4081-B28C-C23E2273B253}" dt="2019-11-14T17:45:10.869" v="1534" actId="1076"/>
+          <ac:spMkLst>
+            <pc:docMk/>
+            <pc:sldMk cId="367087163" sldId="257"/>
+            <ac:spMk id="30" creationId="{67BD2ECE-A648-4B24-B9AA-FC8D2F74ACF5}"/>
+          </ac:spMkLst>
+        </pc:spChg>
+        <pc:spChg chg="mod">
+          <ac:chgData name="Mathias Walzer" userId="S::walzer@ebi.ac.uk::271a734e-0aa6-4201-95cf-9636889fab29" providerId="AD" clId="Web-{BC049B62-8E60-4081-B28C-C23E2273B253}" dt="2019-11-14T17:45:38.557" v="1580" actId="1076"/>
+          <ac:spMkLst>
+            <pc:docMk/>
+            <pc:sldMk cId="367087163" sldId="257"/>
+            <ac:spMk id="31" creationId="{05F1DAF0-5710-49BE-A441-D891822D4720}"/>
+          </ac:spMkLst>
+        </pc:spChg>
+        <pc:spChg chg="mod">
+          <ac:chgData name="Mathias Walzer" userId="S::walzer@ebi.ac.uk::271a734e-0aa6-4201-95cf-9636889fab29" providerId="AD" clId="Web-{BC049B62-8E60-4081-B28C-C23E2273B253}" dt="2019-11-14T17:45:10.900" v="1535" actId="1076"/>
+          <ac:spMkLst>
+            <pc:docMk/>
+            <pc:sldMk cId="367087163" sldId="257"/>
+            <ac:spMk id="32" creationId="{452C6161-FFE6-42EE-BEAC-8CC9C6882259}"/>
+          </ac:spMkLst>
+        </pc:spChg>
+        <pc:spChg chg="mod">
+          <ac:chgData name="Mathias Walzer" userId="S::walzer@ebi.ac.uk::271a734e-0aa6-4201-95cf-9636889fab29" providerId="AD" clId="Web-{BC049B62-8E60-4081-B28C-C23E2273B253}" dt="2019-11-14T17:45:10.947" v="1536" actId="1076"/>
+          <ac:spMkLst>
+            <pc:docMk/>
+            <pc:sldMk cId="367087163" sldId="257"/>
+            <ac:spMk id="33" creationId="{C69B1361-0EF8-4E16-B701-DDD08EFC32CD}"/>
+          </ac:spMkLst>
+        </pc:spChg>
+        <pc:spChg chg="mod">
+          <ac:chgData name="Mathias Walzer" userId="S::walzer@ebi.ac.uk::271a734e-0aa6-4201-95cf-9636889fab29" providerId="AD" clId="Web-{BC049B62-8E60-4081-B28C-C23E2273B253}" dt="2019-11-14T17:45:38.416" v="1576" actId="1076"/>
+          <ac:spMkLst>
+            <pc:docMk/>
+            <pc:sldMk cId="367087163" sldId="257"/>
+            <ac:spMk id="34" creationId="{013EC78B-725C-4C11-BCCE-5D64BFF34BF7}"/>
+          </ac:spMkLst>
+        </pc:spChg>
+        <pc:spChg chg="mod">
+          <ac:chgData name="Mathias Walzer" userId="S::walzer@ebi.ac.uk::271a734e-0aa6-4201-95cf-9636889fab29" providerId="AD" clId="Web-{BC049B62-8E60-4081-B28C-C23E2273B253}" dt="2019-11-14T17:45:10.978" v="1537" actId="1076"/>
+          <ac:spMkLst>
+            <pc:docMk/>
+            <pc:sldMk cId="367087163" sldId="257"/>
+            <ac:spMk id="35" creationId="{B1F5DBC6-F6BD-4CD4-A0D3-76D98F6F655E}"/>
+          </ac:spMkLst>
+        </pc:spChg>
+        <pc:spChg chg="mod">
+          <ac:chgData name="Mathias Walzer" userId="S::walzer@ebi.ac.uk::271a734e-0aa6-4201-95cf-9636889fab29" providerId="AD" clId="Web-{BC049B62-8E60-4081-B28C-C23E2273B253}" dt="2019-11-14T17:45:11.025" v="1538" actId="1076"/>
+          <ac:spMkLst>
+            <pc:docMk/>
+            <pc:sldMk cId="367087163" sldId="257"/>
+            <ac:spMk id="36" creationId="{1535CEEF-C7B7-4460-9C0B-807FF968DDD2}"/>
+          </ac:spMkLst>
+        </pc:spChg>
+        <pc:spChg chg="mod">
+          <ac:chgData name="Mathias Walzer" userId="S::walzer@ebi.ac.uk::271a734e-0aa6-4201-95cf-9636889fab29" providerId="AD" clId="Web-{BC049B62-8E60-4081-B28C-C23E2273B253}" dt="2019-11-14T17:45:11.494" v="1550" actId="1076"/>
+          <ac:spMkLst>
+            <pc:docMk/>
+            <pc:sldMk cId="367087163" sldId="257"/>
+            <ac:spMk id="37" creationId="{07BEEC32-7E38-4DE0-9E8E-7FBE434FB102}"/>
+          </ac:spMkLst>
+        </pc:spChg>
+        <pc:spChg chg="mod">
+          <ac:chgData name="Mathias Walzer" userId="S::walzer@ebi.ac.uk::271a734e-0aa6-4201-95cf-9636889fab29" providerId="AD" clId="Web-{BC049B62-8E60-4081-B28C-C23E2273B253}" dt="2019-11-14T17:45:11.541" v="1551" actId="1076"/>
+          <ac:spMkLst>
+            <pc:docMk/>
+            <pc:sldMk cId="367087163" sldId="257"/>
+            <ac:spMk id="38" creationId="{22A5093A-78E5-4A23-8993-7037F4B04533}"/>
+          </ac:spMkLst>
+        </pc:spChg>
+        <pc:spChg chg="mod">
+          <ac:chgData name="Mathias Walzer" userId="S::walzer@ebi.ac.uk::271a734e-0aa6-4201-95cf-9636889fab29" providerId="AD" clId="Web-{BC049B62-8E60-4081-B28C-C23E2273B253}" dt="2019-11-14T17:45:11.572" v="1552" actId="1076"/>
+          <ac:spMkLst>
+            <pc:docMk/>
+            <pc:sldMk cId="367087163" sldId="257"/>
+            <ac:spMk id="39" creationId="{E947EDBD-9FE5-4660-9BCD-71FBEBC46F0B}"/>
+          </ac:spMkLst>
+        </pc:spChg>
+        <pc:spChg chg="mod">
+          <ac:chgData name="Mathias Walzer" userId="S::walzer@ebi.ac.uk::271a734e-0aa6-4201-95cf-9636889fab29" providerId="AD" clId="Web-{BC049B62-8E60-4081-B28C-C23E2273B253}" dt="2019-11-14T17:45:11.619" v="1553" actId="1076"/>
+          <ac:spMkLst>
+            <pc:docMk/>
+            <pc:sldMk cId="367087163" sldId="257"/>
+            <ac:spMk id="40" creationId="{740DA697-9B12-4333-8261-0D9005AE310E}"/>
+          </ac:spMkLst>
+        </pc:spChg>
+        <pc:spChg chg="mod">
+          <ac:chgData name="Mathias Walzer" userId="S::walzer@ebi.ac.uk::271a734e-0aa6-4201-95cf-9636889fab29" providerId="AD" clId="Web-{BC049B62-8E60-4081-B28C-C23E2273B253}" dt="2019-11-14T17:45:11.666" v="1554" actId="1076"/>
+          <ac:spMkLst>
+            <pc:docMk/>
+            <pc:sldMk cId="367087163" sldId="257"/>
+            <ac:spMk id="41" creationId="{0C18B2D2-7428-4B83-A665-2EFA1F56B3A3}"/>
+          </ac:spMkLst>
+        </pc:spChg>
+        <pc:spChg chg="mod">
+          <ac:chgData name="Mathias Walzer" userId="S::walzer@ebi.ac.uk::271a734e-0aa6-4201-95cf-9636889fab29" providerId="AD" clId="Web-{BC049B62-8E60-4081-B28C-C23E2273B253}" dt="2019-11-14T17:45:11.697" v="1555" actId="1076"/>
+          <ac:spMkLst>
+            <pc:docMk/>
+            <pc:sldMk cId="367087163" sldId="257"/>
+            <ac:spMk id="42" creationId="{B9439AF8-042B-47DE-8012-17D9605ED568}"/>
+          </ac:spMkLst>
+        </pc:spChg>
+        <pc:spChg chg="mod">
+          <ac:chgData name="Mathias Walzer" userId="S::walzer@ebi.ac.uk::271a734e-0aa6-4201-95cf-9636889fab29" providerId="AD" clId="Web-{BC049B62-8E60-4081-B28C-C23E2273B253}" dt="2019-11-14T17:45:11.760" v="1556" actId="1076"/>
+          <ac:spMkLst>
+            <pc:docMk/>
+            <pc:sldMk cId="367087163" sldId="257"/>
+            <ac:spMk id="43" creationId="{A05B9470-DD69-49C1-B95C-D34B8F134A87}"/>
+          </ac:spMkLst>
+        </pc:spChg>
+        <pc:spChg chg="mod">
+          <ac:chgData name="Mathias Walzer" userId="S::walzer@ebi.ac.uk::271a734e-0aa6-4201-95cf-9636889fab29" providerId="AD" clId="Web-{BC049B62-8E60-4081-B28C-C23E2273B253}" dt="2019-11-14T17:45:25.916" v="1570" actId="1076"/>
+          <ac:spMkLst>
+            <pc:docMk/>
+            <pc:sldMk cId="367087163" sldId="257"/>
+            <ac:spMk id="48" creationId="{0F4D2716-335D-4D18-A294-B04D1CFA0407}"/>
+          </ac:spMkLst>
+        </pc:spChg>
+        <pc:spChg chg="mod">
+          <ac:chgData name="Mathias Walzer" userId="S::walzer@ebi.ac.uk::271a734e-0aa6-4201-95cf-9636889fab29" providerId="AD" clId="Web-{BC049B62-8E60-4081-B28C-C23E2273B253}" dt="2019-11-14T17:45:25.947" v="1571" actId="1076"/>
+          <ac:spMkLst>
+            <pc:docMk/>
+            <pc:sldMk cId="367087163" sldId="257"/>
+            <ac:spMk id="49" creationId="{79250592-0155-4C42-A0F4-80C37663C1CD}"/>
+          </ac:spMkLst>
+        </pc:spChg>
+        <pc:spChg chg="mod">
+          <ac:chgData name="Mathias Walzer" userId="S::walzer@ebi.ac.uk::271a734e-0aa6-4201-95cf-9636889fab29" providerId="AD" clId="Web-{BC049B62-8E60-4081-B28C-C23E2273B253}" dt="2019-11-14T17:45:25.994" v="1572" actId="1076"/>
+          <ac:spMkLst>
+            <pc:docMk/>
+            <pc:sldMk cId="367087163" sldId="257"/>
+            <ac:spMk id="50" creationId="{F991ADBC-67BA-48B4-8DFD-8E89895B9F3C}"/>
+          </ac:spMkLst>
+        </pc:spChg>
+        <pc:spChg chg="mod">
+          <ac:chgData name="Mathias Walzer" userId="S::walzer@ebi.ac.uk::271a734e-0aa6-4201-95cf-9636889fab29" providerId="AD" clId="Web-{BC049B62-8E60-4081-B28C-C23E2273B253}" dt="2019-11-14T17:45:26.041" v="1573" actId="1076"/>
+          <ac:spMkLst>
+            <pc:docMk/>
+            <pc:sldMk cId="367087163" sldId="257"/>
+            <ac:spMk id="51" creationId="{D517A9F1-7799-4EAC-AC33-82B6C5DBDA99}"/>
+          </ac:spMkLst>
+        </pc:spChg>
+        <pc:spChg chg="mod">
+          <ac:chgData name="Mathias Walzer" userId="S::walzer@ebi.ac.uk::271a734e-0aa6-4201-95cf-9636889fab29" providerId="AD" clId="Web-{BC049B62-8E60-4081-B28C-C23E2273B253}" dt="2019-11-14T17:45:26.088" v="1574" actId="1076"/>
+          <ac:spMkLst>
+            <pc:docMk/>
+            <pc:sldMk cId="367087163" sldId="257"/>
+            <ac:spMk id="52" creationId="{FD8F7BEC-B580-4F11-BE01-1F8E639B8716}"/>
+          </ac:spMkLst>
+        </pc:spChg>
+        <pc:spChg chg="add mod">
+          <ac:chgData name="Mathias Walzer" userId="S::walzer@ebi.ac.uk::271a734e-0aa6-4201-95cf-9636889fab29" providerId="AD" clId="Web-{BC049B62-8E60-4081-B28C-C23E2273B253}" dt="2019-11-14T17:53:51.168" v="1760" actId="1076"/>
+          <ac:spMkLst>
+            <pc:docMk/>
+            <pc:sldMk cId="367087163" sldId="257"/>
+            <ac:spMk id="57" creationId="{47AB2D82-DD39-4E76-85C5-83354591CE10}"/>
+          </ac:spMkLst>
+        </pc:spChg>
+        <pc:spChg chg="add mod">
+          <ac:chgData name="Mathias Walzer" userId="S::walzer@ebi.ac.uk::271a734e-0aa6-4201-95cf-9636889fab29" providerId="AD" clId="Web-{BC049B62-8E60-4081-B28C-C23E2273B253}" dt="2019-11-14T17:53:51.121" v="1759" actId="1076"/>
+          <ac:spMkLst>
+            <pc:docMk/>
+            <pc:sldMk cId="367087163" sldId="257"/>
+            <ac:spMk id="58" creationId="{070C5F99-77F2-456B-BDEE-BA09E2B67BC4}"/>
+          </ac:spMkLst>
+        </pc:spChg>
+        <pc:spChg chg="add mod">
+          <ac:chgData name="Mathias Walzer" userId="S::walzer@ebi.ac.uk::271a734e-0aa6-4201-95cf-9636889fab29" providerId="AD" clId="Web-{BC049B62-8E60-4081-B28C-C23E2273B253}" dt="2019-11-14T17:55:53.153" v="1823" actId="20577"/>
+          <ac:spMkLst>
+            <pc:docMk/>
+            <pc:sldMk cId="367087163" sldId="257"/>
+            <ac:spMk id="59" creationId="{793A545E-C416-456A-BB05-CBFBCF166821}"/>
+          </ac:spMkLst>
+        </pc:spChg>
+        <pc:spChg chg="mod">
+          <ac:chgData name="Mathias Walzer" userId="S::walzer@ebi.ac.uk::271a734e-0aa6-4201-95cf-9636889fab29" providerId="AD" clId="Web-{BC049B62-8E60-4081-B28C-C23E2273B253}" dt="2019-11-14T17:53:51.199" v="1761" actId="1076"/>
+          <ac:spMkLst>
+            <pc:docMk/>
+            <pc:sldMk cId="367087163" sldId="257"/>
+            <ac:spMk id="63" creationId="{AD963DD5-22ED-4176-A326-484B9C6ABEC5}"/>
+          </ac:spMkLst>
+        </pc:spChg>
+        <pc:spChg chg="mod">
+          <ac:chgData name="Mathias Walzer" userId="S::walzer@ebi.ac.uk::271a734e-0aa6-4201-95cf-9636889fab29" providerId="AD" clId="Web-{BC049B62-8E60-4081-B28C-C23E2273B253}" dt="2019-11-14T17:54:44.184" v="1777" actId="20577"/>
+          <ac:spMkLst>
+            <pc:docMk/>
+            <pc:sldMk cId="367087163" sldId="257"/>
+            <ac:spMk id="64" creationId="{94C8FC9B-79C1-419E-A90F-E4F97AE1515F}"/>
+          </ac:spMkLst>
+        </pc:spChg>
+        <pc:spChg chg="mod">
+          <ac:chgData name="Mathias Walzer" userId="S::walzer@ebi.ac.uk::271a734e-0aa6-4201-95cf-9636889fab29" providerId="AD" clId="Web-{BC049B62-8E60-4081-B28C-C23E2273B253}" dt="2019-11-14T17:45:11.056" v="1539" actId="1076"/>
+          <ac:spMkLst>
+            <pc:docMk/>
+            <pc:sldMk cId="367087163" sldId="257"/>
+            <ac:spMk id="66" creationId="{D8055237-CEFB-4DDE-8D2A-6A97DFD80CC5}"/>
+          </ac:spMkLst>
+        </pc:spChg>
+        <pc:spChg chg="mod">
+          <ac:chgData name="Mathias Walzer" userId="S::walzer@ebi.ac.uk::271a734e-0aa6-4201-95cf-9636889fab29" providerId="AD" clId="Web-{BC049B62-8E60-4081-B28C-C23E2273B253}" dt="2019-11-14T17:45:11.103" v="1540" actId="1076"/>
+          <ac:spMkLst>
+            <pc:docMk/>
+            <pc:sldMk cId="367087163" sldId="257"/>
+            <ac:spMk id="67" creationId="{2A636AE6-946E-4CF3-A4E7-EA4047232A4C}"/>
+          </ac:spMkLst>
+        </pc:spChg>
+        <pc:spChg chg="mod">
+          <ac:chgData name="Mathias Walzer" userId="S::walzer@ebi.ac.uk::271a734e-0aa6-4201-95cf-9636889fab29" providerId="AD" clId="Web-{BC049B62-8E60-4081-B28C-C23E2273B253}" dt="2019-11-14T17:45:11.135" v="1541" actId="1076"/>
+          <ac:spMkLst>
+            <pc:docMk/>
+            <pc:sldMk cId="367087163" sldId="257"/>
+            <ac:spMk id="68" creationId="{CFCE9F98-EE2C-46BA-B7B9-D5F285CA0423}"/>
+          </ac:spMkLst>
+        </pc:spChg>
+        <pc:spChg chg="mod">
+          <ac:chgData name="Mathias Walzer" userId="S::walzer@ebi.ac.uk::271a734e-0aa6-4201-95cf-9636889fab29" providerId="AD" clId="Web-{BC049B62-8E60-4081-B28C-C23E2273B253}" dt="2019-11-14T17:45:38.588" v="1581" actId="1076"/>
+          <ac:spMkLst>
+            <pc:docMk/>
+            <pc:sldMk cId="367087163" sldId="257"/>
+            <ac:spMk id="69" creationId="{738C2E7B-1FA4-4BE6-9445-CFAB296E437D}"/>
+          </ac:spMkLst>
+        </pc:spChg>
+        <pc:spChg chg="mod">
+          <ac:chgData name="Mathias Walzer" userId="S::walzer@ebi.ac.uk::271a734e-0aa6-4201-95cf-9636889fab29" providerId="AD" clId="Web-{BC049B62-8E60-4081-B28C-C23E2273B253}" dt="2019-11-14T17:45:11.181" v="1542" actId="1076"/>
+          <ac:spMkLst>
+            <pc:docMk/>
+            <pc:sldMk cId="367087163" sldId="257"/>
+            <ac:spMk id="70" creationId="{8C8B03D8-454D-435B-9E00-8559BC68FE25}"/>
+          </ac:spMkLst>
+        </pc:spChg>
+        <pc:spChg chg="mod">
+          <ac:chgData name="Mathias Walzer" userId="S::walzer@ebi.ac.uk::271a734e-0aa6-4201-95cf-9636889fab29" providerId="AD" clId="Web-{BC049B62-8E60-4081-B28C-C23E2273B253}" dt="2019-11-14T17:45:11.213" v="1543" actId="1076"/>
+          <ac:spMkLst>
+            <pc:docMk/>
+            <pc:sldMk cId="367087163" sldId="257"/>
+            <ac:spMk id="71" creationId="{B38EE7FE-456A-43D3-9B05-708576FEAC3B}"/>
+          </ac:spMkLst>
+        </pc:spChg>
+        <pc:spChg chg="mod">
+          <ac:chgData name="Mathias Walzer" userId="S::walzer@ebi.ac.uk::271a734e-0aa6-4201-95cf-9636889fab29" providerId="AD" clId="Web-{BC049B62-8E60-4081-B28C-C23E2273B253}" dt="2019-11-14T17:45:26.119" v="1575" actId="1076"/>
+          <ac:spMkLst>
+            <pc:docMk/>
+            <pc:sldMk cId="367087163" sldId="257"/>
+            <ac:spMk id="72" creationId="{4DE47EE1-50D8-4EB3-8EE3-78670A26E41C}"/>
+          </ac:spMkLst>
+        </pc:spChg>
+        <pc:spChg chg="mod">
+          <ac:chgData name="Mathias Walzer" userId="S::walzer@ebi.ac.uk::271a734e-0aa6-4201-95cf-9636889fab29" providerId="AD" clId="Web-{BC049B62-8E60-4081-B28C-C23E2273B253}" dt="2019-11-14T17:45:11.791" v="1557" actId="1076"/>
+          <ac:spMkLst>
+            <pc:docMk/>
+            <pc:sldMk cId="367087163" sldId="257"/>
+            <ac:spMk id="73" creationId="{0DD4A654-C5EB-4A31-BDDB-E441165FBC54}"/>
+          </ac:spMkLst>
+        </pc:spChg>
+        <pc:spChg chg="mod">
+          <ac:chgData name="Mathias Walzer" userId="S::walzer@ebi.ac.uk::271a734e-0aa6-4201-95cf-9636889fab29" providerId="AD" clId="Web-{BC049B62-8E60-4081-B28C-C23E2273B253}" dt="2019-11-14T17:45:11.260" v="1544" actId="1076"/>
+          <ac:spMkLst>
+            <pc:docMk/>
+            <pc:sldMk cId="367087163" sldId="257"/>
+            <ac:spMk id="74" creationId="{2F43ECB7-D1D6-461A-B782-0B320C4EAB0A}"/>
+          </ac:spMkLst>
+        </pc:spChg>
+        <pc:spChg chg="mod">
+          <ac:chgData name="Mathias Walzer" userId="S::walzer@ebi.ac.uk::271a734e-0aa6-4201-95cf-9636889fab29" providerId="AD" clId="Web-{BC049B62-8E60-4081-B28C-C23E2273B253}" dt="2019-11-14T17:45:11.306" v="1545" actId="1076"/>
+          <ac:spMkLst>
+            <pc:docMk/>
+            <pc:sldMk cId="367087163" sldId="257"/>
+            <ac:spMk id="75" creationId="{2E87A2BE-3F18-4961-B9E4-167BFAB70D12}"/>
+          </ac:spMkLst>
+        </pc:spChg>
+        <pc:spChg chg="mod">
+          <ac:chgData name="Mathias Walzer" userId="S::walzer@ebi.ac.uk::271a734e-0aa6-4201-95cf-9636889fab29" providerId="AD" clId="Web-{BC049B62-8E60-4081-B28C-C23E2273B253}" dt="2019-11-14T17:45:11.338" v="1546" actId="1076"/>
+          <ac:spMkLst>
+            <pc:docMk/>
+            <pc:sldMk cId="367087163" sldId="257"/>
+            <ac:spMk id="77" creationId="{4ECC9CCF-0EE7-42F8-ABAC-F9B0BEB13CDB}"/>
+          </ac:spMkLst>
+        </pc:spChg>
+        <pc:spChg chg="mod">
+          <ac:chgData name="Mathias Walzer" userId="S::walzer@ebi.ac.uk::271a734e-0aa6-4201-95cf-9636889fab29" providerId="AD" clId="Web-{BC049B62-8E60-4081-B28C-C23E2273B253}" dt="2019-11-14T17:45:11.385" v="1547" actId="1076"/>
+          <ac:spMkLst>
+            <pc:docMk/>
+            <pc:sldMk cId="367087163" sldId="257"/>
+            <ac:spMk id="78" creationId="{65BF20B2-8125-4C70-80DC-EAFBC0B86702}"/>
+          </ac:spMkLst>
+        </pc:spChg>
+        <pc:spChg chg="mod">
+          <ac:chgData name="Mathias Walzer" userId="S::walzer@ebi.ac.uk::271a734e-0aa6-4201-95cf-9636889fab29" providerId="AD" clId="Web-{BC049B62-8E60-4081-B28C-C23E2273B253}" dt="2019-11-14T17:45:11.416" v="1548" actId="1076"/>
+          <ac:spMkLst>
+            <pc:docMk/>
+            <pc:sldMk cId="367087163" sldId="257"/>
+            <ac:spMk id="79" creationId="{A2498FB7-FC62-4175-BD57-8B91B6353844}"/>
+          </ac:spMkLst>
+        </pc:spChg>
+        <pc:spChg chg="mod">
+          <ac:chgData name="Mathias Walzer" userId="S::walzer@ebi.ac.uk::271a734e-0aa6-4201-95cf-9636889fab29" providerId="AD" clId="Web-{BC049B62-8E60-4081-B28C-C23E2273B253}" dt="2019-11-14T17:45:11.447" v="1549" actId="1076"/>
+          <ac:spMkLst>
+            <pc:docMk/>
+            <pc:sldMk cId="367087163" sldId="257"/>
+            <ac:spMk id="80" creationId="{81F98041-BF6F-4FD0-896E-6A19A9B76831}"/>
+          </ac:spMkLst>
+        </pc:spChg>
+      </pc:sldChg>
+      <pc:sldChg chg="add del replId">
+        <pc:chgData name="Mathias Walzer" userId="S::walzer@ebi.ac.uk::271a734e-0aa6-4201-95cf-9636889fab29" providerId="AD" clId="Web-{BC049B62-8E60-4081-B28C-C23E2273B253}" dt="2019-11-14T17:43:39.853" v="1305"/>
+        <pc:sldMkLst>
+          <pc:docMk/>
+          <pc:sldMk cId="2549966117" sldId="257"/>
+        </pc:sldMkLst>
+      </pc:sldChg>
+      <pc:sldChg chg="add del replId">
+        <pc:chgData name="Mathias Walzer" userId="S::walzer@ebi.ac.uk::271a734e-0aa6-4201-95cf-9636889fab29" providerId="AD" clId="Web-{BC049B62-8E60-4081-B28C-C23E2273B253}" dt="2019-11-14T17:14:53.782" v="1141"/>
+        <pc:sldMkLst>
+          <pc:docMk/>
+          <pc:sldMk cId="2975902010" sldId="257"/>
+        </pc:sldMkLst>
+      </pc:sldChg>
+    </pc:docChg>
+  </pc:docChgLst>
+</pc:chgInfo>
 </file>
 
 <file path=ppt/slideLayouts/slideLayout1.xml><?xml version="1.0" encoding="utf-8"?>
@@ -255,7 +2231,7 @@
           <a:p>
             <a:fld id="{846CE7D5-CF57-46EF-B807-FDD0502418D4}" type="datetimeFigureOut">
               <a:rPr lang="en-GB" smtClean="0"/>
-              <a:t>19/08/2020</a:t>
+              <a:t>19/11/2020</a:t>
             </a:fld>
             <a:endParaRPr lang="en-GB"/>
           </a:p>
@@ -425,7 +2401,7 @@
           <a:p>
             <a:fld id="{846CE7D5-CF57-46EF-B807-FDD0502418D4}" type="datetimeFigureOut">
               <a:rPr lang="en-GB" smtClean="0"/>
-              <a:t>19/08/2020</a:t>
+              <a:t>19/11/2020</a:t>
             </a:fld>
             <a:endParaRPr lang="en-GB"/>
           </a:p>
@@ -605,7 +2581,7 @@
           <a:p>
             <a:fld id="{846CE7D5-CF57-46EF-B807-FDD0502418D4}" type="datetimeFigureOut">
               <a:rPr lang="en-GB" smtClean="0"/>
-              <a:t>19/08/2020</a:t>
+              <a:t>19/11/2020</a:t>
             </a:fld>
             <a:endParaRPr lang="en-GB"/>
           </a:p>
@@ -775,7 +2751,7 @@
           <a:p>
             <a:fld id="{846CE7D5-CF57-46EF-B807-FDD0502418D4}" type="datetimeFigureOut">
               <a:rPr lang="en-GB" smtClean="0"/>
-              <a:t>19/08/2020</a:t>
+              <a:t>19/11/2020</a:t>
             </a:fld>
             <a:endParaRPr lang="en-GB"/>
           </a:p>
@@ -1021,7 +2997,7 @@
           <a:p>
             <a:fld id="{846CE7D5-CF57-46EF-B807-FDD0502418D4}" type="datetimeFigureOut">
               <a:rPr lang="en-GB" smtClean="0"/>
-              <a:t>19/08/2020</a:t>
+              <a:t>19/11/2020</a:t>
             </a:fld>
             <a:endParaRPr lang="en-GB"/>
           </a:p>
@@ -1253,7 +3229,7 @@
           <a:p>
             <a:fld id="{846CE7D5-CF57-46EF-B807-FDD0502418D4}" type="datetimeFigureOut">
               <a:rPr lang="en-GB" smtClean="0"/>
-              <a:t>19/08/2020</a:t>
+              <a:t>19/11/2020</a:t>
             </a:fld>
             <a:endParaRPr lang="en-GB"/>
           </a:p>
@@ -1620,7 +3596,7 @@
           <a:p>
             <a:fld id="{846CE7D5-CF57-46EF-B807-FDD0502418D4}" type="datetimeFigureOut">
               <a:rPr lang="en-GB" smtClean="0"/>
-              <a:t>19/08/2020</a:t>
+              <a:t>19/11/2020</a:t>
             </a:fld>
             <a:endParaRPr lang="en-GB"/>
           </a:p>
@@ -1738,7 +3714,7 @@
           <a:p>
             <a:fld id="{846CE7D5-CF57-46EF-B807-FDD0502418D4}" type="datetimeFigureOut">
               <a:rPr lang="en-GB" smtClean="0"/>
-              <a:t>19/08/2020</a:t>
+              <a:t>19/11/2020</a:t>
             </a:fld>
             <a:endParaRPr lang="en-GB"/>
           </a:p>
@@ -1833,7 +3809,7 @@
           <a:p>
             <a:fld id="{846CE7D5-CF57-46EF-B807-FDD0502418D4}" type="datetimeFigureOut">
               <a:rPr lang="en-GB" smtClean="0"/>
-              <a:t>19/08/2020</a:t>
+              <a:t>19/11/2020</a:t>
             </a:fld>
             <a:endParaRPr lang="en-GB"/>
           </a:p>
@@ -2110,7 +4086,7 @@
           <a:p>
             <a:fld id="{846CE7D5-CF57-46EF-B807-FDD0502418D4}" type="datetimeFigureOut">
               <a:rPr lang="en-GB" smtClean="0"/>
-              <a:t>19/08/2020</a:t>
+              <a:t>19/11/2020</a:t>
             </a:fld>
             <a:endParaRPr lang="en-GB"/>
           </a:p>
@@ -2367,7 +4343,7 @@
           <a:p>
             <a:fld id="{846CE7D5-CF57-46EF-B807-FDD0502418D4}" type="datetimeFigureOut">
               <a:rPr lang="en-GB" smtClean="0"/>
-              <a:t>19/08/2020</a:t>
+              <a:t>19/11/2020</a:t>
             </a:fld>
             <a:endParaRPr lang="en-GB"/>
           </a:p>
@@ -2580,7 +4556,7 @@
           <a:p>
             <a:fld id="{846CE7D5-CF57-46EF-B807-FDD0502418D4}" type="datetimeFigureOut">
               <a:rPr lang="en-GB" smtClean="0"/>
-              <a:t>19/08/2020</a:t>
+              <a:t>19/11/2020</a:t>
             </a:fld>
             <a:endParaRPr lang="en-GB"/>
           </a:p>
@@ -9247,8 +11223,8 @@
         </p:nvSpPr>
         <p:spPr>
           <a:xfrm>
-            <a:off x="4610100" y="914399"/>
-            <a:ext cx="1752600" cy="2031325"/>
+            <a:off x="7461178" y="220894"/>
+            <a:ext cx="1752600" cy="2154436"/>
           </a:xfrm>
           <a:prstGeom prst="rect">
             <a:avLst/>
@@ -9283,22 +11259,27 @@
             </a:endParaRPr>
           </a:p>
           <a:p>
-            <a:endParaRPr lang="en-GB" dirty="0">
-              <a:cs typeface="Calibri"/>
-            </a:endParaRPr>
-          </a:p>
-          <a:p>
-            <a:endParaRPr lang="en-GB" dirty="0">
-              <a:cs typeface="Calibri"/>
-            </a:endParaRPr>
-          </a:p>
-          <a:p>
-            <a:endParaRPr lang="en-GB" dirty="0">
-              <a:cs typeface="Calibri"/>
-            </a:endParaRPr>
-          </a:p>
-          <a:p>
-            <a:endParaRPr lang="en-GB" dirty="0">
+            <a:endParaRPr lang="en-GB" sz="1600" dirty="0">
+              <a:cs typeface="Calibri"/>
+            </a:endParaRPr>
+          </a:p>
+          <a:p>
+            <a:endParaRPr lang="en-GB" sz="1600" dirty="0">
+              <a:cs typeface="Calibri"/>
+            </a:endParaRPr>
+          </a:p>
+          <a:p>
+            <a:endParaRPr lang="en-GB" sz="1600" dirty="0">
+              <a:cs typeface="Calibri"/>
+            </a:endParaRPr>
+          </a:p>
+          <a:p>
+            <a:endParaRPr lang="en-GB" sz="1600" dirty="0">
+              <a:cs typeface="Calibri"/>
+            </a:endParaRPr>
+          </a:p>
+          <a:p>
+            <a:endParaRPr lang="en-GB" sz="1600" dirty="0">
               <a:cs typeface="Calibri"/>
             </a:endParaRPr>
           </a:p>
@@ -9328,8 +11309,8 @@
         </p:nvSpPr>
         <p:spPr>
           <a:xfrm>
-            <a:off x="317020" y="207393"/>
-            <a:ext cx="3455957" cy="6463308"/>
+            <a:off x="317020" y="224516"/>
+            <a:ext cx="6092990" cy="6186309"/>
           </a:xfrm>
           <a:prstGeom prst="rect">
             <a:avLst/>
@@ -9356,15 +11337,10 @@
           <a:lstStyle/>
           <a:p>
             <a:r>
-              <a:rPr lang="en-GB"/>
+              <a:rPr lang="en-GB" dirty="0" err="1"/>
               <a:t>mzQC</a:t>
             </a:r>
-            <a:endParaRPr lang="en-GB">
-              <a:cs typeface="Calibri"/>
-            </a:endParaRPr>
-          </a:p>
-          <a:p>
-            <a:endParaRPr lang="en-GB" dirty="0">
+            <a:endParaRPr lang="en-GB" dirty="0" err="1">
               <a:cs typeface="Calibri"/>
             </a:endParaRPr>
           </a:p>
@@ -9489,8 +11465,8 @@
         </p:nvSpPr>
         <p:spPr>
           <a:xfrm>
-            <a:off x="602771" y="1518249"/>
-            <a:ext cx="2743200" cy="3416320"/>
+            <a:off x="602771" y="1569620"/>
+            <a:ext cx="2743200" cy="3970318"/>
           </a:xfrm>
           <a:prstGeom prst="rect">
             <a:avLst/>
@@ -9578,6 +11554,16 @@
               <a:cs typeface="Calibri"/>
             </a:endParaRPr>
           </a:p>
+          <a:p>
+            <a:endParaRPr lang="en-GB" dirty="0">
+              <a:cs typeface="Calibri"/>
+            </a:endParaRPr>
+          </a:p>
+          <a:p>
+            <a:endParaRPr lang="en-GB" dirty="0">
+              <a:cs typeface="Calibri"/>
+            </a:endParaRPr>
+          </a:p>
         </p:txBody>
       </p:sp>
       <p:sp>
@@ -9594,7 +11580,7 @@
         </p:nvSpPr>
         <p:spPr>
           <a:xfrm>
-            <a:off x="602770" y="639612"/>
+            <a:off x="602770" y="631050"/>
             <a:ext cx="2743200" cy="369332"/>
           </a:xfrm>
           <a:prstGeom prst="rect">
@@ -9647,8 +11633,8 @@
         </p:nvSpPr>
         <p:spPr>
           <a:xfrm>
-            <a:off x="890318" y="1796271"/>
-            <a:ext cx="2362200" cy="3139321"/>
+            <a:off x="890318" y="1847642"/>
+            <a:ext cx="2362200" cy="3693319"/>
           </a:xfrm>
           <a:prstGeom prst="rect">
             <a:avLst/>
@@ -9732,6 +11718,16 @@
               <a:cs typeface="Calibri"/>
             </a:endParaRPr>
           </a:p>
+          <a:p>
+            <a:endParaRPr lang="en-GB" dirty="0">
+              <a:cs typeface="Calibri"/>
+            </a:endParaRPr>
+          </a:p>
+          <a:p>
+            <a:endParaRPr lang="en-GB" dirty="0">
+              <a:cs typeface="Calibri"/>
+            </a:endParaRPr>
+          </a:p>
         </p:txBody>
       </p:sp>
       <p:sp>
@@ -9748,7 +11744,7 @@
         </p:nvSpPr>
         <p:spPr>
           <a:xfrm>
-            <a:off x="602771" y="6020159"/>
+            <a:off x="602771" y="5652002"/>
             <a:ext cx="2743200" cy="646331"/>
           </a:xfrm>
           <a:prstGeom prst="rect">
@@ -9808,7 +11804,7 @@
         </p:nvSpPr>
         <p:spPr>
           <a:xfrm>
-            <a:off x="890318" y="6298720"/>
+            <a:off x="890318" y="5930563"/>
             <a:ext cx="2362200" cy="369332"/>
           </a:xfrm>
           <a:prstGeom prst="rect">
@@ -9859,7 +11855,7 @@
         </p:nvSpPr>
         <p:spPr>
           <a:xfrm>
-            <a:off x="602770" y="1068237"/>
+            <a:off x="602770" y="1093922"/>
             <a:ext cx="2743200" cy="369332"/>
           </a:xfrm>
           <a:prstGeom prst="rect">
@@ -9912,7 +11908,7 @@
         </p:nvSpPr>
         <p:spPr>
           <a:xfrm>
-            <a:off x="985568" y="2062970"/>
+            <a:off x="985568" y="2114341"/>
             <a:ext cx="2171700" cy="1754326"/>
           </a:xfrm>
           <a:prstGeom prst="rect">
@@ -9994,7 +11990,7 @@
         </p:nvSpPr>
         <p:spPr>
           <a:xfrm>
-            <a:off x="1028700" y="2362200"/>
+            <a:off x="1028700" y="2413571"/>
             <a:ext cx="1752600" cy="646331"/>
           </a:xfrm>
           <a:prstGeom prst="rect">
@@ -10048,7 +12044,7 @@
         </p:nvSpPr>
         <p:spPr>
           <a:xfrm>
-            <a:off x="1028700" y="3162300"/>
+            <a:off x="1028700" y="3213671"/>
             <a:ext cx="1971675" cy="655856"/>
           </a:xfrm>
           <a:prstGeom prst="rect">
@@ -10104,8 +12100,8 @@
         </p:nvSpPr>
         <p:spPr>
           <a:xfrm>
-            <a:off x="985568" y="4006070"/>
-            <a:ext cx="2171700" cy="923330"/>
+            <a:off x="985568" y="4057441"/>
+            <a:ext cx="2171700" cy="1477328"/>
           </a:xfrm>
           <a:prstGeom prst="rect">
             <a:avLst/>
@@ -10155,6 +12151,18 @@
               <a:cs typeface="+mn-lt"/>
             </a:endParaRPr>
           </a:p>
+          <a:p>
+            <a:endParaRPr lang="en-GB" dirty="0">
+              <a:ea typeface="+mn-lt"/>
+              <a:cs typeface="+mn-lt"/>
+            </a:endParaRPr>
+          </a:p>
+          <a:p>
+            <a:endParaRPr lang="en-GB" dirty="0">
+              <a:ea typeface="+mn-lt"/>
+              <a:cs typeface="+mn-lt"/>
+            </a:endParaRPr>
+          </a:p>
         </p:txBody>
       </p:sp>
       <p:sp>
@@ -10171,8 +12179,8 @@
         </p:nvSpPr>
         <p:spPr>
           <a:xfrm>
-            <a:off x="1028700" y="4286250"/>
-            <a:ext cx="1752600" cy="646331"/>
+            <a:off x="1028700" y="4337621"/>
+            <a:ext cx="1752600" cy="1200329"/>
           </a:xfrm>
           <a:prstGeom prst="rect">
             <a:avLst/>
@@ -10209,6 +12217,16 @@
               <a:cs typeface="Calibri"/>
             </a:endParaRPr>
           </a:p>
+          <a:p>
+            <a:endParaRPr lang="en-GB" dirty="0">
+              <a:cs typeface="Calibri"/>
+            </a:endParaRPr>
+          </a:p>
+          <a:p>
+            <a:endParaRPr lang="en-GB" dirty="0">
+              <a:cs typeface="Calibri"/>
+            </a:endParaRPr>
+          </a:p>
         </p:txBody>
       </p:sp>
       <p:sp>
@@ -10225,7 +12243,7 @@
         </p:nvSpPr>
         <p:spPr>
           <a:xfrm>
-            <a:off x="4724400" y="1190625"/>
+            <a:off x="7575478" y="522805"/>
             <a:ext cx="1485900" cy="369332"/>
           </a:xfrm>
           <a:prstGeom prst="rect">
@@ -10274,7 +12292,7 @@
         </p:nvSpPr>
         <p:spPr>
           <a:xfrm>
-            <a:off x="4724399" y="1657350"/>
+            <a:off x="7575477" y="989530"/>
             <a:ext cx="1485900" cy="369332"/>
           </a:xfrm>
           <a:prstGeom prst="rect">
@@ -10323,7 +12341,7 @@
         </p:nvSpPr>
         <p:spPr>
           <a:xfrm>
-            <a:off x="4724399" y="2105025"/>
+            <a:off x="7575477" y="1437205"/>
             <a:ext cx="1485900" cy="369332"/>
           </a:xfrm>
           <a:prstGeom prst="rect">
@@ -10374,7 +12392,7 @@
         </p:nvSpPr>
         <p:spPr>
           <a:xfrm>
-            <a:off x="1152524" y="3457575"/>
+            <a:off x="1152524" y="3500384"/>
             <a:ext cx="1485900" cy="369332"/>
           </a:xfrm>
           <a:prstGeom prst="rect">
@@ -10425,7 +12443,7 @@
         </p:nvSpPr>
         <p:spPr>
           <a:xfrm>
-            <a:off x="4724399" y="2571750"/>
+            <a:off x="7575477" y="1903930"/>
             <a:ext cx="1485900" cy="369332"/>
           </a:xfrm>
           <a:prstGeom prst="rect">
@@ -10475,7 +12493,7 @@
         </p:nvSpPr>
         <p:spPr>
           <a:xfrm>
-            <a:off x="1152524" y="4562475"/>
+            <a:off x="1152524" y="4648093"/>
             <a:ext cx="1485900" cy="369332"/>
           </a:xfrm>
           <a:prstGeom prst="rect">
@@ -10526,7 +12544,7 @@
         </p:nvSpPr>
         <p:spPr>
           <a:xfrm>
-            <a:off x="1152525" y="2638425"/>
+            <a:off x="1152525" y="2689796"/>
             <a:ext cx="1485900" cy="369332"/>
           </a:xfrm>
           <a:prstGeom prst="rect">
@@ -10575,8 +12593,8 @@
         </p:nvSpPr>
         <p:spPr>
           <a:xfrm>
-            <a:off x="602770" y="5020033"/>
-            <a:ext cx="2743200" cy="923330"/>
+            <a:off x="3505219" y="1578191"/>
+            <a:ext cx="2743200" cy="3970318"/>
           </a:xfrm>
           <a:prstGeom prst="rect">
             <a:avLst/>
@@ -10622,81 +12640,60 @@
               <a:cs typeface="Calibri"/>
             </a:endParaRPr>
           </a:p>
-        </p:txBody>
-      </p:sp>
-      <p:sp>
-        <p:nvSpPr>
-          <p:cNvPr id="36" name="TextBox 35">
-            <a:extLst>
-              <a:ext uri="{FF2B5EF4-FFF2-40B4-BE49-F238E27FC236}">
-                <a16:creationId xmlns:a16="http://schemas.microsoft.com/office/drawing/2014/main" id="{1535CEEF-C7B7-4460-9C0B-807FF968DDD2}"/>
-              </a:ext>
-            </a:extLst>
-          </p:cNvPr>
-          <p:cNvSpPr txBox="1"/>
-          <p:nvPr/>
-        </p:nvSpPr>
-        <p:spPr>
-          <a:xfrm>
-            <a:off x="890318" y="5301470"/>
-            <a:ext cx="2362200" cy="646331"/>
-          </a:xfrm>
-          <a:prstGeom prst="rect">
-            <a:avLst/>
-          </a:prstGeom>
-          <a:solidFill>
-            <a:schemeClr val="accent6">
-              <a:lumMod val="20000"/>
-              <a:lumOff val="80000"/>
-            </a:schemeClr>
-          </a:solidFill>
-          <a:ln>
-            <a:solidFill>
-              <a:schemeClr val="accent6"/>
-            </a:solidFill>
-          </a:ln>
-        </p:spPr>
-        <p:txBody>
-          <a:bodyPr rot="0" spcFirstLastPara="0" vertOverflow="overflow" horzOverflow="overflow" vert="horz" wrap="square" lIns="91440" tIns="45720" rIns="91440" bIns="45720" numCol="1" spcCol="0" rtlCol="0" fromWordArt="0" anchor="t" anchorCtr="0" forceAA="0" compatLnSpc="1">
-            <a:prstTxWarp prst="textNoShape">
-              <a:avLst/>
-            </a:prstTxWarp>
-            <a:spAutoFit/>
-          </a:bodyPr>
-          <a:lstStyle/>
-          <a:p>
-            <a:r>
-              <a:rPr lang="en-GB" dirty="0" err="1">
-                <a:cs typeface="Calibri"/>
-              </a:rPr>
-              <a:t>setQuality</a:t>
-            </a:r>
-            <a:r>
-              <a:rPr lang="en-GB" dirty="0">
-                <a:cs typeface="Calibri"/>
-              </a:rPr>
-              <a:t> </a:t>
-            </a:r>
-          </a:p>
-          <a:p>
-            <a:r>
-              <a:rPr lang="en-GB" dirty="0">
-                <a:cs typeface="Calibri"/>
-              </a:rPr>
-              <a:t>(analogous </a:t>
-            </a:r>
-            <a:r>
-              <a:rPr lang="en-GB" dirty="0" err="1">
-                <a:cs typeface="Calibri"/>
-              </a:rPr>
-              <a:t>runQuality</a:t>
-            </a:r>
-            <a:r>
-              <a:rPr lang="en-GB" dirty="0">
-                <a:cs typeface="Calibri"/>
-              </a:rPr>
-              <a:t>)</a:t>
-            </a:r>
+          <a:p>
+            <a:endParaRPr lang="en-GB" dirty="0">
+              <a:cs typeface="Calibri"/>
+            </a:endParaRPr>
+          </a:p>
+          <a:p>
+            <a:endParaRPr lang="en-GB" dirty="0">
+              <a:cs typeface="Calibri"/>
+            </a:endParaRPr>
+          </a:p>
+          <a:p>
+            <a:endParaRPr lang="en-GB" dirty="0">
+              <a:cs typeface="Calibri"/>
+            </a:endParaRPr>
+          </a:p>
+          <a:p>
+            <a:endParaRPr lang="en-GB" dirty="0">
+              <a:cs typeface="Calibri"/>
+            </a:endParaRPr>
+          </a:p>
+          <a:p>
+            <a:endParaRPr lang="en-GB" dirty="0">
+              <a:cs typeface="Calibri"/>
+            </a:endParaRPr>
+          </a:p>
+          <a:p>
+            <a:endParaRPr lang="en-GB" dirty="0">
+              <a:cs typeface="Calibri"/>
+            </a:endParaRPr>
+          </a:p>
+          <a:p>
+            <a:endParaRPr lang="en-GB" dirty="0">
+              <a:cs typeface="Calibri"/>
+            </a:endParaRPr>
+          </a:p>
+          <a:p>
+            <a:endParaRPr lang="en-GB" dirty="0">
+              <a:cs typeface="Calibri"/>
+            </a:endParaRPr>
+          </a:p>
+          <a:p>
+            <a:endParaRPr lang="en-GB" dirty="0">
+              <a:cs typeface="Calibri"/>
+            </a:endParaRPr>
+          </a:p>
+          <a:p>
+            <a:endParaRPr lang="en-GB" dirty="0">
+              <a:cs typeface="Calibri"/>
+            </a:endParaRPr>
+          </a:p>
+          <a:p>
+            <a:endParaRPr lang="en-GB" dirty="0">
+              <a:cs typeface="Calibri"/>
+            </a:endParaRPr>
           </a:p>
         </p:txBody>
       </p:sp>
@@ -10714,8 +12711,8 @@
         </p:nvSpPr>
         <p:spPr>
           <a:xfrm>
-            <a:off x="7429500" y="2152649"/>
-            <a:ext cx="1752600" cy="2862322"/>
+            <a:off x="7472309" y="2460874"/>
+            <a:ext cx="1752600" cy="2092881"/>
           </a:xfrm>
           <a:prstGeom prst="rect">
             <a:avLst/>
@@ -10754,59 +12751,47 @@
             </a:endParaRPr>
           </a:p>
           <a:p>
-            <a:endParaRPr lang="en-GB" dirty="0">
+            <a:endParaRPr lang="en-GB" sz="1600" dirty="0">
               <a:ea typeface="+mn-lt"/>
               <a:cs typeface="+mn-lt"/>
             </a:endParaRPr>
           </a:p>
           <a:p>
-            <a:endParaRPr lang="en-GB" dirty="0">
+            <a:endParaRPr lang="en-GB" sz="1600" dirty="0">
               <a:ea typeface="+mn-lt"/>
               <a:cs typeface="+mn-lt"/>
             </a:endParaRPr>
           </a:p>
           <a:p>
-            <a:endParaRPr lang="en-GB" dirty="0">
+            <a:endParaRPr lang="en-GB" sz="1600" dirty="0">
               <a:ea typeface="+mn-lt"/>
               <a:cs typeface="+mn-lt"/>
             </a:endParaRPr>
           </a:p>
           <a:p>
-            <a:endParaRPr lang="en-GB" dirty="0">
+            <a:endParaRPr lang="en-GB" sz="1600" dirty="0">
               <a:ea typeface="+mn-lt"/>
               <a:cs typeface="+mn-lt"/>
             </a:endParaRPr>
           </a:p>
           <a:p>
-            <a:endParaRPr lang="en-GB" dirty="0">
+            <a:endParaRPr lang="en-GB" sz="1600" dirty="0">
               <a:ea typeface="+mn-lt"/>
               <a:cs typeface="+mn-lt"/>
             </a:endParaRPr>
           </a:p>
           <a:p>
-            <a:endParaRPr lang="en-GB" dirty="0">
+            <a:endParaRPr lang="en-GB" sz="1600" dirty="0">
               <a:ea typeface="+mn-lt"/>
               <a:cs typeface="+mn-lt"/>
             </a:endParaRPr>
           </a:p>
           <a:p>
-            <a:endParaRPr lang="en-GB" dirty="0">
+            <a:endParaRPr lang="en-GB" sz="1600" dirty="0">
               <a:ea typeface="+mn-lt"/>
               <a:cs typeface="+mn-lt"/>
             </a:endParaRPr>
           </a:p>
-          <a:p>
-            <a:endParaRPr lang="en-GB" dirty="0">
-              <a:ea typeface="+mn-lt"/>
-              <a:cs typeface="+mn-lt"/>
-            </a:endParaRPr>
-          </a:p>
-          <a:p>
-            <a:endParaRPr lang="en-GB" dirty="0">
-              <a:ea typeface="+mn-lt"/>
-              <a:cs typeface="+mn-lt"/>
-            </a:endParaRPr>
-          </a:p>
         </p:txBody>
       </p:sp>
       <p:sp>
@@ -10823,7 +12808,7 @@
         </p:nvSpPr>
         <p:spPr>
           <a:xfrm>
-            <a:off x="7543800" y="2428875"/>
+            <a:off x="7586609" y="2762785"/>
             <a:ext cx="1485900" cy="369332"/>
           </a:xfrm>
           <a:prstGeom prst="rect">
@@ -10872,7 +12857,7 @@
         </p:nvSpPr>
         <p:spPr>
           <a:xfrm>
-            <a:off x="7543799" y="2867024"/>
+            <a:off x="7586608" y="3200934"/>
             <a:ext cx="1485900" cy="369332"/>
           </a:xfrm>
           <a:prstGeom prst="rect">
@@ -10909,57 +12894,6 @@
       </p:sp>
       <p:sp>
         <p:nvSpPr>
-          <p:cNvPr id="40" name="TextBox 39">
-            <a:extLst>
-              <a:ext uri="{FF2B5EF4-FFF2-40B4-BE49-F238E27FC236}">
-                <a16:creationId xmlns:a16="http://schemas.microsoft.com/office/drawing/2014/main" id="{740DA697-9B12-4333-8261-0D9005AE310E}"/>
-              </a:ext>
-            </a:extLst>
-          </p:cNvPr>
-          <p:cNvSpPr txBox="1"/>
-          <p:nvPr/>
-        </p:nvSpPr>
-        <p:spPr>
-          <a:xfrm>
-            <a:off x="7543799" y="3314700"/>
-            <a:ext cx="1485900" cy="369332"/>
-          </a:xfrm>
-          <a:prstGeom prst="rect">
-            <a:avLst/>
-          </a:prstGeom>
-          <a:solidFill>
-            <a:schemeClr val="accent4">
-              <a:lumMod val="20000"/>
-              <a:lumOff val="80000"/>
-            </a:schemeClr>
-          </a:solidFill>
-          <a:ln>
-            <a:solidFill>
-              <a:schemeClr val="accent4"/>
-            </a:solidFill>
-          </a:ln>
-        </p:spPr>
-        <p:txBody>
-          <a:bodyPr rot="0" spcFirstLastPara="0" vertOverflow="overflow" horzOverflow="overflow" vert="horz" wrap="square" lIns="91440" tIns="45720" rIns="91440" bIns="45720" numCol="1" spcCol="0" rtlCol="0" fromWordArt="0" anchor="t" anchorCtr="0" forceAA="0" compatLnSpc="1">
-            <a:prstTxWarp prst="textNoShape">
-              <a:avLst/>
-            </a:prstTxWarp>
-            <a:spAutoFit/>
-          </a:bodyPr>
-          <a:lstStyle/>
-          <a:p>
-            <a:r>
-              <a:rPr lang="en-GB" dirty="0" err="1"/>
-              <a:t>cvRef</a:t>
-            </a:r>
-            <a:endParaRPr lang="en-US" dirty="0" err="1">
-              <a:cs typeface="Calibri"/>
-            </a:endParaRPr>
-          </a:p>
-        </p:txBody>
-      </p:sp>
-      <p:sp>
-        <p:nvSpPr>
           <p:cNvPr id="41" name="TextBox 40">
             <a:extLst>
               <a:ext uri="{FF2B5EF4-FFF2-40B4-BE49-F238E27FC236}">
@@ -10972,7 +12906,7 @@
         </p:nvSpPr>
         <p:spPr>
           <a:xfrm>
-            <a:off x="7543799" y="3762374"/>
+            <a:off x="7586608" y="3651070"/>
             <a:ext cx="1485900" cy="369332"/>
           </a:xfrm>
           <a:prstGeom prst="rect">
@@ -11022,7 +12956,7 @@
         </p:nvSpPr>
         <p:spPr>
           <a:xfrm>
-            <a:off x="7543799" y="4200524"/>
+            <a:off x="7586608" y="4089220"/>
             <a:ext cx="1485900" cy="369332"/>
           </a:xfrm>
           <a:prstGeom prst="rect">
@@ -11072,7 +13006,7 @@
         </p:nvSpPr>
         <p:spPr>
           <a:xfrm>
-            <a:off x="7543799" y="4648199"/>
+            <a:off x="1148136" y="5084849"/>
             <a:ext cx="1485900" cy="369332"/>
           </a:xfrm>
           <a:prstGeom prst="rect">
@@ -11122,8 +13056,8 @@
         </p:nvSpPr>
         <p:spPr>
           <a:xfrm>
-            <a:off x="4619625" y="4648199"/>
-            <a:ext cx="2438400" cy="2040850"/>
+            <a:off x="7102547" y="4648199"/>
+            <a:ext cx="2438400" cy="1661993"/>
           </a:xfrm>
           <a:prstGeom prst="rect">
             <a:avLst/>
@@ -11173,12 +13107,7 @@
             </a:endParaRPr>
           </a:p>
           <a:p>
-            <a:endParaRPr lang="en-GB" dirty="0">
-              <a:cs typeface="Calibri"/>
-            </a:endParaRPr>
-          </a:p>
-          <a:p>
-            <a:endParaRPr lang="en-GB" dirty="0">
+            <a:endParaRPr lang="en-GB" sz="1200" dirty="0">
               <a:cs typeface="Calibri"/>
             </a:endParaRPr>
           </a:p>
@@ -11203,7 +13132,7 @@
         </p:nvSpPr>
         <p:spPr>
           <a:xfrm>
-            <a:off x="4733925" y="4933950"/>
+            <a:off x="7216847" y="4951073"/>
             <a:ext cx="1485900" cy="369332"/>
           </a:xfrm>
           <a:prstGeom prst="rect">
@@ -11240,19 +13169,68 @@
       </p:sp>
       <p:sp>
         <p:nvSpPr>
-          <p:cNvPr id="50" name="TextBox 49">
-            <a:extLst>
-              <a:ext uri="{FF2B5EF4-FFF2-40B4-BE49-F238E27FC236}">
-                <a16:creationId xmlns:a16="http://schemas.microsoft.com/office/drawing/2014/main" id="{F991ADBC-67BA-48B4-8DFD-8E89895B9F3C}"/>
-              </a:ext>
-            </a:extLst>
-          </p:cNvPr>
-          <p:cNvSpPr txBox="1"/>
-          <p:nvPr/>
-        </p:nvSpPr>
-        <p:spPr>
-          <a:xfrm>
-            <a:off x="4733924" y="5400674"/>
+          <p:cNvPr id="51" name="TextBox 50">
+            <a:extLst>
+              <a:ext uri="{FF2B5EF4-FFF2-40B4-BE49-F238E27FC236}">
+                <a16:creationId xmlns:a16="http://schemas.microsoft.com/office/drawing/2014/main" id="{D517A9F1-7799-4EAC-AC33-82B6C5DBDA99}"/>
+              </a:ext>
+            </a:extLst>
+          </p:cNvPr>
+          <p:cNvSpPr txBox="1"/>
+          <p:nvPr/>
+        </p:nvSpPr>
+        <p:spPr>
+          <a:xfrm>
+            <a:off x="7216846" y="5411697"/>
+            <a:ext cx="1485900" cy="369332"/>
+          </a:xfrm>
+          <a:prstGeom prst="rect">
+            <a:avLst/>
+          </a:prstGeom>
+          <a:solidFill>
+            <a:schemeClr val="accent4">
+              <a:lumMod val="20000"/>
+              <a:lumOff val="80000"/>
+            </a:schemeClr>
+          </a:solidFill>
+          <a:ln>
+            <a:solidFill>
+              <a:schemeClr val="accent4"/>
+            </a:solidFill>
+          </a:ln>
+        </p:spPr>
+        <p:txBody>
+          <a:bodyPr rot="0" spcFirstLastPara="0" vertOverflow="overflow" horzOverflow="overflow" vert="horz" wrap="square" lIns="91440" tIns="45720" rIns="91440" bIns="45720" numCol="1" spcCol="0" rtlCol="0" fromWordArt="0" anchor="t" anchorCtr="0" forceAA="0" compatLnSpc="1">
+            <a:prstTxWarp prst="textNoShape">
+              <a:avLst/>
+            </a:prstTxWarp>
+            <a:spAutoFit/>
+          </a:bodyPr>
+          <a:lstStyle/>
+          <a:p>
+            <a:r>
+              <a:rPr lang="en-GB"/>
+              <a:t>uri</a:t>
+            </a:r>
+            <a:endParaRPr lang="en-US"/>
+          </a:p>
+        </p:txBody>
+      </p:sp>
+      <p:sp>
+        <p:nvSpPr>
+          <p:cNvPr id="52" name="TextBox 51">
+            <a:extLst>
+              <a:ext uri="{FF2B5EF4-FFF2-40B4-BE49-F238E27FC236}">
+                <a16:creationId xmlns:a16="http://schemas.microsoft.com/office/drawing/2014/main" id="{FD8F7BEC-B580-4F11-BE01-1F8E639B8716}"/>
+              </a:ext>
+            </a:extLst>
+          </p:cNvPr>
+          <p:cNvSpPr txBox="1"/>
+          <p:nvPr/>
+        </p:nvSpPr>
+        <p:spPr>
+          <a:xfrm>
+            <a:off x="7216846" y="5869859"/>
             <a:ext cx="1485900" cy="369332"/>
           </a:xfrm>
           <a:prstGeom prst="rect">
@@ -11282,105 +13260,6 @@
           <a:p>
             <a:r>
               <a:rPr lang="en-GB"/>
-              <a:t>ref</a:t>
-            </a:r>
-            <a:endParaRPr lang="en-US"/>
-          </a:p>
-        </p:txBody>
-      </p:sp>
-      <p:sp>
-        <p:nvSpPr>
-          <p:cNvPr id="51" name="TextBox 50">
-            <a:extLst>
-              <a:ext uri="{FF2B5EF4-FFF2-40B4-BE49-F238E27FC236}">
-                <a16:creationId xmlns:a16="http://schemas.microsoft.com/office/drawing/2014/main" id="{D517A9F1-7799-4EAC-AC33-82B6C5DBDA99}"/>
-              </a:ext>
-            </a:extLst>
-          </p:cNvPr>
-          <p:cNvSpPr txBox="1"/>
-          <p:nvPr/>
-        </p:nvSpPr>
-        <p:spPr>
-          <a:xfrm>
-            <a:off x="4733924" y="5848350"/>
-            <a:ext cx="1485900" cy="369332"/>
-          </a:xfrm>
-          <a:prstGeom prst="rect">
-            <a:avLst/>
-          </a:prstGeom>
-          <a:solidFill>
-            <a:schemeClr val="accent4">
-              <a:lumMod val="20000"/>
-              <a:lumOff val="80000"/>
-            </a:schemeClr>
-          </a:solidFill>
-          <a:ln>
-            <a:solidFill>
-              <a:schemeClr val="accent4"/>
-            </a:solidFill>
-          </a:ln>
-        </p:spPr>
-        <p:txBody>
-          <a:bodyPr rot="0" spcFirstLastPara="0" vertOverflow="overflow" horzOverflow="overflow" vert="horz" wrap="square" lIns="91440" tIns="45720" rIns="91440" bIns="45720" numCol="1" spcCol="0" rtlCol="0" fromWordArt="0" anchor="t" anchorCtr="0" forceAA="0" compatLnSpc="1">
-            <a:prstTxWarp prst="textNoShape">
-              <a:avLst/>
-            </a:prstTxWarp>
-            <a:spAutoFit/>
-          </a:bodyPr>
-          <a:lstStyle/>
-          <a:p>
-            <a:r>
-              <a:rPr lang="en-GB"/>
-              <a:t>uri</a:t>
-            </a:r>
-            <a:endParaRPr lang="en-US"/>
-          </a:p>
-        </p:txBody>
-      </p:sp>
-      <p:sp>
-        <p:nvSpPr>
-          <p:cNvPr id="52" name="TextBox 51">
-            <a:extLst>
-              <a:ext uri="{FF2B5EF4-FFF2-40B4-BE49-F238E27FC236}">
-                <a16:creationId xmlns:a16="http://schemas.microsoft.com/office/drawing/2014/main" id="{FD8F7BEC-B580-4F11-BE01-1F8E639B8716}"/>
-              </a:ext>
-            </a:extLst>
-          </p:cNvPr>
-          <p:cNvSpPr txBox="1"/>
-          <p:nvPr/>
-        </p:nvSpPr>
-        <p:spPr>
-          <a:xfrm>
-            <a:off x="4733924" y="6315074"/>
-            <a:ext cx="1485900" cy="369332"/>
-          </a:xfrm>
-          <a:prstGeom prst="rect">
-            <a:avLst/>
-          </a:prstGeom>
-          <a:solidFill>
-            <a:schemeClr val="accent4">
-              <a:lumMod val="20000"/>
-              <a:lumOff val="80000"/>
-            </a:schemeClr>
-          </a:solidFill>
-          <a:ln>
-            <a:solidFill>
-              <a:schemeClr val="accent4"/>
-            </a:solidFill>
-            <a:prstDash val="dash"/>
-          </a:ln>
-        </p:spPr>
-        <p:txBody>
-          <a:bodyPr rot="0" spcFirstLastPara="0" vertOverflow="overflow" horzOverflow="overflow" vert="horz" wrap="square" lIns="91440" tIns="45720" rIns="91440" bIns="45720" numCol="1" spcCol="0" rtlCol="0" fromWordArt="0" anchor="t" anchorCtr="0" forceAA="0" compatLnSpc="1">
-            <a:prstTxWarp prst="textNoShape">
-              <a:avLst/>
-            </a:prstTxWarp>
-            <a:spAutoFit/>
-          </a:bodyPr>
-          <a:lstStyle/>
-          <a:p>
-            <a:r>
-              <a:rPr lang="en-GB"/>
               <a:t>version</a:t>
             </a:r>
             <a:endParaRPr lang="en-US"/>
@@ -11524,7 +13403,7 @@
         </p:nvSpPr>
         <p:spPr>
           <a:xfrm>
-            <a:off x="2876550" y="1066800"/>
+            <a:off x="2876550" y="1101047"/>
             <a:ext cx="466725" cy="369332"/>
           </a:xfrm>
           <a:prstGeom prst="rect">
@@ -11566,7 +13445,7 @@
         </p:nvSpPr>
         <p:spPr>
           <a:xfrm>
-            <a:off x="2876550" y="638175"/>
+            <a:off x="2876550" y="629613"/>
             <a:ext cx="466725" cy="369332"/>
           </a:xfrm>
           <a:prstGeom prst="rect">
@@ -11608,8 +13487,8 @@
         </p:nvSpPr>
         <p:spPr>
           <a:xfrm>
-            <a:off x="3343275" y="190500"/>
-            <a:ext cx="466725" cy="369332"/>
+            <a:off x="5963184" y="190500"/>
+            <a:ext cx="449601" cy="369332"/>
           </a:xfrm>
           <a:prstGeom prst="rect">
             <a:avLst/>
@@ -11650,7 +13529,7 @@
         </p:nvSpPr>
         <p:spPr>
           <a:xfrm>
-            <a:off x="5981700" y="885825"/>
+            <a:off x="8832778" y="192320"/>
             <a:ext cx="466725" cy="369332"/>
           </a:xfrm>
           <a:prstGeom prst="rect">
@@ -11692,7 +13571,7 @@
         </p:nvSpPr>
         <p:spPr>
           <a:xfrm>
-            <a:off x="2876550" y="1485900"/>
+            <a:off x="2876550" y="1545833"/>
             <a:ext cx="466725" cy="369332"/>
           </a:xfrm>
           <a:prstGeom prst="rect">
@@ -11734,7 +13613,7 @@
         </p:nvSpPr>
         <p:spPr>
           <a:xfrm>
-            <a:off x="2876550" y="4991100"/>
+            <a:off x="5778999" y="1540696"/>
             <a:ext cx="466725" cy="369332"/>
           </a:xfrm>
           <a:prstGeom prst="rect">
@@ -11776,7 +13655,7 @@
         </p:nvSpPr>
         <p:spPr>
           <a:xfrm>
-            <a:off x="6657975" y="4629150"/>
+            <a:off x="9140897" y="4629150"/>
             <a:ext cx="466725" cy="369332"/>
           </a:xfrm>
           <a:prstGeom prst="rect">
@@ -11818,7 +13697,7 @@
         </p:nvSpPr>
         <p:spPr>
           <a:xfrm>
-            <a:off x="8791575" y="2124075"/>
+            <a:off x="8834384" y="2432300"/>
             <a:ext cx="466725" cy="369332"/>
           </a:xfrm>
           <a:prstGeom prst="rect">
@@ -11860,7 +13739,7 @@
         </p:nvSpPr>
         <p:spPr>
           <a:xfrm>
-            <a:off x="2876550" y="5991224"/>
+            <a:off x="2876550" y="5623066"/>
             <a:ext cx="466725" cy="369332"/>
           </a:xfrm>
           <a:prstGeom prst="rect">
@@ -11902,7 +13781,7 @@
         </p:nvSpPr>
         <p:spPr>
           <a:xfrm>
-            <a:off x="2390775" y="4267200"/>
+            <a:off x="2390775" y="4318571"/>
             <a:ext cx="466725" cy="369332"/>
           </a:xfrm>
           <a:prstGeom prst="rect">
@@ -11944,7 +13823,7 @@
         </p:nvSpPr>
         <p:spPr>
           <a:xfrm>
-            <a:off x="2762250" y="3990975"/>
+            <a:off x="2762250" y="4042346"/>
             <a:ext cx="466725" cy="369332"/>
           </a:xfrm>
           <a:prstGeom prst="rect">
@@ -11986,7 +13865,7 @@
         </p:nvSpPr>
         <p:spPr>
           <a:xfrm>
-            <a:off x="2733675" y="2066925"/>
+            <a:off x="2733675" y="2118296"/>
             <a:ext cx="466725" cy="369332"/>
           </a:xfrm>
           <a:prstGeom prst="rect">
@@ -12028,7 +13907,7 @@
         </p:nvSpPr>
         <p:spPr>
           <a:xfrm>
-            <a:off x="2609850" y="3143250"/>
+            <a:off x="2609850" y="3194621"/>
             <a:ext cx="466725" cy="369332"/>
           </a:xfrm>
           <a:prstGeom prst="rect">
@@ -12070,7 +13949,7 @@
         </p:nvSpPr>
         <p:spPr>
           <a:xfrm>
-            <a:off x="2400300" y="2333625"/>
+            <a:off x="2400300" y="2384996"/>
             <a:ext cx="466725" cy="369332"/>
           </a:xfrm>
           <a:prstGeom prst="rect">
@@ -12344,8 +14223,8 @@
         </p:nvCxnSpPr>
         <p:spPr>
           <a:xfrm flipH="1">
-            <a:off x="2600325" y="1104900"/>
-            <a:ext cx="2000250" cy="1714500"/>
+            <a:off x="2608886" y="1550113"/>
+            <a:ext cx="4911262" cy="1286410"/>
           </a:xfrm>
           <a:prstGeom prst="straightConnector1">
             <a:avLst/>
@@ -12385,8 +14264,8 @@
         </p:nvCxnSpPr>
         <p:spPr>
           <a:xfrm flipH="1">
-            <a:off x="3000375" y="4848225"/>
-            <a:ext cx="1600200" cy="1666875"/>
+            <a:off x="3334286" y="5978381"/>
+            <a:ext cx="3809143" cy="5888"/>
           </a:xfrm>
           <a:prstGeom prst="straightConnector1">
             <a:avLst/>
@@ -12428,6 +14307,945 @@
           <a:xfrm flipH="1">
             <a:off x="2476500" y="3629025"/>
             <a:ext cx="5038725" cy="9525"/>
+          </a:xfrm>
+          <a:prstGeom prst="straightConnector1">
+            <a:avLst/>
+          </a:prstGeom>
+          <a:ln>
+            <a:tailEnd type="triangle"/>
+          </a:ln>
+        </p:spPr>
+        <p:style>
+          <a:lnRef idx="3">
+            <a:schemeClr val="dk1"/>
+          </a:lnRef>
+          <a:fillRef idx="0">
+            <a:schemeClr val="dk1"/>
+          </a:fillRef>
+          <a:effectRef idx="2">
+            <a:schemeClr val="dk1"/>
+          </a:effectRef>
+          <a:fontRef idx="minor">
+            <a:schemeClr val="tx1"/>
+          </a:fontRef>
+        </p:style>
+      </p:cxnSp>
+      <p:sp>
+        <p:nvSpPr>
+          <p:cNvPr id="62" name="TextBox 61">
+            <a:extLst>
+              <a:ext uri="{FF2B5EF4-FFF2-40B4-BE49-F238E27FC236}">
+                <a16:creationId xmlns:a16="http://schemas.microsoft.com/office/drawing/2014/main" id="{0F359D48-3E54-4C66-9902-EA36E28C4BFA}"/>
+              </a:ext>
+            </a:extLst>
+          </p:cNvPr>
+          <p:cNvSpPr txBox="1"/>
+          <p:nvPr/>
+        </p:nvSpPr>
+        <p:spPr>
+          <a:xfrm>
+            <a:off x="3767082" y="1847642"/>
+            <a:ext cx="2362200" cy="3693319"/>
+          </a:xfrm>
+          <a:prstGeom prst="rect">
+            <a:avLst/>
+          </a:prstGeom>
+          <a:solidFill>
+            <a:schemeClr val="accent6">
+              <a:lumMod val="20000"/>
+              <a:lumOff val="80000"/>
+            </a:schemeClr>
+          </a:solidFill>
+          <a:ln>
+            <a:solidFill>
+              <a:schemeClr val="accent6"/>
+            </a:solidFill>
+          </a:ln>
+        </p:spPr>
+        <p:txBody>
+          <a:bodyPr rot="0" spcFirstLastPara="0" vertOverflow="overflow" horzOverflow="overflow" vert="horz" wrap="square" lIns="91440" tIns="45720" rIns="91440" bIns="45720" numCol="1" spcCol="0" rtlCol="0" fromWordArt="0" anchor="t" anchorCtr="0" forceAA="0" compatLnSpc="1">
+            <a:prstTxWarp prst="textNoShape">
+              <a:avLst/>
+            </a:prstTxWarp>
+            <a:spAutoFit/>
+          </a:bodyPr>
+          <a:lstStyle/>
+          <a:p>
+            <a:r>
+              <a:rPr lang="en-GB" dirty="0" err="1"/>
+              <a:t>setQuality</a:t>
+            </a:r>
+            <a:endParaRPr lang="en-US" dirty="0" err="1">
+              <a:cs typeface="Calibri" panose="020F0502020204030204"/>
+            </a:endParaRPr>
+          </a:p>
+          <a:p>
+            <a:endParaRPr lang="en-GB" dirty="0">
+              <a:cs typeface="Calibri"/>
+            </a:endParaRPr>
+          </a:p>
+          <a:p>
+            <a:endParaRPr lang="en-GB" dirty="0">
+              <a:cs typeface="Calibri"/>
+            </a:endParaRPr>
+          </a:p>
+          <a:p>
+            <a:endParaRPr lang="en-GB" dirty="0">
+              <a:cs typeface="Calibri"/>
+            </a:endParaRPr>
+          </a:p>
+          <a:p>
+            <a:endParaRPr lang="en-GB" dirty="0">
+              <a:cs typeface="Calibri"/>
+            </a:endParaRPr>
+          </a:p>
+          <a:p>
+            <a:endParaRPr lang="en-GB" dirty="0">
+              <a:cs typeface="Calibri"/>
+            </a:endParaRPr>
+          </a:p>
+          <a:p>
+            <a:endParaRPr lang="en-GB" dirty="0">
+              <a:cs typeface="Calibri"/>
+            </a:endParaRPr>
+          </a:p>
+          <a:p>
+            <a:endParaRPr lang="en-GB" dirty="0">
+              <a:cs typeface="Calibri"/>
+            </a:endParaRPr>
+          </a:p>
+          <a:p>
+            <a:endParaRPr lang="en-GB" dirty="0">
+              <a:cs typeface="Calibri"/>
+            </a:endParaRPr>
+          </a:p>
+          <a:p>
+            <a:endParaRPr lang="en-GB" dirty="0">
+              <a:cs typeface="Calibri"/>
+            </a:endParaRPr>
+          </a:p>
+          <a:p>
+            <a:endParaRPr lang="en-GB" dirty="0">
+              <a:cs typeface="Calibri"/>
+            </a:endParaRPr>
+          </a:p>
+          <a:p>
+            <a:endParaRPr lang="en-GB" dirty="0">
+              <a:cs typeface="Calibri"/>
+            </a:endParaRPr>
+          </a:p>
+          <a:p>
+            <a:endParaRPr lang="en-GB" dirty="0">
+              <a:cs typeface="Calibri"/>
+            </a:endParaRPr>
+          </a:p>
+        </p:txBody>
+      </p:sp>
+      <p:sp>
+        <p:nvSpPr>
+          <p:cNvPr id="81" name="TextBox 80">
+            <a:extLst>
+              <a:ext uri="{FF2B5EF4-FFF2-40B4-BE49-F238E27FC236}">
+                <a16:creationId xmlns:a16="http://schemas.microsoft.com/office/drawing/2014/main" id="{8659C1E4-E3DA-406E-A0B0-92AEC543E70A}"/>
+              </a:ext>
+            </a:extLst>
+          </p:cNvPr>
+          <p:cNvSpPr txBox="1"/>
+          <p:nvPr/>
+        </p:nvSpPr>
+        <p:spPr>
+          <a:xfrm>
+            <a:off x="3862332" y="2114341"/>
+            <a:ext cx="2171700" cy="1754326"/>
+          </a:xfrm>
+          <a:prstGeom prst="rect">
+            <a:avLst/>
+          </a:prstGeom>
+          <a:solidFill>
+            <a:schemeClr val="accent6">
+              <a:lumMod val="60000"/>
+              <a:lumOff val="40000"/>
+            </a:schemeClr>
+          </a:solidFill>
+          <a:ln>
+            <a:solidFill>
+              <a:schemeClr val="accent6"/>
+            </a:solidFill>
+            <a:prstDash val="dash"/>
+          </a:ln>
+        </p:spPr>
+        <p:txBody>
+          <a:bodyPr rot="0" spcFirstLastPara="0" vertOverflow="overflow" horzOverflow="overflow" vert="horz" wrap="square" lIns="91440" tIns="45720" rIns="91440" bIns="45720" numCol="1" spcCol="0" rtlCol="0" fromWordArt="0" anchor="t" anchorCtr="0" forceAA="0" compatLnSpc="1">
+            <a:prstTxWarp prst="textNoShape">
+              <a:avLst/>
+            </a:prstTxWarp>
+            <a:spAutoFit/>
+          </a:bodyPr>
+          <a:lstStyle/>
+          <a:p>
+            <a:r>
+              <a:rPr lang="en-GB" dirty="0">
+                <a:ea typeface="+mn-lt"/>
+                <a:cs typeface="+mn-lt"/>
+              </a:rPr>
+              <a:t>metadata</a:t>
+            </a:r>
+            <a:endParaRPr lang="en-US" dirty="0">
+              <a:ea typeface="+mn-lt"/>
+              <a:cs typeface="+mn-lt"/>
+            </a:endParaRPr>
+          </a:p>
+          <a:p>
+            <a:endParaRPr lang="en-GB" dirty="0">
+              <a:ea typeface="+mn-lt"/>
+              <a:cs typeface="+mn-lt"/>
+            </a:endParaRPr>
+          </a:p>
+          <a:p>
+            <a:endParaRPr lang="en-GB" dirty="0">
+              <a:cs typeface="Calibri"/>
+            </a:endParaRPr>
+          </a:p>
+          <a:p>
+            <a:endParaRPr lang="en-GB" dirty="0">
+              <a:cs typeface="Calibri"/>
+            </a:endParaRPr>
+          </a:p>
+          <a:p>
+            <a:endParaRPr lang="en-GB" dirty="0">
+              <a:cs typeface="Calibri"/>
+            </a:endParaRPr>
+          </a:p>
+          <a:p>
+            <a:endParaRPr lang="en-GB" dirty="0">
+              <a:cs typeface="Calibri"/>
+            </a:endParaRPr>
+          </a:p>
+        </p:txBody>
+      </p:sp>
+      <p:sp>
+        <p:nvSpPr>
+          <p:cNvPr id="82" name="TextBox 81">
+            <a:extLst>
+              <a:ext uri="{FF2B5EF4-FFF2-40B4-BE49-F238E27FC236}">
+                <a16:creationId xmlns:a16="http://schemas.microsoft.com/office/drawing/2014/main" id="{527FA320-D9D8-4A1B-9A62-139497CBBF05}"/>
+              </a:ext>
+            </a:extLst>
+          </p:cNvPr>
+          <p:cNvSpPr txBox="1"/>
+          <p:nvPr/>
+        </p:nvSpPr>
+        <p:spPr>
+          <a:xfrm>
+            <a:off x="3905464" y="2413571"/>
+            <a:ext cx="1752600" cy="646331"/>
+          </a:xfrm>
+          <a:prstGeom prst="rect">
+            <a:avLst/>
+          </a:prstGeom>
+          <a:solidFill>
+            <a:schemeClr val="accent4">
+              <a:lumMod val="20000"/>
+              <a:lumOff val="80000"/>
+            </a:schemeClr>
+          </a:solidFill>
+          <a:ln>
+            <a:solidFill>
+              <a:schemeClr val="accent4"/>
+            </a:solidFill>
+          </a:ln>
+        </p:spPr>
+        <p:txBody>
+          <a:bodyPr rot="0" spcFirstLastPara="0" vertOverflow="overflow" horzOverflow="overflow" vert="horz" wrap="square" lIns="91440" tIns="45720" rIns="91440" bIns="45720" numCol="1" spcCol="0" rtlCol="0" fromWordArt="0" anchor="t" anchorCtr="0" forceAA="0" compatLnSpc="1">
+            <a:prstTxWarp prst="textNoShape">
+              <a:avLst/>
+            </a:prstTxWarp>
+            <a:spAutoFit/>
+          </a:bodyPr>
+          <a:lstStyle/>
+          <a:p>
+            <a:r>
+              <a:rPr lang="en-GB" dirty="0" err="1"/>
+              <a:t>inputFiles</a:t>
+            </a:r>
+            <a:endParaRPr lang="en-US" dirty="0" err="1"/>
+          </a:p>
+          <a:p>
+            <a:endParaRPr lang="en-GB" dirty="0">
+              <a:cs typeface="Calibri"/>
+            </a:endParaRPr>
+          </a:p>
+        </p:txBody>
+      </p:sp>
+      <p:sp>
+        <p:nvSpPr>
+          <p:cNvPr id="83" name="TextBox 82">
+            <a:extLst>
+              <a:ext uri="{FF2B5EF4-FFF2-40B4-BE49-F238E27FC236}">
+                <a16:creationId xmlns:a16="http://schemas.microsoft.com/office/drawing/2014/main" id="{61FF7965-C95D-4F1F-8054-F8D1DBD5C995}"/>
+              </a:ext>
+            </a:extLst>
+          </p:cNvPr>
+          <p:cNvSpPr txBox="1"/>
+          <p:nvPr/>
+        </p:nvSpPr>
+        <p:spPr>
+          <a:xfrm>
+            <a:off x="3905464" y="3213671"/>
+            <a:ext cx="1971675" cy="655856"/>
+          </a:xfrm>
+          <a:prstGeom prst="rect">
+            <a:avLst/>
+          </a:prstGeom>
+          <a:solidFill>
+            <a:schemeClr val="accent4">
+              <a:lumMod val="20000"/>
+              <a:lumOff val="80000"/>
+            </a:schemeClr>
+          </a:solidFill>
+          <a:ln>
+            <a:solidFill>
+              <a:schemeClr val="accent4"/>
+            </a:solidFill>
+          </a:ln>
+        </p:spPr>
+        <p:txBody>
+          <a:bodyPr rot="0" spcFirstLastPara="0" vertOverflow="overflow" horzOverflow="overflow" vert="horz" wrap="square" lIns="91440" tIns="45720" rIns="91440" bIns="45720" numCol="1" spcCol="0" rtlCol="0" fromWordArt="0" anchor="t" anchorCtr="0" forceAA="0" compatLnSpc="1">
+            <a:prstTxWarp prst="textNoShape">
+              <a:avLst/>
+            </a:prstTxWarp>
+            <a:spAutoFit/>
+          </a:bodyPr>
+          <a:lstStyle/>
+          <a:p>
+            <a:r>
+              <a:rPr lang="en-GB" dirty="0" err="1"/>
+              <a:t>analysisSoftware</a:t>
+            </a:r>
+            <a:endParaRPr lang="en-GB" dirty="0" err="1">
+              <a:cs typeface="Calibri"/>
+            </a:endParaRPr>
+          </a:p>
+          <a:p>
+            <a:endParaRPr lang="en-GB" dirty="0">
+              <a:cs typeface="Calibri"/>
+            </a:endParaRPr>
+          </a:p>
+        </p:txBody>
+      </p:sp>
+      <p:sp>
+        <p:nvSpPr>
+          <p:cNvPr id="84" name="TextBox 83">
+            <a:extLst>
+              <a:ext uri="{FF2B5EF4-FFF2-40B4-BE49-F238E27FC236}">
+                <a16:creationId xmlns:a16="http://schemas.microsoft.com/office/drawing/2014/main" id="{85BAD851-F2ED-4B45-8CC9-4AF60FE8444F}"/>
+              </a:ext>
+            </a:extLst>
+          </p:cNvPr>
+          <p:cNvSpPr txBox="1"/>
+          <p:nvPr/>
+        </p:nvSpPr>
+        <p:spPr>
+          <a:xfrm>
+            <a:off x="3862332" y="4057441"/>
+            <a:ext cx="2171700" cy="1477328"/>
+          </a:xfrm>
+          <a:prstGeom prst="rect">
+            <a:avLst/>
+          </a:prstGeom>
+          <a:solidFill>
+            <a:schemeClr val="accent6">
+              <a:lumMod val="60000"/>
+              <a:lumOff val="40000"/>
+            </a:schemeClr>
+          </a:solidFill>
+          <a:ln>
+            <a:solidFill>
+              <a:schemeClr val="accent6"/>
+            </a:solidFill>
+            <a:prstDash val="solid"/>
+          </a:ln>
+        </p:spPr>
+        <p:txBody>
+          <a:bodyPr rot="0" spcFirstLastPara="0" vertOverflow="overflow" horzOverflow="overflow" vert="horz" wrap="square" lIns="91440" tIns="45720" rIns="91440" bIns="45720" numCol="1" spcCol="0" rtlCol="0" fromWordArt="0" anchor="t" anchorCtr="0" forceAA="0" compatLnSpc="1">
+            <a:prstTxWarp prst="textNoShape">
+              <a:avLst/>
+            </a:prstTxWarp>
+            <a:spAutoFit/>
+          </a:bodyPr>
+          <a:lstStyle/>
+          <a:p>
+            <a:r>
+              <a:rPr lang="en-GB" dirty="0" err="1">
+                <a:ea typeface="+mn-lt"/>
+                <a:cs typeface="+mn-lt"/>
+              </a:rPr>
+              <a:t>qualityMetrics</a:t>
+            </a:r>
+            <a:endParaRPr lang="en-US" dirty="0" err="1">
+              <a:ea typeface="+mn-lt"/>
+              <a:cs typeface="+mn-lt"/>
+            </a:endParaRPr>
+          </a:p>
+          <a:p>
+            <a:endParaRPr lang="en-GB" dirty="0">
+              <a:cs typeface="Calibri"/>
+            </a:endParaRPr>
+          </a:p>
+          <a:p>
+            <a:endParaRPr lang="en-GB" dirty="0">
+              <a:ea typeface="+mn-lt"/>
+              <a:cs typeface="+mn-lt"/>
+            </a:endParaRPr>
+          </a:p>
+          <a:p>
+            <a:endParaRPr lang="en-GB" dirty="0">
+              <a:ea typeface="+mn-lt"/>
+              <a:cs typeface="+mn-lt"/>
+            </a:endParaRPr>
+          </a:p>
+          <a:p>
+            <a:endParaRPr lang="en-GB" dirty="0">
+              <a:ea typeface="+mn-lt"/>
+              <a:cs typeface="+mn-lt"/>
+            </a:endParaRPr>
+          </a:p>
+        </p:txBody>
+      </p:sp>
+      <p:sp>
+        <p:nvSpPr>
+          <p:cNvPr id="85" name="TextBox 84">
+            <a:extLst>
+              <a:ext uri="{FF2B5EF4-FFF2-40B4-BE49-F238E27FC236}">
+                <a16:creationId xmlns:a16="http://schemas.microsoft.com/office/drawing/2014/main" id="{BD29245E-1F0A-44D4-8F85-E59FAF12C12A}"/>
+              </a:ext>
+            </a:extLst>
+          </p:cNvPr>
+          <p:cNvSpPr txBox="1"/>
+          <p:nvPr/>
+        </p:nvSpPr>
+        <p:spPr>
+          <a:xfrm>
+            <a:off x="3905464" y="4337621"/>
+            <a:ext cx="1752600" cy="1200329"/>
+          </a:xfrm>
+          <a:prstGeom prst="rect">
+            <a:avLst/>
+          </a:prstGeom>
+          <a:solidFill>
+            <a:schemeClr val="accent4">
+              <a:lumMod val="20000"/>
+              <a:lumOff val="80000"/>
+            </a:schemeClr>
+          </a:solidFill>
+          <a:ln>
+            <a:solidFill>
+              <a:schemeClr val="accent4"/>
+            </a:solidFill>
+          </a:ln>
+        </p:spPr>
+        <p:txBody>
+          <a:bodyPr rot="0" spcFirstLastPara="0" vertOverflow="overflow" horzOverflow="overflow" vert="horz" wrap="square" lIns="91440" tIns="45720" rIns="91440" bIns="45720" numCol="1" spcCol="0" rtlCol="0" fromWordArt="0" anchor="t" anchorCtr="0" forceAA="0" compatLnSpc="1">
+            <a:prstTxWarp prst="textNoShape">
+              <a:avLst/>
+            </a:prstTxWarp>
+            <a:spAutoFit/>
+          </a:bodyPr>
+          <a:lstStyle/>
+          <a:p>
+            <a:r>
+              <a:rPr lang="en-GB" dirty="0" err="1"/>
+              <a:t>qualityMetric</a:t>
+            </a:r>
+            <a:endParaRPr lang="en-US" dirty="0" err="1"/>
+          </a:p>
+          <a:p>
+            <a:endParaRPr lang="en-GB" dirty="0">
+              <a:cs typeface="Calibri"/>
+            </a:endParaRPr>
+          </a:p>
+          <a:p>
+            <a:endParaRPr lang="en-GB" dirty="0">
+              <a:cs typeface="Calibri"/>
+            </a:endParaRPr>
+          </a:p>
+          <a:p>
+            <a:endParaRPr lang="en-GB" dirty="0">
+              <a:cs typeface="Calibri"/>
+            </a:endParaRPr>
+          </a:p>
+        </p:txBody>
+      </p:sp>
+      <p:sp>
+        <p:nvSpPr>
+          <p:cNvPr id="86" name="TextBox 85">
+            <a:extLst>
+              <a:ext uri="{FF2B5EF4-FFF2-40B4-BE49-F238E27FC236}">
+                <a16:creationId xmlns:a16="http://schemas.microsoft.com/office/drawing/2014/main" id="{50ABF8EB-4C07-4204-9535-9FBBA9B3F6AD}"/>
+              </a:ext>
+            </a:extLst>
+          </p:cNvPr>
+          <p:cNvSpPr txBox="1"/>
+          <p:nvPr/>
+        </p:nvSpPr>
+        <p:spPr>
+          <a:xfrm>
+            <a:off x="4029288" y="3500384"/>
+            <a:ext cx="1485900" cy="369332"/>
+          </a:xfrm>
+          <a:prstGeom prst="rect">
+            <a:avLst/>
+          </a:prstGeom>
+          <a:solidFill>
+            <a:schemeClr val="accent4">
+              <a:lumMod val="40000"/>
+              <a:lumOff val="60000"/>
+            </a:schemeClr>
+          </a:solidFill>
+          <a:ln>
+            <a:solidFill>
+              <a:schemeClr val="accent4"/>
+            </a:solidFill>
+          </a:ln>
+        </p:spPr>
+        <p:txBody>
+          <a:bodyPr rot="0" spcFirstLastPara="0" vertOverflow="overflow" horzOverflow="overflow" vert="horz" wrap="square" lIns="91440" tIns="45720" rIns="91440" bIns="45720" numCol="1" spcCol="0" rtlCol="0" fromWordArt="0" anchor="t" anchorCtr="0" forceAA="0" compatLnSpc="1">
+            <a:prstTxWarp prst="textNoShape">
+              <a:avLst/>
+            </a:prstTxWarp>
+            <a:spAutoFit/>
+          </a:bodyPr>
+          <a:lstStyle/>
+          <a:p>
+            <a:r>
+              <a:rPr lang="en-GB" dirty="0" err="1">
+                <a:ea typeface="+mn-lt"/>
+                <a:cs typeface="+mn-lt"/>
+              </a:rPr>
+              <a:t>cvParameter</a:t>
+            </a:r>
+          </a:p>
+        </p:txBody>
+      </p:sp>
+      <p:sp>
+        <p:nvSpPr>
+          <p:cNvPr id="87" name="TextBox 86">
+            <a:extLst>
+              <a:ext uri="{FF2B5EF4-FFF2-40B4-BE49-F238E27FC236}">
+                <a16:creationId xmlns:a16="http://schemas.microsoft.com/office/drawing/2014/main" id="{AC65B803-364A-458D-A0A3-317B32DB339D}"/>
+              </a:ext>
+            </a:extLst>
+          </p:cNvPr>
+          <p:cNvSpPr txBox="1"/>
+          <p:nvPr/>
+        </p:nvSpPr>
+        <p:spPr>
+          <a:xfrm>
+            <a:off x="4029288" y="4648093"/>
+            <a:ext cx="1485900" cy="369332"/>
+          </a:xfrm>
+          <a:prstGeom prst="rect">
+            <a:avLst/>
+          </a:prstGeom>
+          <a:solidFill>
+            <a:schemeClr val="accent4">
+              <a:lumMod val="40000"/>
+              <a:lumOff val="60000"/>
+            </a:schemeClr>
+          </a:solidFill>
+          <a:ln>
+            <a:solidFill>
+              <a:schemeClr val="accent4"/>
+            </a:solidFill>
+          </a:ln>
+        </p:spPr>
+        <p:txBody>
+          <a:bodyPr rot="0" spcFirstLastPara="0" vertOverflow="overflow" horzOverflow="overflow" vert="horz" wrap="square" lIns="91440" tIns="45720" rIns="91440" bIns="45720" numCol="1" spcCol="0" rtlCol="0" fromWordArt="0" anchor="t" anchorCtr="0" forceAA="0" compatLnSpc="1">
+            <a:prstTxWarp prst="textNoShape">
+              <a:avLst/>
+            </a:prstTxWarp>
+            <a:spAutoFit/>
+          </a:bodyPr>
+          <a:lstStyle/>
+          <a:p>
+            <a:r>
+              <a:rPr lang="en-GB" dirty="0" err="1"/>
+              <a:t>cvParameter</a:t>
+            </a:r>
+            <a:endParaRPr lang="en-US" dirty="0" err="1">
+              <a:cs typeface="Calibri"/>
+            </a:endParaRPr>
+          </a:p>
+        </p:txBody>
+      </p:sp>
+      <p:sp>
+        <p:nvSpPr>
+          <p:cNvPr id="88" name="TextBox 87">
+            <a:extLst>
+              <a:ext uri="{FF2B5EF4-FFF2-40B4-BE49-F238E27FC236}">
+                <a16:creationId xmlns:a16="http://schemas.microsoft.com/office/drawing/2014/main" id="{839B7316-F4B1-45E9-8108-E17A9BF8E3BA}"/>
+              </a:ext>
+            </a:extLst>
+          </p:cNvPr>
+          <p:cNvSpPr txBox="1"/>
+          <p:nvPr/>
+        </p:nvSpPr>
+        <p:spPr>
+          <a:xfrm>
+            <a:off x="4029289" y="2689796"/>
+            <a:ext cx="1485900" cy="369332"/>
+          </a:xfrm>
+          <a:prstGeom prst="rect">
+            <a:avLst/>
+          </a:prstGeom>
+          <a:solidFill>
+            <a:schemeClr val="accent4">
+              <a:lumMod val="40000"/>
+              <a:lumOff val="60000"/>
+            </a:schemeClr>
+          </a:solidFill>
+          <a:ln>
+            <a:solidFill>
+              <a:schemeClr val="accent4"/>
+            </a:solidFill>
+          </a:ln>
+        </p:spPr>
+        <p:txBody>
+          <a:bodyPr rot="0" spcFirstLastPara="0" vertOverflow="overflow" horzOverflow="overflow" vert="horz" wrap="square" lIns="91440" tIns="45720" rIns="91440" bIns="45720" numCol="1" spcCol="0" rtlCol="0" fromWordArt="0" anchor="t" anchorCtr="0" forceAA="0" compatLnSpc="1">
+            <a:prstTxWarp prst="textNoShape">
+              <a:avLst/>
+            </a:prstTxWarp>
+            <a:spAutoFit/>
+          </a:bodyPr>
+          <a:lstStyle/>
+          <a:p>
+            <a:r>
+              <a:rPr lang="en-GB" dirty="0" err="1"/>
+              <a:t>inputFile</a:t>
+            </a:r>
+            <a:endParaRPr lang="en-US" dirty="0" err="1"/>
+          </a:p>
+        </p:txBody>
+      </p:sp>
+      <p:sp>
+        <p:nvSpPr>
+          <p:cNvPr id="89" name="TextBox 88">
+            <a:extLst>
+              <a:ext uri="{FF2B5EF4-FFF2-40B4-BE49-F238E27FC236}">
+                <a16:creationId xmlns:a16="http://schemas.microsoft.com/office/drawing/2014/main" id="{175EF780-D38A-45EB-B7FF-C32C04426822}"/>
+              </a:ext>
+            </a:extLst>
+          </p:cNvPr>
+          <p:cNvSpPr txBox="1"/>
+          <p:nvPr/>
+        </p:nvSpPr>
+        <p:spPr>
+          <a:xfrm>
+            <a:off x="4024900" y="5084849"/>
+            <a:ext cx="1485900" cy="369332"/>
+          </a:xfrm>
+          <a:prstGeom prst="rect">
+            <a:avLst/>
+          </a:prstGeom>
+          <a:solidFill>
+            <a:schemeClr val="accent4">
+              <a:lumMod val="20000"/>
+              <a:lumOff val="80000"/>
+            </a:schemeClr>
+          </a:solidFill>
+          <a:ln>
+            <a:solidFill>
+              <a:schemeClr val="accent4"/>
+            </a:solidFill>
+            <a:prstDash val="dash"/>
+          </a:ln>
+        </p:spPr>
+        <p:txBody>
+          <a:bodyPr rot="0" spcFirstLastPara="0" vertOverflow="overflow" horzOverflow="overflow" vert="horz" wrap="square" lIns="91440" tIns="45720" rIns="91440" bIns="45720" numCol="1" spcCol="0" rtlCol="0" fromWordArt="0" anchor="t" anchorCtr="0" forceAA="0" compatLnSpc="1">
+            <a:prstTxWarp prst="textNoShape">
+              <a:avLst/>
+            </a:prstTxWarp>
+            <a:spAutoFit/>
+          </a:bodyPr>
+          <a:lstStyle/>
+          <a:p>
+            <a:r>
+              <a:rPr lang="en-GB" dirty="0"/>
+              <a:t>unit</a:t>
+            </a:r>
+            <a:endParaRPr lang="en-US" dirty="0"/>
+          </a:p>
+        </p:txBody>
+      </p:sp>
+      <p:sp>
+        <p:nvSpPr>
+          <p:cNvPr id="90" name="TextBox 89">
+            <a:extLst>
+              <a:ext uri="{FF2B5EF4-FFF2-40B4-BE49-F238E27FC236}">
+                <a16:creationId xmlns:a16="http://schemas.microsoft.com/office/drawing/2014/main" id="{3FF7F186-99C0-41F2-8CB2-7F90371796D9}"/>
+              </a:ext>
+            </a:extLst>
+          </p:cNvPr>
+          <p:cNvSpPr txBox="1"/>
+          <p:nvPr/>
+        </p:nvSpPr>
+        <p:spPr>
+          <a:xfrm>
+            <a:off x="5267539" y="4318571"/>
+            <a:ext cx="466725" cy="369332"/>
+          </a:xfrm>
+          <a:prstGeom prst="rect">
+            <a:avLst/>
+          </a:prstGeom>
+          <a:noFill/>
+        </p:spPr>
+        <p:txBody>
+          <a:bodyPr rot="0" spcFirstLastPara="0" vertOverflow="overflow" horzOverflow="overflow" vert="horz" wrap="square" lIns="91440" tIns="45720" rIns="91440" bIns="45720" numCol="1" spcCol="0" rtlCol="0" fromWordArt="0" anchor="t" anchorCtr="0" forceAA="0" compatLnSpc="1">
+            <a:prstTxWarp prst="textNoShape">
+              <a:avLst/>
+            </a:prstTxWarp>
+            <a:spAutoFit/>
+          </a:bodyPr>
+          <a:lstStyle/>
+          <a:p>
+            <a:pPr algn="ctr"/>
+            <a:r>
+              <a:rPr lang="en-GB"/>
+              <a:t>{..}</a:t>
+            </a:r>
+            <a:endParaRPr lang="en-US">
+              <a:cs typeface="Calibri" panose="020F0502020204030204"/>
+            </a:endParaRPr>
+          </a:p>
+        </p:txBody>
+      </p:sp>
+      <p:sp>
+        <p:nvSpPr>
+          <p:cNvPr id="91" name="TextBox 90">
+            <a:extLst>
+              <a:ext uri="{FF2B5EF4-FFF2-40B4-BE49-F238E27FC236}">
+                <a16:creationId xmlns:a16="http://schemas.microsoft.com/office/drawing/2014/main" id="{C371CFEC-A54C-4E10-BED2-7A7D86E0E0F8}"/>
+              </a:ext>
+            </a:extLst>
+          </p:cNvPr>
+          <p:cNvSpPr txBox="1"/>
+          <p:nvPr/>
+        </p:nvSpPr>
+        <p:spPr>
+          <a:xfrm>
+            <a:off x="5639014" y="4042346"/>
+            <a:ext cx="466725" cy="369332"/>
+          </a:xfrm>
+          <a:prstGeom prst="rect">
+            <a:avLst/>
+          </a:prstGeom>
+          <a:noFill/>
+        </p:spPr>
+        <p:txBody>
+          <a:bodyPr rot="0" spcFirstLastPara="0" vertOverflow="overflow" horzOverflow="overflow" vert="horz" wrap="square" lIns="91440" tIns="45720" rIns="91440" bIns="45720" numCol="1" spcCol="0" rtlCol="0" fromWordArt="0" anchor="t" anchorCtr="0" forceAA="0" compatLnSpc="1">
+            <a:prstTxWarp prst="textNoShape">
+              <a:avLst/>
+            </a:prstTxWarp>
+            <a:spAutoFit/>
+          </a:bodyPr>
+          <a:lstStyle/>
+          <a:p>
+            <a:pPr algn="ctr"/>
+            <a:r>
+              <a:rPr lang="en-GB"/>
+              <a:t>[..]</a:t>
+            </a:r>
+            <a:endParaRPr lang="en-US">
+              <a:cs typeface="Calibri" panose="020F0502020204030204"/>
+            </a:endParaRPr>
+          </a:p>
+        </p:txBody>
+      </p:sp>
+      <p:sp>
+        <p:nvSpPr>
+          <p:cNvPr id="92" name="TextBox 91">
+            <a:extLst>
+              <a:ext uri="{FF2B5EF4-FFF2-40B4-BE49-F238E27FC236}">
+                <a16:creationId xmlns:a16="http://schemas.microsoft.com/office/drawing/2014/main" id="{C853033E-66A7-438F-9E30-14341689353E}"/>
+              </a:ext>
+            </a:extLst>
+          </p:cNvPr>
+          <p:cNvSpPr txBox="1"/>
+          <p:nvPr/>
+        </p:nvSpPr>
+        <p:spPr>
+          <a:xfrm>
+            <a:off x="5610439" y="2118296"/>
+            <a:ext cx="466725" cy="369332"/>
+          </a:xfrm>
+          <a:prstGeom prst="rect">
+            <a:avLst/>
+          </a:prstGeom>
+          <a:noFill/>
+        </p:spPr>
+        <p:txBody>
+          <a:bodyPr rot="0" spcFirstLastPara="0" vertOverflow="overflow" horzOverflow="overflow" vert="horz" wrap="square" lIns="91440" tIns="45720" rIns="91440" bIns="45720" numCol="1" spcCol="0" rtlCol="0" fromWordArt="0" anchor="t" anchorCtr="0" forceAA="0" compatLnSpc="1">
+            <a:prstTxWarp prst="textNoShape">
+              <a:avLst/>
+            </a:prstTxWarp>
+            <a:spAutoFit/>
+          </a:bodyPr>
+          <a:lstStyle/>
+          <a:p>
+            <a:pPr algn="ctr"/>
+            <a:r>
+              <a:rPr lang="en-GB"/>
+              <a:t>{..}</a:t>
+            </a:r>
+            <a:endParaRPr lang="en-US">
+              <a:cs typeface="Calibri" panose="020F0502020204030204"/>
+            </a:endParaRPr>
+          </a:p>
+        </p:txBody>
+      </p:sp>
+      <p:sp>
+        <p:nvSpPr>
+          <p:cNvPr id="93" name="TextBox 92">
+            <a:extLst>
+              <a:ext uri="{FF2B5EF4-FFF2-40B4-BE49-F238E27FC236}">
+                <a16:creationId xmlns:a16="http://schemas.microsoft.com/office/drawing/2014/main" id="{086B3BB8-3F8F-491A-91C7-B09D4C9F6257}"/>
+              </a:ext>
+            </a:extLst>
+          </p:cNvPr>
+          <p:cNvSpPr txBox="1"/>
+          <p:nvPr/>
+        </p:nvSpPr>
+        <p:spPr>
+          <a:xfrm>
+            <a:off x="5486614" y="3194621"/>
+            <a:ext cx="466725" cy="369332"/>
+          </a:xfrm>
+          <a:prstGeom prst="rect">
+            <a:avLst/>
+          </a:prstGeom>
+          <a:noFill/>
+        </p:spPr>
+        <p:txBody>
+          <a:bodyPr rot="0" spcFirstLastPara="0" vertOverflow="overflow" horzOverflow="overflow" vert="horz" wrap="square" lIns="91440" tIns="45720" rIns="91440" bIns="45720" numCol="1" spcCol="0" rtlCol="0" fromWordArt="0" anchor="t" anchorCtr="0" forceAA="0" compatLnSpc="1">
+            <a:prstTxWarp prst="textNoShape">
+              <a:avLst/>
+            </a:prstTxWarp>
+            <a:spAutoFit/>
+          </a:bodyPr>
+          <a:lstStyle/>
+          <a:p>
+            <a:pPr algn="ctr"/>
+            <a:r>
+              <a:rPr lang="en-GB"/>
+              <a:t>{..}</a:t>
+            </a:r>
+            <a:endParaRPr lang="en-US">
+              <a:cs typeface="Calibri" panose="020F0502020204030204"/>
+            </a:endParaRPr>
+          </a:p>
+        </p:txBody>
+      </p:sp>
+      <p:sp>
+        <p:nvSpPr>
+          <p:cNvPr id="94" name="TextBox 93">
+            <a:extLst>
+              <a:ext uri="{FF2B5EF4-FFF2-40B4-BE49-F238E27FC236}">
+                <a16:creationId xmlns:a16="http://schemas.microsoft.com/office/drawing/2014/main" id="{035A33A7-A46E-4D49-8436-287275C6D29C}"/>
+              </a:ext>
+            </a:extLst>
+          </p:cNvPr>
+          <p:cNvSpPr txBox="1"/>
+          <p:nvPr/>
+        </p:nvSpPr>
+        <p:spPr>
+          <a:xfrm>
+            <a:off x="5277064" y="2384996"/>
+            <a:ext cx="466725" cy="369332"/>
+          </a:xfrm>
+          <a:prstGeom prst="rect">
+            <a:avLst/>
+          </a:prstGeom>
+          <a:noFill/>
+        </p:spPr>
+        <p:txBody>
+          <a:bodyPr rot="0" spcFirstLastPara="0" vertOverflow="overflow" horzOverflow="overflow" vert="horz" wrap="square" lIns="91440" tIns="45720" rIns="91440" bIns="45720" numCol="1" spcCol="0" rtlCol="0" fromWordArt="0" anchor="t" anchorCtr="0" forceAA="0" compatLnSpc="1">
+            <a:prstTxWarp prst="textNoShape">
+              <a:avLst/>
+            </a:prstTxWarp>
+            <a:spAutoFit/>
+          </a:bodyPr>
+          <a:lstStyle/>
+          <a:p>
+            <a:pPr algn="ctr"/>
+            <a:r>
+              <a:rPr lang="en-GB"/>
+              <a:t>[..]</a:t>
+            </a:r>
+            <a:endParaRPr lang="en-US">
+              <a:cs typeface="Calibri" panose="020F0502020204030204"/>
+            </a:endParaRPr>
+          </a:p>
+        </p:txBody>
+      </p:sp>
+      <p:cxnSp>
+        <p:nvCxnSpPr>
+          <p:cNvPr id="96" name="Straight Arrow Connector 95">
+            <a:extLst>
+              <a:ext uri="{FF2B5EF4-FFF2-40B4-BE49-F238E27FC236}">
+                <a16:creationId xmlns:a16="http://schemas.microsoft.com/office/drawing/2014/main" id="{08BE976A-2D9E-4E6F-8E70-3E024B827DF7}"/>
+              </a:ext>
+            </a:extLst>
+          </p:cNvPr>
+          <p:cNvCxnSpPr>
+            <a:cxnSpLocks/>
+          </p:cNvCxnSpPr>
+          <p:nvPr/>
+        </p:nvCxnSpPr>
+        <p:spPr>
+          <a:xfrm flipH="1" flipV="1">
+            <a:off x="5344701" y="3629989"/>
+            <a:ext cx="2110590" cy="7597"/>
+          </a:xfrm>
+          <a:prstGeom prst="straightConnector1">
+            <a:avLst/>
+          </a:prstGeom>
+          <a:ln>
+            <a:tailEnd type="triangle"/>
+          </a:ln>
+        </p:spPr>
+        <p:style>
+          <a:lnRef idx="3">
+            <a:schemeClr val="dk1"/>
+          </a:lnRef>
+          <a:fillRef idx="0">
+            <a:schemeClr val="dk1"/>
+          </a:fillRef>
+          <a:effectRef idx="2">
+            <a:schemeClr val="dk1"/>
+          </a:effectRef>
+          <a:fontRef idx="minor">
+            <a:schemeClr val="tx1"/>
+          </a:fontRef>
+        </p:style>
+      </p:cxnSp>
+      <p:cxnSp>
+        <p:nvCxnSpPr>
+          <p:cNvPr id="97" name="Straight Arrow Connector 96">
+            <a:extLst>
+              <a:ext uri="{FF2B5EF4-FFF2-40B4-BE49-F238E27FC236}">
+                <a16:creationId xmlns:a16="http://schemas.microsoft.com/office/drawing/2014/main" id="{B222D69D-9707-49BB-B8AD-B511826CEE0B}"/>
+              </a:ext>
+            </a:extLst>
+          </p:cNvPr>
+          <p:cNvCxnSpPr>
+            <a:cxnSpLocks/>
+          </p:cNvCxnSpPr>
+          <p:nvPr/>
+        </p:nvCxnSpPr>
+        <p:spPr>
+          <a:xfrm flipH="1">
+            <a:off x="5451402" y="2235057"/>
+            <a:ext cx="2085869" cy="601467"/>
           </a:xfrm>
           <a:prstGeom prst="straightConnector1">
             <a:avLst/>
